--- a/Laporan/Presentasi Sidang.pptx
+++ b/Laporan/Presentasi Sidang.pptx
@@ -18,6 +18,15 @@
     <p:sldId id="266" r:id="rId12"/>
     <p:sldId id="268" r:id="rId13"/>
     <p:sldId id="267" r:id="rId14"/>
+    <p:sldId id="269" r:id="rId15"/>
+    <p:sldId id="274" r:id="rId16"/>
+    <p:sldId id="270" r:id="rId17"/>
+    <p:sldId id="271" r:id="rId18"/>
+    <p:sldId id="277" r:id="rId19"/>
+    <p:sldId id="272" r:id="rId20"/>
+    <p:sldId id="273" r:id="rId21"/>
+    <p:sldId id="275" r:id="rId22"/>
+    <p:sldId id="276" r:id="rId23"/>
   </p:sldIdLst>
   <p:sldSz cx="12192000" cy="6858000"/>
   <p:notesSz cx="6858000" cy="9144000"/>
@@ -116,7 +125,1358 @@
       </a:defRPr>
     </a:lvl9pPr>
   </p:defaultTextStyle>
+  <p:extLst>
+    <p:ext uri="{EFAFB233-063F-42B5-8137-9DF3F51BA10A}">
+      <p15:sldGuideLst xmlns:p15="http://schemas.microsoft.com/office/powerpoint/2012/main"/>
+    </p:ext>
+  </p:extLst>
 </p:presentation>
+</file>
+
+<file path=ppt/revisionInfo.xml><?xml version="1.0" encoding="utf-8"?>
+<p1510:revInfo xmlns:a="http://schemas.openxmlformats.org/drawingml/2006/main" xmlns:r="http://schemas.openxmlformats.org/officeDocument/2006/relationships" xmlns:p1510="http://schemas.microsoft.com/office/powerpoint/2015/10/main"/>
+</file>
+
+<file path=ppt/charts/chart1.xml><?xml version="1.0" encoding="utf-8"?>
+<c:chartSpace xmlns:c="http://schemas.openxmlformats.org/drawingml/2006/chart" xmlns:a="http://schemas.openxmlformats.org/drawingml/2006/main" xmlns:r="http://schemas.openxmlformats.org/officeDocument/2006/relationships" xmlns:c16r2="http://schemas.microsoft.com/office/drawing/2015/06/chart">
+  <c:date1904 val="0"/>
+  <c:lang val="en-US"/>
+  <c:roundedCorners val="0"/>
+  <mc:AlternateContent xmlns:mc="http://schemas.openxmlformats.org/markup-compatibility/2006">
+    <mc:Choice xmlns:c14="http://schemas.microsoft.com/office/drawing/2007/8/2/chart" Requires="c14">
+      <c14:style val="102"/>
+    </mc:Choice>
+    <mc:Fallback>
+      <c:style val="2"/>
+    </mc:Fallback>
+  </mc:AlternateContent>
+  <c:chart>
+    <c:title>
+      <c:tx>
+        <c:rich>
+          <a:bodyPr rot="0" spcFirstLastPara="1" vertOverflow="ellipsis" vert="horz" wrap="square" anchor="ctr" anchorCtr="1"/>
+          <a:lstStyle/>
+          <a:p>
+            <a:pPr>
+              <a:defRPr sz="2200" b="1" i="0" u="none" strike="noStrike" kern="1200" baseline="0">
+                <a:solidFill>
+                  <a:schemeClr val="dk1">
+                    <a:lumMod val="75000"/>
+                    <a:lumOff val="25000"/>
+                  </a:schemeClr>
+                </a:solidFill>
+                <a:latin typeface="+mn-lt"/>
+                <a:ea typeface="+mn-ea"/>
+                <a:cs typeface="+mn-cs"/>
+              </a:defRPr>
+            </a:pPr>
+            <a:r>
+              <a:rPr lang="id-ID"/>
+              <a:t>Grafik Hasil Uji Coba</a:t>
+            </a:r>
+          </a:p>
+        </c:rich>
+      </c:tx>
+      <c:overlay val="0"/>
+      <c:spPr>
+        <a:noFill/>
+        <a:ln>
+          <a:noFill/>
+        </a:ln>
+        <a:effectLst/>
+      </c:spPr>
+      <c:txPr>
+        <a:bodyPr rot="0" spcFirstLastPara="1" vertOverflow="ellipsis" vert="horz" wrap="square" anchor="ctr" anchorCtr="1"/>
+        <a:lstStyle/>
+        <a:p>
+          <a:pPr>
+            <a:defRPr sz="2200" b="1" i="0" u="none" strike="noStrike" kern="1200" baseline="0">
+              <a:solidFill>
+                <a:schemeClr val="dk1">
+                  <a:lumMod val="75000"/>
+                  <a:lumOff val="25000"/>
+                </a:schemeClr>
+              </a:solidFill>
+              <a:latin typeface="+mn-lt"/>
+              <a:ea typeface="+mn-ea"/>
+              <a:cs typeface="+mn-cs"/>
+            </a:defRPr>
+          </a:pPr>
+          <a:endParaRPr lang="id-ID"/>
+        </a:p>
+      </c:txPr>
+    </c:title>
+    <c:autoTitleDeleted val="0"/>
+    <c:plotArea>
+      <c:layout/>
+      <c:barChart>
+        <c:barDir val="col"/>
+        <c:grouping val="clustered"/>
+        <c:varyColors val="0"/>
+        <c:ser>
+          <c:idx val="0"/>
+          <c:order val="0"/>
+          <c:tx>
+            <c:strRef>
+              <c:f>Sheet1!$B$1</c:f>
+              <c:strCache>
+                <c:ptCount val="1"/>
+                <c:pt idx="0">
+                  <c:v>A1</c:v>
+                </c:pt>
+              </c:strCache>
+            </c:strRef>
+          </c:tx>
+          <c:spPr>
+            <a:solidFill>
+              <a:schemeClr val="accent1">
+                <a:alpha val="85000"/>
+              </a:schemeClr>
+            </a:solidFill>
+            <a:ln w="9525" cap="flat" cmpd="sng" algn="ctr">
+              <a:solidFill>
+                <a:schemeClr val="lt1">
+                  <a:alpha val="50000"/>
+                </a:schemeClr>
+              </a:solidFill>
+              <a:round/>
+            </a:ln>
+            <a:effectLst/>
+          </c:spPr>
+          <c:invertIfNegative val="0"/>
+          <c:dLbls>
+            <c:spPr>
+              <a:noFill/>
+              <a:ln>
+                <a:noFill/>
+              </a:ln>
+              <a:effectLst/>
+            </c:spPr>
+            <c:txPr>
+              <a:bodyPr rot="0" spcFirstLastPara="1" vertOverflow="ellipsis" vert="horz" wrap="square" lIns="38100" tIns="19050" rIns="38100" bIns="19050" anchor="ctr" anchorCtr="1">
+                <a:spAutoFit/>
+              </a:bodyPr>
+              <a:lstStyle/>
+              <a:p>
+                <a:pPr>
+                  <a:defRPr sz="1197" b="1" i="0" u="none" strike="noStrike" kern="1200" baseline="0">
+                    <a:solidFill>
+                      <a:schemeClr val="lt1"/>
+                    </a:solidFill>
+                    <a:latin typeface="+mn-lt"/>
+                    <a:ea typeface="+mn-ea"/>
+                    <a:cs typeface="+mn-cs"/>
+                  </a:defRPr>
+                </a:pPr>
+                <a:endParaRPr lang="id-ID"/>
+              </a:p>
+            </c:txPr>
+            <c:dLblPos val="inEnd"/>
+            <c:showLegendKey val="0"/>
+            <c:showVal val="1"/>
+            <c:showCatName val="0"/>
+            <c:showSerName val="0"/>
+            <c:showPercent val="0"/>
+            <c:showBubbleSize val="0"/>
+            <c:showLeaderLines val="0"/>
+            <c:extLst>
+              <c:ext xmlns:c15="http://schemas.microsoft.com/office/drawing/2012/chart" uri="{CE6537A1-D6FC-4f65-9D91-7224C49458BB}">
+                <c15:showLeaderLines val="1"/>
+                <c15:leaderLines>
+                  <c:spPr>
+                    <a:ln w="9525">
+                      <a:solidFill>
+                        <a:schemeClr val="dk1">
+                          <a:lumMod val="50000"/>
+                          <a:lumOff val="50000"/>
+                        </a:schemeClr>
+                      </a:solidFill>
+                    </a:ln>
+                    <a:effectLst/>
+                  </c:spPr>
+                </c15:leaderLines>
+              </c:ext>
+            </c:extLst>
+          </c:dLbls>
+          <c:cat>
+            <c:strRef>
+              <c:f>Sheet1!$A$2</c:f>
+              <c:strCache>
+                <c:ptCount val="1"/>
+                <c:pt idx="0">
+                  <c:v>Akurasi</c:v>
+                </c:pt>
+              </c:strCache>
+            </c:strRef>
+          </c:cat>
+          <c:val>
+            <c:numRef>
+              <c:f>Sheet1!$B$2</c:f>
+              <c:numCache>
+                <c:formatCode>General</c:formatCode>
+                <c:ptCount val="1"/>
+                <c:pt idx="0">
+                  <c:v>86.6</c:v>
+                </c:pt>
+              </c:numCache>
+            </c:numRef>
+          </c:val>
+          <c:extLst>
+            <c:ext xmlns:c16="http://schemas.microsoft.com/office/drawing/2014/chart" uri="{C3380CC4-5D6E-409C-BE32-E72D297353CC}">
+              <c16:uniqueId val="{00000000-2346-4054-8DA7-9C1C5FEAA073}"/>
+            </c:ext>
+          </c:extLst>
+        </c:ser>
+        <c:ser>
+          <c:idx val="1"/>
+          <c:order val="1"/>
+          <c:tx>
+            <c:strRef>
+              <c:f>Sheet1!$C$1</c:f>
+              <c:strCache>
+                <c:ptCount val="1"/>
+                <c:pt idx="0">
+                  <c:v>A2</c:v>
+                </c:pt>
+              </c:strCache>
+            </c:strRef>
+          </c:tx>
+          <c:spPr>
+            <a:solidFill>
+              <a:schemeClr val="accent2">
+                <a:alpha val="85000"/>
+              </a:schemeClr>
+            </a:solidFill>
+            <a:ln w="9525" cap="flat" cmpd="sng" algn="ctr">
+              <a:solidFill>
+                <a:schemeClr val="lt1">
+                  <a:alpha val="50000"/>
+                </a:schemeClr>
+              </a:solidFill>
+              <a:round/>
+            </a:ln>
+            <a:effectLst/>
+          </c:spPr>
+          <c:invertIfNegative val="0"/>
+          <c:dLbls>
+            <c:spPr>
+              <a:noFill/>
+              <a:ln>
+                <a:noFill/>
+              </a:ln>
+              <a:effectLst/>
+            </c:spPr>
+            <c:txPr>
+              <a:bodyPr rot="0" spcFirstLastPara="1" vertOverflow="ellipsis" vert="horz" wrap="square" lIns="38100" tIns="19050" rIns="38100" bIns="19050" anchor="ctr" anchorCtr="1">
+                <a:spAutoFit/>
+              </a:bodyPr>
+              <a:lstStyle/>
+              <a:p>
+                <a:pPr>
+                  <a:defRPr sz="1197" b="1" i="0" u="none" strike="noStrike" kern="1200" baseline="0">
+                    <a:solidFill>
+                      <a:schemeClr val="lt1"/>
+                    </a:solidFill>
+                    <a:latin typeface="+mn-lt"/>
+                    <a:ea typeface="+mn-ea"/>
+                    <a:cs typeface="+mn-cs"/>
+                  </a:defRPr>
+                </a:pPr>
+                <a:endParaRPr lang="id-ID"/>
+              </a:p>
+            </c:txPr>
+            <c:dLblPos val="inEnd"/>
+            <c:showLegendKey val="0"/>
+            <c:showVal val="1"/>
+            <c:showCatName val="0"/>
+            <c:showSerName val="0"/>
+            <c:showPercent val="0"/>
+            <c:showBubbleSize val="0"/>
+            <c:showLeaderLines val="0"/>
+            <c:extLst>
+              <c:ext xmlns:c15="http://schemas.microsoft.com/office/drawing/2012/chart" uri="{CE6537A1-D6FC-4f65-9D91-7224C49458BB}">
+                <c15:showLeaderLines val="1"/>
+                <c15:leaderLines>
+                  <c:spPr>
+                    <a:ln w="9525">
+                      <a:solidFill>
+                        <a:schemeClr val="dk1">
+                          <a:lumMod val="50000"/>
+                          <a:lumOff val="50000"/>
+                        </a:schemeClr>
+                      </a:solidFill>
+                    </a:ln>
+                    <a:effectLst/>
+                  </c:spPr>
+                </c15:leaderLines>
+              </c:ext>
+            </c:extLst>
+          </c:dLbls>
+          <c:cat>
+            <c:strRef>
+              <c:f>Sheet1!$A$2</c:f>
+              <c:strCache>
+                <c:ptCount val="1"/>
+                <c:pt idx="0">
+                  <c:v>Akurasi</c:v>
+                </c:pt>
+              </c:strCache>
+            </c:strRef>
+          </c:cat>
+          <c:val>
+            <c:numRef>
+              <c:f>Sheet1!$C$2</c:f>
+              <c:numCache>
+                <c:formatCode>General</c:formatCode>
+                <c:ptCount val="1"/>
+                <c:pt idx="0">
+                  <c:v>80</c:v>
+                </c:pt>
+              </c:numCache>
+            </c:numRef>
+          </c:val>
+          <c:extLst>
+            <c:ext xmlns:c16="http://schemas.microsoft.com/office/drawing/2014/chart" uri="{C3380CC4-5D6E-409C-BE32-E72D297353CC}">
+              <c16:uniqueId val="{00000001-2346-4054-8DA7-9C1C5FEAA073}"/>
+            </c:ext>
+          </c:extLst>
+        </c:ser>
+        <c:ser>
+          <c:idx val="2"/>
+          <c:order val="2"/>
+          <c:tx>
+            <c:strRef>
+              <c:f>Sheet1!$D$1</c:f>
+              <c:strCache>
+                <c:ptCount val="1"/>
+                <c:pt idx="0">
+                  <c:v>A3</c:v>
+                </c:pt>
+              </c:strCache>
+            </c:strRef>
+          </c:tx>
+          <c:spPr>
+            <a:solidFill>
+              <a:schemeClr val="accent3">
+                <a:alpha val="85000"/>
+              </a:schemeClr>
+            </a:solidFill>
+            <a:ln w="9525" cap="flat" cmpd="sng" algn="ctr">
+              <a:solidFill>
+                <a:schemeClr val="lt1">
+                  <a:alpha val="50000"/>
+                </a:schemeClr>
+              </a:solidFill>
+              <a:round/>
+            </a:ln>
+            <a:effectLst/>
+          </c:spPr>
+          <c:invertIfNegative val="0"/>
+          <c:dLbls>
+            <c:spPr>
+              <a:noFill/>
+              <a:ln>
+                <a:noFill/>
+              </a:ln>
+              <a:effectLst/>
+            </c:spPr>
+            <c:txPr>
+              <a:bodyPr rot="0" spcFirstLastPara="1" vertOverflow="ellipsis" vert="horz" wrap="square" lIns="38100" tIns="19050" rIns="38100" bIns="19050" anchor="ctr" anchorCtr="1">
+                <a:spAutoFit/>
+              </a:bodyPr>
+              <a:lstStyle/>
+              <a:p>
+                <a:pPr>
+                  <a:defRPr sz="1197" b="1" i="0" u="none" strike="noStrike" kern="1200" baseline="0">
+                    <a:solidFill>
+                      <a:schemeClr val="lt1"/>
+                    </a:solidFill>
+                    <a:latin typeface="+mn-lt"/>
+                    <a:ea typeface="+mn-ea"/>
+                    <a:cs typeface="+mn-cs"/>
+                  </a:defRPr>
+                </a:pPr>
+                <a:endParaRPr lang="id-ID"/>
+              </a:p>
+            </c:txPr>
+            <c:dLblPos val="inEnd"/>
+            <c:showLegendKey val="0"/>
+            <c:showVal val="1"/>
+            <c:showCatName val="0"/>
+            <c:showSerName val="0"/>
+            <c:showPercent val="0"/>
+            <c:showBubbleSize val="0"/>
+            <c:showLeaderLines val="0"/>
+            <c:extLst>
+              <c:ext xmlns:c15="http://schemas.microsoft.com/office/drawing/2012/chart" uri="{CE6537A1-D6FC-4f65-9D91-7224C49458BB}">
+                <c15:showLeaderLines val="1"/>
+                <c15:leaderLines>
+                  <c:spPr>
+                    <a:ln w="9525">
+                      <a:solidFill>
+                        <a:schemeClr val="dk1">
+                          <a:lumMod val="50000"/>
+                          <a:lumOff val="50000"/>
+                        </a:schemeClr>
+                      </a:solidFill>
+                    </a:ln>
+                    <a:effectLst/>
+                  </c:spPr>
+                </c15:leaderLines>
+              </c:ext>
+            </c:extLst>
+          </c:dLbls>
+          <c:cat>
+            <c:strRef>
+              <c:f>Sheet1!$A$2</c:f>
+              <c:strCache>
+                <c:ptCount val="1"/>
+                <c:pt idx="0">
+                  <c:v>Akurasi</c:v>
+                </c:pt>
+              </c:strCache>
+            </c:strRef>
+          </c:cat>
+          <c:val>
+            <c:numRef>
+              <c:f>Sheet1!$D$2</c:f>
+              <c:numCache>
+                <c:formatCode>General</c:formatCode>
+                <c:ptCount val="1"/>
+                <c:pt idx="0">
+                  <c:v>82.2</c:v>
+                </c:pt>
+              </c:numCache>
+            </c:numRef>
+          </c:val>
+          <c:extLst>
+            <c:ext xmlns:c16="http://schemas.microsoft.com/office/drawing/2014/chart" uri="{C3380CC4-5D6E-409C-BE32-E72D297353CC}">
+              <c16:uniqueId val="{00000002-2346-4054-8DA7-9C1C5FEAA073}"/>
+            </c:ext>
+          </c:extLst>
+        </c:ser>
+        <c:ser>
+          <c:idx val="3"/>
+          <c:order val="3"/>
+          <c:tx>
+            <c:strRef>
+              <c:f>Sheet1!$E$1</c:f>
+              <c:strCache>
+                <c:ptCount val="1"/>
+                <c:pt idx="0">
+                  <c:v>B1</c:v>
+                </c:pt>
+              </c:strCache>
+            </c:strRef>
+          </c:tx>
+          <c:spPr>
+            <a:solidFill>
+              <a:schemeClr val="accent4">
+                <a:alpha val="85000"/>
+              </a:schemeClr>
+            </a:solidFill>
+            <a:ln w="9525" cap="flat" cmpd="sng" algn="ctr">
+              <a:solidFill>
+                <a:schemeClr val="lt1">
+                  <a:alpha val="50000"/>
+                </a:schemeClr>
+              </a:solidFill>
+              <a:round/>
+            </a:ln>
+            <a:effectLst/>
+          </c:spPr>
+          <c:invertIfNegative val="0"/>
+          <c:dLbls>
+            <c:spPr>
+              <a:noFill/>
+              <a:ln>
+                <a:noFill/>
+              </a:ln>
+              <a:effectLst/>
+            </c:spPr>
+            <c:txPr>
+              <a:bodyPr rot="0" spcFirstLastPara="1" vertOverflow="ellipsis" vert="horz" wrap="square" lIns="38100" tIns="19050" rIns="38100" bIns="19050" anchor="ctr" anchorCtr="1">
+                <a:spAutoFit/>
+              </a:bodyPr>
+              <a:lstStyle/>
+              <a:p>
+                <a:pPr>
+                  <a:defRPr sz="1197" b="1" i="0" u="none" strike="noStrike" kern="1200" baseline="0">
+                    <a:solidFill>
+                      <a:schemeClr val="lt1"/>
+                    </a:solidFill>
+                    <a:latin typeface="+mn-lt"/>
+                    <a:ea typeface="+mn-ea"/>
+                    <a:cs typeface="+mn-cs"/>
+                  </a:defRPr>
+                </a:pPr>
+                <a:endParaRPr lang="id-ID"/>
+              </a:p>
+            </c:txPr>
+            <c:dLblPos val="inEnd"/>
+            <c:showLegendKey val="0"/>
+            <c:showVal val="1"/>
+            <c:showCatName val="0"/>
+            <c:showSerName val="0"/>
+            <c:showPercent val="0"/>
+            <c:showBubbleSize val="0"/>
+            <c:showLeaderLines val="0"/>
+            <c:extLst>
+              <c:ext xmlns:c15="http://schemas.microsoft.com/office/drawing/2012/chart" uri="{CE6537A1-D6FC-4f65-9D91-7224C49458BB}">
+                <c15:showLeaderLines val="1"/>
+                <c15:leaderLines>
+                  <c:spPr>
+                    <a:ln w="9525">
+                      <a:solidFill>
+                        <a:schemeClr val="dk1">
+                          <a:lumMod val="50000"/>
+                          <a:lumOff val="50000"/>
+                        </a:schemeClr>
+                      </a:solidFill>
+                    </a:ln>
+                    <a:effectLst/>
+                  </c:spPr>
+                </c15:leaderLines>
+              </c:ext>
+            </c:extLst>
+          </c:dLbls>
+          <c:cat>
+            <c:strRef>
+              <c:f>Sheet1!$A$2</c:f>
+              <c:strCache>
+                <c:ptCount val="1"/>
+                <c:pt idx="0">
+                  <c:v>Akurasi</c:v>
+                </c:pt>
+              </c:strCache>
+            </c:strRef>
+          </c:cat>
+          <c:val>
+            <c:numRef>
+              <c:f>Sheet1!$E$2</c:f>
+              <c:numCache>
+                <c:formatCode>General</c:formatCode>
+                <c:ptCount val="1"/>
+                <c:pt idx="0">
+                  <c:v>84.2</c:v>
+                </c:pt>
+              </c:numCache>
+            </c:numRef>
+          </c:val>
+          <c:extLst>
+            <c:ext xmlns:c16="http://schemas.microsoft.com/office/drawing/2014/chart" uri="{C3380CC4-5D6E-409C-BE32-E72D297353CC}">
+              <c16:uniqueId val="{00000003-2346-4054-8DA7-9C1C5FEAA073}"/>
+            </c:ext>
+          </c:extLst>
+        </c:ser>
+        <c:dLbls>
+          <c:dLblPos val="inEnd"/>
+          <c:showLegendKey val="0"/>
+          <c:showVal val="1"/>
+          <c:showCatName val="0"/>
+          <c:showSerName val="0"/>
+          <c:showPercent val="0"/>
+          <c:showBubbleSize val="0"/>
+        </c:dLbls>
+        <c:gapWidth val="65"/>
+        <c:axId val="379314720"/>
+        <c:axId val="456481920"/>
+      </c:barChart>
+      <c:catAx>
+        <c:axId val="379314720"/>
+        <c:scaling>
+          <c:orientation val="minMax"/>
+        </c:scaling>
+        <c:delete val="0"/>
+        <c:axPos val="b"/>
+        <c:numFmt formatCode="General" sourceLinked="1"/>
+        <c:majorTickMark val="none"/>
+        <c:minorTickMark val="none"/>
+        <c:tickLblPos val="nextTo"/>
+        <c:spPr>
+          <a:noFill/>
+          <a:ln w="19050" cap="flat" cmpd="sng" algn="ctr">
+            <a:solidFill>
+              <a:schemeClr val="dk1">
+                <a:lumMod val="75000"/>
+                <a:lumOff val="25000"/>
+              </a:schemeClr>
+            </a:solidFill>
+            <a:round/>
+          </a:ln>
+          <a:effectLst/>
+        </c:spPr>
+        <c:txPr>
+          <a:bodyPr rot="-60000000" spcFirstLastPara="1" vertOverflow="ellipsis" vert="horz" wrap="square" anchor="ctr" anchorCtr="1"/>
+          <a:lstStyle/>
+          <a:p>
+            <a:pPr>
+              <a:defRPr sz="1600" b="0" i="0" u="none" strike="noStrike" kern="1200" cap="all" baseline="0">
+                <a:solidFill>
+                  <a:schemeClr val="dk1">
+                    <a:lumMod val="75000"/>
+                    <a:lumOff val="25000"/>
+                  </a:schemeClr>
+                </a:solidFill>
+                <a:latin typeface="+mn-lt"/>
+                <a:ea typeface="+mn-ea"/>
+                <a:cs typeface="+mn-cs"/>
+              </a:defRPr>
+            </a:pPr>
+            <a:endParaRPr lang="id-ID"/>
+          </a:p>
+        </c:txPr>
+        <c:crossAx val="456481920"/>
+        <c:crosses val="autoZero"/>
+        <c:auto val="1"/>
+        <c:lblAlgn val="ctr"/>
+        <c:lblOffset val="100"/>
+        <c:noMultiLvlLbl val="0"/>
+      </c:catAx>
+      <c:valAx>
+        <c:axId val="456481920"/>
+        <c:scaling>
+          <c:orientation val="minMax"/>
+        </c:scaling>
+        <c:delete val="1"/>
+        <c:axPos val="l"/>
+        <c:majorGridlines>
+          <c:spPr>
+            <a:ln w="9525" cap="flat" cmpd="sng" algn="ctr">
+              <a:gradFill>
+                <a:gsLst>
+                  <a:gs pos="100000">
+                    <a:schemeClr val="dk1">
+                      <a:lumMod val="95000"/>
+                      <a:lumOff val="5000"/>
+                      <a:alpha val="42000"/>
+                    </a:schemeClr>
+                  </a:gs>
+                  <a:gs pos="0">
+                    <a:schemeClr val="lt1">
+                      <a:lumMod val="75000"/>
+                      <a:alpha val="36000"/>
+                    </a:schemeClr>
+                  </a:gs>
+                </a:gsLst>
+                <a:lin ang="5400000" scaled="0"/>
+              </a:gradFill>
+              <a:round/>
+            </a:ln>
+            <a:effectLst/>
+          </c:spPr>
+        </c:majorGridlines>
+        <c:numFmt formatCode="General" sourceLinked="1"/>
+        <c:majorTickMark val="none"/>
+        <c:minorTickMark val="none"/>
+        <c:tickLblPos val="nextTo"/>
+        <c:crossAx val="379314720"/>
+        <c:crosses val="autoZero"/>
+        <c:crossBetween val="between"/>
+      </c:valAx>
+      <c:spPr>
+        <a:noFill/>
+        <a:ln>
+          <a:noFill/>
+        </a:ln>
+        <a:effectLst/>
+      </c:spPr>
+    </c:plotArea>
+    <c:legend>
+      <c:legendPos val="b"/>
+      <c:overlay val="0"/>
+      <c:spPr>
+        <a:solidFill>
+          <a:schemeClr val="lt1">
+            <a:lumMod val="95000"/>
+            <a:alpha val="39000"/>
+          </a:schemeClr>
+        </a:solidFill>
+        <a:ln>
+          <a:noFill/>
+        </a:ln>
+        <a:effectLst/>
+      </c:spPr>
+      <c:txPr>
+        <a:bodyPr rot="0" spcFirstLastPara="1" vertOverflow="ellipsis" vert="horz" wrap="square" anchor="ctr" anchorCtr="1"/>
+        <a:lstStyle/>
+        <a:p>
+          <a:pPr>
+            <a:defRPr sz="2000" b="0" i="0" u="none" strike="noStrike" kern="1200" baseline="0">
+              <a:solidFill>
+                <a:schemeClr val="dk1">
+                  <a:lumMod val="75000"/>
+                  <a:lumOff val="25000"/>
+                </a:schemeClr>
+              </a:solidFill>
+              <a:latin typeface="+mn-lt"/>
+              <a:ea typeface="+mn-ea"/>
+              <a:cs typeface="+mn-cs"/>
+            </a:defRPr>
+          </a:pPr>
+          <a:endParaRPr lang="id-ID"/>
+        </a:p>
+      </c:txPr>
+    </c:legend>
+    <c:plotVisOnly val="1"/>
+    <c:dispBlanksAs val="gap"/>
+    <c:showDLblsOverMax val="0"/>
+  </c:chart>
+  <c:spPr>
+    <a:gradFill flip="none" rotWithShape="1">
+      <a:gsLst>
+        <a:gs pos="0">
+          <a:schemeClr val="lt1"/>
+        </a:gs>
+        <a:gs pos="39000">
+          <a:schemeClr val="lt1"/>
+        </a:gs>
+        <a:gs pos="100000">
+          <a:schemeClr val="lt1">
+            <a:lumMod val="75000"/>
+          </a:schemeClr>
+        </a:gs>
+      </a:gsLst>
+      <a:path path="circle">
+        <a:fillToRect l="50000" t="-80000" r="50000" b="180000"/>
+      </a:path>
+      <a:tileRect/>
+    </a:gradFill>
+    <a:ln w="9525" cap="flat" cmpd="sng" algn="ctr">
+      <a:solidFill>
+        <a:schemeClr val="dk1">
+          <a:lumMod val="25000"/>
+          <a:lumOff val="75000"/>
+        </a:schemeClr>
+      </a:solidFill>
+      <a:round/>
+    </a:ln>
+    <a:effectLst/>
+  </c:spPr>
+  <c:txPr>
+    <a:bodyPr/>
+    <a:lstStyle/>
+    <a:p>
+      <a:pPr>
+        <a:defRPr/>
+      </a:pPr>
+      <a:endParaRPr lang="id-ID"/>
+    </a:p>
+  </c:txPr>
+  <c:externalData r:id="rId3">
+    <c:autoUpdate val="0"/>
+  </c:externalData>
+</c:chartSpace>
+</file>
+
+<file path=ppt/charts/colors1.xml><?xml version="1.0" encoding="utf-8"?>
+<cs:colorStyle xmlns:cs="http://schemas.microsoft.com/office/drawing/2012/chartStyle" xmlns:a="http://schemas.openxmlformats.org/drawingml/2006/main" meth="cycle" id="10">
+  <a:schemeClr val="accent1"/>
+  <a:schemeClr val="accent2"/>
+  <a:schemeClr val="accent3"/>
+  <a:schemeClr val="accent4"/>
+  <a:schemeClr val="accent5"/>
+  <a:schemeClr val="accent6"/>
+  <cs:variation/>
+  <cs:variation>
+    <a:lumMod val="60000"/>
+  </cs:variation>
+  <cs:variation>
+    <a:lumMod val="80000"/>
+    <a:lumOff val="20000"/>
+  </cs:variation>
+  <cs:variation>
+    <a:lumMod val="80000"/>
+  </cs:variation>
+  <cs:variation>
+    <a:lumMod val="60000"/>
+    <a:lumOff val="40000"/>
+  </cs:variation>
+  <cs:variation>
+    <a:lumMod val="50000"/>
+  </cs:variation>
+  <cs:variation>
+    <a:lumMod val="70000"/>
+    <a:lumOff val="30000"/>
+  </cs:variation>
+  <cs:variation>
+    <a:lumMod val="70000"/>
+  </cs:variation>
+  <cs:variation>
+    <a:lumMod val="50000"/>
+    <a:lumOff val="50000"/>
+  </cs:variation>
+</cs:colorStyle>
+</file>
+
+<file path=ppt/charts/style1.xml><?xml version="1.0" encoding="utf-8"?>
+<cs:chartStyle xmlns:cs="http://schemas.microsoft.com/office/drawing/2012/chartStyle" xmlns:a="http://schemas.openxmlformats.org/drawingml/2006/main" id="205">
+  <cs:axisTitle>
+    <cs:lnRef idx="0"/>
+    <cs:fillRef idx="0"/>
+    <cs:effectRef idx="0"/>
+    <cs:fontRef idx="minor">
+      <a:schemeClr val="dk1">
+        <a:lumMod val="75000"/>
+        <a:lumOff val="25000"/>
+      </a:schemeClr>
+    </cs:fontRef>
+    <cs:defRPr sz="1197" b="1" kern="1200"/>
+  </cs:axisTitle>
+  <cs:categoryAxis>
+    <cs:lnRef idx="0"/>
+    <cs:fillRef idx="0"/>
+    <cs:effectRef idx="0"/>
+    <cs:fontRef idx="minor">
+      <a:schemeClr val="dk1">
+        <a:lumMod val="75000"/>
+        <a:lumOff val="25000"/>
+      </a:schemeClr>
+    </cs:fontRef>
+    <cs:spPr>
+      <a:ln w="19050" cap="flat" cmpd="sng" algn="ctr">
+        <a:solidFill>
+          <a:schemeClr val="dk1">
+            <a:lumMod val="75000"/>
+            <a:lumOff val="25000"/>
+          </a:schemeClr>
+        </a:solidFill>
+        <a:round/>
+      </a:ln>
+    </cs:spPr>
+    <cs:defRPr sz="1197" kern="1200" cap="all" baseline="0"/>
+  </cs:categoryAxis>
+  <cs:chartArea>
+    <cs:lnRef idx="0"/>
+    <cs:fillRef idx="0"/>
+    <cs:effectRef idx="0"/>
+    <cs:fontRef idx="minor">
+      <a:schemeClr val="dk1"/>
+    </cs:fontRef>
+    <cs:spPr>
+      <a:gradFill flip="none" rotWithShape="1">
+        <a:gsLst>
+          <a:gs pos="0">
+            <a:schemeClr val="lt1"/>
+          </a:gs>
+          <a:gs pos="39000">
+            <a:schemeClr val="lt1"/>
+          </a:gs>
+          <a:gs pos="100000">
+            <a:schemeClr val="lt1">
+              <a:lumMod val="75000"/>
+            </a:schemeClr>
+          </a:gs>
+        </a:gsLst>
+        <a:path path="circle">
+          <a:fillToRect l="50000" t="-80000" r="50000" b="180000"/>
+        </a:path>
+        <a:tileRect/>
+      </a:gradFill>
+      <a:ln w="9525" cap="flat" cmpd="sng" algn="ctr">
+        <a:solidFill>
+          <a:schemeClr val="dk1">
+            <a:lumMod val="25000"/>
+            <a:lumOff val="75000"/>
+          </a:schemeClr>
+        </a:solidFill>
+        <a:round/>
+      </a:ln>
+    </cs:spPr>
+    <cs:defRPr sz="1197" kern="1200"/>
+  </cs:chartArea>
+  <cs:dataLabel>
+    <cs:lnRef idx="0"/>
+    <cs:fillRef idx="0"/>
+    <cs:effectRef idx="0"/>
+    <cs:fontRef idx="minor">
+      <a:schemeClr val="lt1"/>
+    </cs:fontRef>
+    <cs:defRPr sz="1197" b="1" i="0" u="none" strike="noStrike" kern="1200" baseline="0"/>
+  </cs:dataLabel>
+  <cs:dataLabelCallout>
+    <cs:lnRef idx="0"/>
+    <cs:fillRef idx="0"/>
+    <cs:effectRef idx="0"/>
+    <cs:fontRef idx="minor">
+      <a:schemeClr val="lt1"/>
+    </cs:fontRef>
+    <cs:spPr>
+      <a:solidFill>
+        <a:schemeClr val="dk1">
+          <a:lumMod val="65000"/>
+          <a:lumOff val="35000"/>
+          <a:alpha val="75000"/>
+        </a:schemeClr>
+      </a:solidFill>
+    </cs:spPr>
+    <cs:defRPr sz="1197" b="1" kern="1200"/>
+    <cs:bodyPr rot="0" spcFirstLastPara="1" vertOverflow="clip" horzOverflow="clip" vert="horz" wrap="square" lIns="36576" tIns="18288" rIns="36576" bIns="18288" anchor="ctr" anchorCtr="1">
+      <a:spAutoFit/>
+    </cs:bodyPr>
+  </cs:dataLabelCallout>
+  <cs:dataPoint>
+    <cs:lnRef idx="0"/>
+    <cs:fillRef idx="0">
+      <cs:styleClr val="auto"/>
+    </cs:fillRef>
+    <cs:effectRef idx="0"/>
+    <cs:fontRef idx="minor">
+      <a:schemeClr val="dk1"/>
+    </cs:fontRef>
+    <cs:spPr>
+      <a:solidFill>
+        <a:schemeClr val="phClr">
+          <a:alpha val="85000"/>
+        </a:schemeClr>
+      </a:solidFill>
+      <a:ln w="9525" cap="flat" cmpd="sng" algn="ctr">
+        <a:solidFill>
+          <a:schemeClr val="lt1">
+            <a:alpha val="50000"/>
+          </a:schemeClr>
+        </a:solidFill>
+        <a:round/>
+      </a:ln>
+    </cs:spPr>
+  </cs:dataPoint>
+  <cs:dataPoint3D>
+    <cs:lnRef idx="0"/>
+    <cs:fillRef idx="0">
+      <cs:styleClr val="auto"/>
+    </cs:fillRef>
+    <cs:effectRef idx="0"/>
+    <cs:fontRef idx="minor">
+      <a:schemeClr val="dk1"/>
+    </cs:fontRef>
+    <cs:spPr>
+      <a:solidFill>
+        <a:schemeClr val="phClr">
+          <a:alpha val="85000"/>
+        </a:schemeClr>
+      </a:solidFill>
+      <a:ln w="9525" cap="flat" cmpd="sng" algn="ctr">
+        <a:solidFill>
+          <a:schemeClr val="lt1">
+            <a:alpha val="50000"/>
+          </a:schemeClr>
+        </a:solidFill>
+        <a:round/>
+      </a:ln>
+    </cs:spPr>
+  </cs:dataPoint3D>
+  <cs:dataPointLine>
+    <cs:lnRef idx="0">
+      <cs:styleClr val="auto"/>
+    </cs:lnRef>
+    <cs:fillRef idx="0"/>
+    <cs:effectRef idx="0"/>
+    <cs:fontRef idx="minor">
+      <a:schemeClr val="dk1"/>
+    </cs:fontRef>
+    <cs:spPr>
+      <a:ln w="31750" cap="rnd">
+        <a:solidFill>
+          <a:schemeClr val="phClr">
+            <a:alpha val="85000"/>
+          </a:schemeClr>
+        </a:solidFill>
+        <a:round/>
+      </a:ln>
+    </cs:spPr>
+  </cs:dataPointLine>
+  <cs:dataPointMarker>
+    <cs:lnRef idx="0"/>
+    <cs:fillRef idx="0">
+      <cs:styleClr val="auto"/>
+    </cs:fillRef>
+    <cs:effectRef idx="0"/>
+    <cs:fontRef idx="minor">
+      <a:schemeClr val="dk1"/>
+    </cs:fontRef>
+    <cs:spPr>
+      <a:solidFill>
+        <a:schemeClr val="phClr">
+          <a:alpha val="85000"/>
+        </a:schemeClr>
+      </a:solidFill>
+    </cs:spPr>
+  </cs:dataPointMarker>
+  <cs:dataPointMarkerLayout symbol="circle" size="6"/>
+  <cs:dataPointWireframe>
+    <cs:lnRef idx="0">
+      <cs:styleClr val="auto"/>
+    </cs:lnRef>
+    <cs:fillRef idx="0"/>
+    <cs:effectRef idx="0"/>
+    <cs:fontRef idx="minor">
+      <a:schemeClr val="dk1"/>
+    </cs:fontRef>
+    <cs:spPr>
+      <a:ln w="9525" cap="rnd">
+        <a:solidFill>
+          <a:schemeClr val="phClr"/>
+        </a:solidFill>
+        <a:round/>
+      </a:ln>
+    </cs:spPr>
+  </cs:dataPointWireframe>
+  <cs:dataTable>
+    <cs:lnRef idx="0"/>
+    <cs:fillRef idx="0"/>
+    <cs:effectRef idx="0"/>
+    <cs:fontRef idx="minor">
+      <a:schemeClr val="dk1">
+        <a:lumMod val="75000"/>
+        <a:lumOff val="25000"/>
+      </a:schemeClr>
+    </cs:fontRef>
+    <cs:spPr>
+      <a:ln w="9525">
+        <a:solidFill>
+          <a:schemeClr val="dk1">
+            <a:lumMod val="35000"/>
+            <a:lumOff val="65000"/>
+          </a:schemeClr>
+        </a:solidFill>
+      </a:ln>
+    </cs:spPr>
+    <cs:defRPr sz="1197" kern="1200"/>
+  </cs:dataTable>
+  <cs:downBar>
+    <cs:lnRef idx="0"/>
+    <cs:fillRef idx="0"/>
+    <cs:effectRef idx="0"/>
+    <cs:fontRef idx="minor">
+      <a:schemeClr val="dk1"/>
+    </cs:fontRef>
+    <cs:spPr>
+      <a:solidFill>
+        <a:schemeClr val="dk1">
+          <a:lumMod val="50000"/>
+          <a:lumOff val="50000"/>
+        </a:schemeClr>
+      </a:solidFill>
+      <a:ln w="9525">
+        <a:solidFill>
+          <a:schemeClr val="dk1">
+            <a:lumMod val="65000"/>
+            <a:lumOff val="35000"/>
+          </a:schemeClr>
+        </a:solidFill>
+      </a:ln>
+    </cs:spPr>
+  </cs:downBar>
+  <cs:dropLine>
+    <cs:lnRef idx="0"/>
+    <cs:fillRef idx="0"/>
+    <cs:effectRef idx="0"/>
+    <cs:fontRef idx="minor">
+      <a:schemeClr val="dk1"/>
+    </cs:fontRef>
+    <cs:spPr>
+      <a:ln w="9525">
+        <a:solidFill>
+          <a:schemeClr val="dk1">
+            <a:lumMod val="35000"/>
+            <a:lumOff val="65000"/>
+          </a:schemeClr>
+        </a:solidFill>
+        <a:prstDash val="dash"/>
+      </a:ln>
+    </cs:spPr>
+  </cs:dropLine>
+  <cs:errorBar>
+    <cs:lnRef idx="0"/>
+    <cs:fillRef idx="0"/>
+    <cs:effectRef idx="0"/>
+    <cs:fontRef idx="minor">
+      <a:schemeClr val="dk1"/>
+    </cs:fontRef>
+    <cs:spPr>
+      <a:ln w="9525">
+        <a:solidFill>
+          <a:schemeClr val="dk1">
+            <a:lumMod val="65000"/>
+            <a:lumOff val="35000"/>
+          </a:schemeClr>
+        </a:solidFill>
+        <a:round/>
+      </a:ln>
+    </cs:spPr>
+  </cs:errorBar>
+  <cs:floor>
+    <cs:lnRef idx="0"/>
+    <cs:fillRef idx="0"/>
+    <cs:effectRef idx="0"/>
+    <cs:fontRef idx="minor">
+      <a:schemeClr val="dk1"/>
+    </cs:fontRef>
+  </cs:floor>
+  <cs:gridlineMajor>
+    <cs:lnRef idx="0"/>
+    <cs:fillRef idx="0"/>
+    <cs:effectRef idx="0"/>
+    <cs:fontRef idx="minor">
+      <a:schemeClr val="dk1"/>
+    </cs:fontRef>
+    <cs:spPr>
+      <a:ln w="9525" cap="flat" cmpd="sng" algn="ctr">
+        <a:gradFill>
+          <a:gsLst>
+            <a:gs pos="100000">
+              <a:schemeClr val="dk1">
+                <a:lumMod val="95000"/>
+                <a:lumOff val="5000"/>
+                <a:alpha val="42000"/>
+              </a:schemeClr>
+            </a:gs>
+            <a:gs pos="0">
+              <a:schemeClr val="lt1">
+                <a:lumMod val="75000"/>
+                <a:alpha val="36000"/>
+              </a:schemeClr>
+            </a:gs>
+          </a:gsLst>
+          <a:lin ang="5400000" scaled="0"/>
+        </a:gradFill>
+        <a:round/>
+      </a:ln>
+    </cs:spPr>
+  </cs:gridlineMajor>
+  <cs:gridlineMinor>
+    <cs:lnRef idx="0"/>
+    <cs:fillRef idx="0"/>
+    <cs:effectRef idx="0"/>
+    <cs:fontRef idx="minor">
+      <a:schemeClr val="dk1"/>
+    </cs:fontRef>
+    <cs:spPr>
+      <a:ln>
+        <a:gradFill>
+          <a:gsLst>
+            <a:gs pos="100000">
+              <a:schemeClr val="dk1">
+                <a:lumMod val="95000"/>
+                <a:lumOff val="5000"/>
+                <a:alpha val="42000"/>
+              </a:schemeClr>
+            </a:gs>
+            <a:gs pos="0">
+              <a:schemeClr val="lt1">
+                <a:lumMod val="75000"/>
+                <a:alpha val="36000"/>
+              </a:schemeClr>
+            </a:gs>
+          </a:gsLst>
+          <a:lin ang="5400000" scaled="0"/>
+        </a:gradFill>
+      </a:ln>
+    </cs:spPr>
+  </cs:gridlineMinor>
+  <cs:hiLoLine>
+    <cs:lnRef idx="0"/>
+    <cs:fillRef idx="0"/>
+    <cs:effectRef idx="0"/>
+    <cs:fontRef idx="minor">
+      <a:schemeClr val="dk1"/>
+    </cs:fontRef>
+    <cs:spPr>
+      <a:ln w="9525">
+        <a:solidFill>
+          <a:schemeClr val="dk1">
+            <a:lumMod val="35000"/>
+            <a:lumOff val="65000"/>
+          </a:schemeClr>
+        </a:solidFill>
+        <a:prstDash val="dash"/>
+      </a:ln>
+    </cs:spPr>
+  </cs:hiLoLine>
+  <cs:leaderLine>
+    <cs:lnRef idx="0"/>
+    <cs:fillRef idx="0"/>
+    <cs:effectRef idx="0"/>
+    <cs:fontRef idx="minor">
+      <a:schemeClr val="dk1"/>
+    </cs:fontRef>
+    <cs:spPr>
+      <a:ln w="9525">
+        <a:solidFill>
+          <a:schemeClr val="dk1">
+            <a:lumMod val="50000"/>
+            <a:lumOff val="50000"/>
+          </a:schemeClr>
+        </a:solidFill>
+      </a:ln>
+    </cs:spPr>
+  </cs:leaderLine>
+  <cs:legend>
+    <cs:lnRef idx="0"/>
+    <cs:fillRef idx="0"/>
+    <cs:effectRef idx="0"/>
+    <cs:fontRef idx="minor">
+      <a:schemeClr val="dk1">
+        <a:lumMod val="75000"/>
+        <a:lumOff val="25000"/>
+      </a:schemeClr>
+    </cs:fontRef>
+    <cs:spPr>
+      <a:solidFill>
+        <a:schemeClr val="lt1">
+          <a:lumMod val="95000"/>
+          <a:alpha val="39000"/>
+        </a:schemeClr>
+      </a:solidFill>
+    </cs:spPr>
+    <cs:defRPr sz="1197" kern="1200"/>
+  </cs:legend>
+  <cs:plotArea>
+    <cs:lnRef idx="0"/>
+    <cs:fillRef idx="0"/>
+    <cs:effectRef idx="0"/>
+    <cs:fontRef idx="minor">
+      <a:schemeClr val="dk1"/>
+    </cs:fontRef>
+  </cs:plotArea>
+  <cs:plotArea3D>
+    <cs:lnRef idx="0"/>
+    <cs:fillRef idx="0"/>
+    <cs:effectRef idx="0"/>
+    <cs:fontRef idx="minor">
+      <a:schemeClr val="dk1"/>
+    </cs:fontRef>
+  </cs:plotArea3D>
+  <cs:seriesAxis>
+    <cs:lnRef idx="0"/>
+    <cs:fillRef idx="0"/>
+    <cs:effectRef idx="0"/>
+    <cs:fontRef idx="minor">
+      <a:schemeClr val="dk1">
+        <a:lumMod val="75000"/>
+        <a:lumOff val="25000"/>
+      </a:schemeClr>
+    </cs:fontRef>
+    <cs:spPr>
+      <a:ln w="31750" cap="flat" cmpd="sng" algn="ctr">
+        <a:solidFill>
+          <a:schemeClr val="dk1">
+            <a:lumMod val="75000"/>
+            <a:lumOff val="25000"/>
+          </a:schemeClr>
+        </a:solidFill>
+        <a:round/>
+      </a:ln>
+    </cs:spPr>
+    <cs:defRPr sz="1197" kern="1200"/>
+  </cs:seriesAxis>
+  <cs:seriesLine>
+    <cs:lnRef idx="0"/>
+    <cs:fillRef idx="0"/>
+    <cs:effectRef idx="0"/>
+    <cs:fontRef idx="minor">
+      <a:schemeClr val="dk1"/>
+    </cs:fontRef>
+    <cs:spPr>
+      <a:ln w="9525">
+        <a:solidFill>
+          <a:schemeClr val="dk1">
+            <a:lumMod val="50000"/>
+            <a:lumOff val="50000"/>
+          </a:schemeClr>
+        </a:solidFill>
+        <a:round/>
+      </a:ln>
+    </cs:spPr>
+  </cs:seriesLine>
+  <cs:title>
+    <cs:lnRef idx="0"/>
+    <cs:fillRef idx="0"/>
+    <cs:effectRef idx="0"/>
+    <cs:fontRef idx="minor">
+      <a:schemeClr val="dk1">
+        <a:lumMod val="75000"/>
+        <a:lumOff val="25000"/>
+      </a:schemeClr>
+    </cs:fontRef>
+    <cs:defRPr sz="2200" b="1" kern="1200" baseline="0"/>
+  </cs:title>
+  <cs:trendline>
+    <cs:lnRef idx="0">
+      <cs:styleClr val="auto"/>
+    </cs:lnRef>
+    <cs:fillRef idx="0"/>
+    <cs:effectRef idx="0"/>
+    <cs:fontRef idx="minor">
+      <a:schemeClr val="dk1"/>
+    </cs:fontRef>
+    <cs:spPr>
+      <a:ln w="19050" cap="rnd">
+        <a:solidFill>
+          <a:schemeClr val="phClr"/>
+        </a:solidFill>
+      </a:ln>
+    </cs:spPr>
+  </cs:trendline>
+  <cs:trendlineLabel>
+    <cs:lnRef idx="0"/>
+    <cs:fillRef idx="0"/>
+    <cs:effectRef idx="0"/>
+    <cs:fontRef idx="minor">
+      <a:schemeClr val="dk1">
+        <a:lumMod val="75000"/>
+        <a:lumOff val="25000"/>
+      </a:schemeClr>
+    </cs:fontRef>
+    <cs:defRPr sz="1197" kern="1200"/>
+  </cs:trendlineLabel>
+  <cs:upBar>
+    <cs:lnRef idx="0"/>
+    <cs:fillRef idx="0"/>
+    <cs:effectRef idx="0"/>
+    <cs:fontRef idx="minor">
+      <a:schemeClr val="dk1"/>
+    </cs:fontRef>
+    <cs:spPr>
+      <a:solidFill>
+        <a:schemeClr val="lt1"/>
+      </a:solidFill>
+      <a:ln w="9525">
+        <a:solidFill>
+          <a:schemeClr val="dk1">
+            <a:lumMod val="65000"/>
+            <a:lumOff val="35000"/>
+          </a:schemeClr>
+        </a:solidFill>
+      </a:ln>
+    </cs:spPr>
+  </cs:upBar>
+  <cs:valueAxis>
+    <cs:lnRef idx="0"/>
+    <cs:fillRef idx="0"/>
+    <cs:effectRef idx="0"/>
+    <cs:fontRef idx="minor">
+      <a:schemeClr val="dk1">
+        <a:lumMod val="75000"/>
+        <a:lumOff val="25000"/>
+      </a:schemeClr>
+    </cs:fontRef>
+    <cs:spPr>
+      <a:ln>
+        <a:noFill/>
+      </a:ln>
+    </cs:spPr>
+    <cs:defRPr sz="1197" kern="1200"/>
+  </cs:valueAxis>
+  <cs:wall>
+    <cs:lnRef idx="0"/>
+    <cs:fillRef idx="0"/>
+    <cs:effectRef idx="0"/>
+    <cs:fontRef idx="minor">
+      <a:schemeClr val="dk1"/>
+    </cs:fontRef>
+  </cs:wall>
+</cs:chartStyle>
 </file>
 
 <file path=ppt/slideLayouts/slideLayout1.xml><?xml version="1.0" encoding="utf-8"?>
@@ -7828,8 +9188,8 @@
           </a:extLst>
         </p:spPr>
       </p:pic>
-      <mc:AlternateContent xmlns:mc="http://schemas.openxmlformats.org/markup-compatibility/2006">
-        <mc:Choice xmlns:a14="http://schemas.microsoft.com/office/drawing/2010/main" Requires="a14">
+      <mc:AlternateContent xmlns:mc="http://schemas.openxmlformats.org/markup-compatibility/2006" xmlns:a14="http://schemas.microsoft.com/office/drawing/2010/main">
+        <mc:Choice Requires="a14">
           <p:graphicFrame>
             <p:nvGraphicFramePr>
               <p:cNvPr id="6" name="Table 5">
@@ -8018,12 +9378,14 @@
                                 <m:r>
                                   <a:rPr lang="en-US" sz="1800">
                                     <a:effectLst/>
+                                    <a:latin typeface="Cambria Math" panose="02040503050406030204" pitchFamily="18" charset="0"/>
                                   </a:rPr>
                                   <m:t>∆</m:t>
                                 </m:r>
                                 <m:r>
                                   <a:rPr lang="en-US" sz="1800">
                                     <a:effectLst/>
+                                    <a:latin typeface="Cambria Math" panose="02040503050406030204" pitchFamily="18" charset="0"/>
                                   </a:rPr>
                                   <m:t>𝒙</m:t>
                                 </m:r>
@@ -8061,12 +9423,14 @@
                                 <m:r>
                                   <a:rPr lang="en-US" sz="1800">
                                     <a:effectLst/>
+                                    <a:latin typeface="Cambria Math" panose="02040503050406030204" pitchFamily="18" charset="0"/>
                                   </a:rPr>
                                   <m:t>∆</m:t>
                                 </m:r>
                                 <m:r>
                                   <a:rPr lang="en-US" sz="1800">
                                     <a:effectLst/>
+                                    <a:latin typeface="Cambria Math" panose="02040503050406030204" pitchFamily="18" charset="0"/>
                                   </a:rPr>
                                   <m:t>𝒚</m:t>
                                 </m:r>
@@ -8104,8 +9468,9 @@
                                 <m:sSub>
                                   <m:sSubPr>
                                     <m:ctrlPr>
-                                      <a:rPr lang="id-ID" sz="1800">
+                                      <a:rPr lang="id-ID" sz="1800" i="1">
                                         <a:effectLst/>
+                                        <a:latin typeface="Cambria Math" panose="02040503050406030204" pitchFamily="18" charset="0"/>
                                       </a:rPr>
                                     </m:ctrlPr>
                                   </m:sSubPr>
@@ -8113,6 +9478,7 @@
                                     <m:r>
                                       <a:rPr lang="en-US" sz="1800">
                                         <a:effectLst/>
+                                        <a:latin typeface="Cambria Math" panose="02040503050406030204" pitchFamily="18" charset="0"/>
                                       </a:rPr>
                                       <m:t>𝜶</m:t>
                                     </m:r>
@@ -8121,6 +9487,7 @@
                                     <m:r>
                                       <a:rPr lang="en-US" sz="1800">
                                         <a:effectLst/>
+                                        <a:latin typeface="Cambria Math" panose="02040503050406030204" pitchFamily="18" charset="0"/>
                                       </a:rPr>
                                       <m:t>𝒕</m:t>
                                     </m:r>
@@ -10207,7 +11574,7 @@
             </a:graphic>
           </p:graphicFrame>
         </mc:Choice>
-        <mc:Fallback>
+        <mc:Fallback xmlns="">
           <p:graphicFrame>
             <p:nvGraphicFramePr>
               <p:cNvPr id="6" name="Table 5">
@@ -12495,6 +13862,263 @@
           </p:graphicFrame>
         </mc:Fallback>
       </mc:AlternateContent>
+      <p:sp>
+        <p:nvSpPr>
+          <p:cNvPr id="7" name="Content Placeholder 2">
+            <a:extLst>
+              <a:ext uri="{FF2B5EF4-FFF2-40B4-BE49-F238E27FC236}">
+                <a16:creationId xmlns:a16="http://schemas.microsoft.com/office/drawing/2014/main" id="{597C4853-93D6-46B6-B58C-C8452A192012}"/>
+              </a:ext>
+            </a:extLst>
+          </p:cNvPr>
+          <p:cNvSpPr txBox="1">
+            <a:spLocks/>
+          </p:cNvSpPr>
+          <p:nvPr/>
+        </p:nvSpPr>
+        <p:spPr>
+          <a:xfrm>
+            <a:off x="2078344" y="6323544"/>
+            <a:ext cx="5262284" cy="676686"/>
+          </a:xfrm>
+          <a:prstGeom prst="rect">
+            <a:avLst/>
+          </a:prstGeom>
+        </p:spPr>
+        <p:txBody>
+          <a:bodyPr vert="horz" lIns="91440" tIns="45720" rIns="91440" bIns="45720" rtlCol="0">
+            <a:normAutofit/>
+          </a:bodyPr>
+          <a:lstStyle>
+            <a:lvl1pPr marL="342900" indent="-342900" algn="l" defTabSz="457200" rtl="0" eaLnBrk="1" latinLnBrk="0" hangingPunct="1">
+              <a:spcBef>
+                <a:spcPts val="1000"/>
+              </a:spcBef>
+              <a:spcAft>
+                <a:spcPts val="0"/>
+              </a:spcAft>
+              <a:buClr>
+                <a:schemeClr val="accent1"/>
+              </a:buClr>
+              <a:buFont typeface="Wingdings 3" charset="2"/>
+              <a:buChar char=""/>
+              <a:defRPr sz="1800" kern="1200">
+                <a:solidFill>
+                  <a:schemeClr val="tx1">
+                    <a:lumMod val="75000"/>
+                    <a:lumOff val="25000"/>
+                  </a:schemeClr>
+                </a:solidFill>
+                <a:latin typeface="+mn-lt"/>
+                <a:ea typeface="+mn-ea"/>
+                <a:cs typeface="+mn-cs"/>
+              </a:defRPr>
+            </a:lvl1pPr>
+            <a:lvl2pPr marL="742950" indent="-285750" algn="l" defTabSz="457200" rtl="0" eaLnBrk="1" latinLnBrk="0" hangingPunct="1">
+              <a:spcBef>
+                <a:spcPts val="1000"/>
+              </a:spcBef>
+              <a:spcAft>
+                <a:spcPts val="0"/>
+              </a:spcAft>
+              <a:buClr>
+                <a:schemeClr val="accent1"/>
+              </a:buClr>
+              <a:buFont typeface="Wingdings 3" charset="2"/>
+              <a:buChar char=""/>
+              <a:defRPr sz="1600" kern="1200">
+                <a:solidFill>
+                  <a:schemeClr val="tx1">
+                    <a:lumMod val="75000"/>
+                    <a:lumOff val="25000"/>
+                  </a:schemeClr>
+                </a:solidFill>
+                <a:latin typeface="+mn-lt"/>
+                <a:ea typeface="+mn-ea"/>
+                <a:cs typeface="+mn-cs"/>
+              </a:defRPr>
+            </a:lvl2pPr>
+            <a:lvl3pPr marL="1143000" indent="-228600" algn="l" defTabSz="457200" rtl="0" eaLnBrk="1" latinLnBrk="0" hangingPunct="1">
+              <a:spcBef>
+                <a:spcPts val="1000"/>
+              </a:spcBef>
+              <a:spcAft>
+                <a:spcPts val="0"/>
+              </a:spcAft>
+              <a:buClr>
+                <a:schemeClr val="accent1"/>
+              </a:buClr>
+              <a:buFont typeface="Wingdings 3" charset="2"/>
+              <a:buChar char=""/>
+              <a:defRPr sz="1400" kern="1200">
+                <a:solidFill>
+                  <a:schemeClr val="tx1">
+                    <a:lumMod val="75000"/>
+                    <a:lumOff val="25000"/>
+                  </a:schemeClr>
+                </a:solidFill>
+                <a:latin typeface="+mn-lt"/>
+                <a:ea typeface="+mn-ea"/>
+                <a:cs typeface="+mn-cs"/>
+              </a:defRPr>
+            </a:lvl3pPr>
+            <a:lvl4pPr marL="1600200" indent="-228600" algn="l" defTabSz="457200" rtl="0" eaLnBrk="1" latinLnBrk="0" hangingPunct="1">
+              <a:spcBef>
+                <a:spcPts val="1000"/>
+              </a:spcBef>
+              <a:spcAft>
+                <a:spcPts val="0"/>
+              </a:spcAft>
+              <a:buClr>
+                <a:schemeClr val="accent1"/>
+              </a:buClr>
+              <a:buFont typeface="Wingdings 3" charset="2"/>
+              <a:buChar char=""/>
+              <a:defRPr sz="1200" kern="1200">
+                <a:solidFill>
+                  <a:schemeClr val="tx1">
+                    <a:lumMod val="75000"/>
+                    <a:lumOff val="25000"/>
+                  </a:schemeClr>
+                </a:solidFill>
+                <a:latin typeface="+mn-lt"/>
+                <a:ea typeface="+mn-ea"/>
+                <a:cs typeface="+mn-cs"/>
+              </a:defRPr>
+            </a:lvl4pPr>
+            <a:lvl5pPr marL="2057400" indent="-228600" algn="l" defTabSz="457200" rtl="0" eaLnBrk="1" latinLnBrk="0" hangingPunct="1">
+              <a:spcBef>
+                <a:spcPts val="1000"/>
+              </a:spcBef>
+              <a:spcAft>
+                <a:spcPts val="0"/>
+              </a:spcAft>
+              <a:buClr>
+                <a:schemeClr val="accent1"/>
+              </a:buClr>
+              <a:buFont typeface="Wingdings 3" charset="2"/>
+              <a:buChar char=""/>
+              <a:defRPr sz="1200" kern="1200">
+                <a:solidFill>
+                  <a:schemeClr val="tx1">
+                    <a:lumMod val="75000"/>
+                    <a:lumOff val="25000"/>
+                  </a:schemeClr>
+                </a:solidFill>
+                <a:latin typeface="+mn-lt"/>
+                <a:ea typeface="+mn-ea"/>
+                <a:cs typeface="+mn-cs"/>
+              </a:defRPr>
+            </a:lvl5pPr>
+            <a:lvl6pPr marL="2514600" indent="-228600" algn="l" defTabSz="457200" rtl="0" eaLnBrk="1" latinLnBrk="0" hangingPunct="1">
+              <a:spcBef>
+                <a:spcPts val="1000"/>
+              </a:spcBef>
+              <a:spcAft>
+                <a:spcPts val="0"/>
+              </a:spcAft>
+              <a:buClr>
+                <a:schemeClr val="accent1"/>
+              </a:buClr>
+              <a:buFont typeface="Wingdings 3" charset="2"/>
+              <a:buChar char=""/>
+              <a:defRPr sz="1200" kern="1200">
+                <a:solidFill>
+                  <a:schemeClr val="tx1">
+                    <a:lumMod val="75000"/>
+                    <a:lumOff val="25000"/>
+                  </a:schemeClr>
+                </a:solidFill>
+                <a:latin typeface="+mn-lt"/>
+                <a:ea typeface="+mn-ea"/>
+                <a:cs typeface="+mn-cs"/>
+              </a:defRPr>
+            </a:lvl6pPr>
+            <a:lvl7pPr marL="2971800" indent="-228600" algn="l" defTabSz="457200" rtl="0" eaLnBrk="1" latinLnBrk="0" hangingPunct="1">
+              <a:spcBef>
+                <a:spcPts val="1000"/>
+              </a:spcBef>
+              <a:spcAft>
+                <a:spcPts val="0"/>
+              </a:spcAft>
+              <a:buClr>
+                <a:schemeClr val="accent1"/>
+              </a:buClr>
+              <a:buFont typeface="Wingdings 3" charset="2"/>
+              <a:buChar char=""/>
+              <a:defRPr sz="1200" kern="1200">
+                <a:solidFill>
+                  <a:schemeClr val="tx1">
+                    <a:lumMod val="75000"/>
+                    <a:lumOff val="25000"/>
+                  </a:schemeClr>
+                </a:solidFill>
+                <a:latin typeface="+mn-lt"/>
+                <a:ea typeface="+mn-ea"/>
+                <a:cs typeface="+mn-cs"/>
+              </a:defRPr>
+            </a:lvl7pPr>
+            <a:lvl8pPr marL="3429000" indent="-228600" algn="l" defTabSz="457200" rtl="0" eaLnBrk="1" latinLnBrk="0" hangingPunct="1">
+              <a:spcBef>
+                <a:spcPts val="1000"/>
+              </a:spcBef>
+              <a:spcAft>
+                <a:spcPts val="0"/>
+              </a:spcAft>
+              <a:buClr>
+                <a:schemeClr val="accent1"/>
+              </a:buClr>
+              <a:buFont typeface="Wingdings 3" charset="2"/>
+              <a:buChar char=""/>
+              <a:defRPr sz="1200" kern="1200">
+                <a:solidFill>
+                  <a:schemeClr val="tx1">
+                    <a:lumMod val="75000"/>
+                    <a:lumOff val="25000"/>
+                  </a:schemeClr>
+                </a:solidFill>
+                <a:latin typeface="+mn-lt"/>
+                <a:ea typeface="+mn-ea"/>
+                <a:cs typeface="+mn-cs"/>
+              </a:defRPr>
+            </a:lvl8pPr>
+            <a:lvl9pPr marL="3886200" indent="-228600" algn="l" defTabSz="457200" rtl="0" eaLnBrk="1" latinLnBrk="0" hangingPunct="1">
+              <a:spcBef>
+                <a:spcPts val="1000"/>
+              </a:spcBef>
+              <a:spcAft>
+                <a:spcPts val="0"/>
+              </a:spcAft>
+              <a:buClr>
+                <a:schemeClr val="accent1"/>
+              </a:buClr>
+              <a:buFont typeface="Wingdings 3" charset="2"/>
+              <a:buChar char=""/>
+              <a:defRPr sz="1200" kern="1200">
+                <a:solidFill>
+                  <a:schemeClr val="tx1">
+                    <a:lumMod val="75000"/>
+                    <a:lumOff val="25000"/>
+                  </a:schemeClr>
+                </a:solidFill>
+                <a:latin typeface="+mn-lt"/>
+                <a:ea typeface="+mn-ea"/>
+                <a:cs typeface="+mn-cs"/>
+              </a:defRPr>
+            </a:lvl9pPr>
+          </a:lstStyle>
+          <a:p>
+            <a:pPr>
+              <a:buFont typeface="Wingdings" panose="05000000000000000000" pitchFamily="2" charset="2"/>
+              <a:buChar char="v"/>
+            </a:pPr>
+            <a:r>
+              <a:rPr lang="id-ID" sz="2000" dirty="0"/>
+              <a:t>Bahasa Isyarat yang Digunakan</a:t>
+            </a:r>
+          </a:p>
+        </p:txBody>
+      </p:sp>
     </p:spTree>
     <p:extLst>
       <p:ext uri="{BB962C8B-B14F-4D97-AF65-F5344CB8AC3E}">
@@ -12555,19 +14179,15 @@
       </p:sp>
       <p:pic>
         <p:nvPicPr>
-          <p:cNvPr id="4" name="Content Placeholder 3">
+          <p:cNvPr id="6" name="Picture 5">
             <a:extLst>
               <a:ext uri="{FF2B5EF4-FFF2-40B4-BE49-F238E27FC236}">
-                <a16:creationId xmlns:a16="http://schemas.microsoft.com/office/drawing/2014/main" id="{716D5449-DC33-41AA-B3AC-5930A5EEB9AB}"/>
+                <a16:creationId xmlns:a16="http://schemas.microsoft.com/office/drawing/2014/main" id="{B1BD3208-8F2E-4C7B-95E8-978C87D28860}"/>
               </a:ext>
             </a:extLst>
           </p:cNvPr>
-          <p:cNvPicPr>
-            <a:picLocks noGrp="1"/>
-          </p:cNvPicPr>
-          <p:nvPr>
-            <p:ph idx="1"/>
-          </p:nvPr>
+          <p:cNvPicPr/>
+          <p:nvPr/>
         </p:nvPicPr>
         <p:blipFill>
           <a:blip r:embed="rId2"/>
@@ -12577,18 +14197,277 @@
         </p:blipFill>
         <p:spPr bwMode="auto">
           <a:xfrm>
-            <a:off x="1811529" y="1402078"/>
-            <a:ext cx="7681606" cy="5148351"/>
+            <a:off x="714247" y="1493028"/>
+            <a:ext cx="7947613" cy="5040775"/>
           </a:xfrm>
           <a:prstGeom prst="rect">
             <a:avLst/>
           </a:prstGeom>
           <a:noFill/>
           <a:ln>
-            <a:noFill/>
+            <a:solidFill>
+              <a:schemeClr val="tx1"/>
+            </a:solidFill>
           </a:ln>
         </p:spPr>
       </p:pic>
+      <p:sp>
+        <p:nvSpPr>
+          <p:cNvPr id="8" name="Content Placeholder 2">
+            <a:extLst>
+              <a:ext uri="{FF2B5EF4-FFF2-40B4-BE49-F238E27FC236}">
+                <a16:creationId xmlns:a16="http://schemas.microsoft.com/office/drawing/2014/main" id="{D9B67122-866B-44E1-A6C3-C6E0980C42BD}"/>
+              </a:ext>
+            </a:extLst>
+          </p:cNvPr>
+          <p:cNvSpPr txBox="1">
+            <a:spLocks/>
+          </p:cNvSpPr>
+          <p:nvPr/>
+        </p:nvSpPr>
+        <p:spPr>
+          <a:xfrm>
+            <a:off x="8863945" y="5820358"/>
+            <a:ext cx="2918480" cy="676686"/>
+          </a:xfrm>
+          <a:prstGeom prst="rect">
+            <a:avLst/>
+          </a:prstGeom>
+        </p:spPr>
+        <p:txBody>
+          <a:bodyPr vert="horz" lIns="91440" tIns="45720" rIns="91440" bIns="45720" rtlCol="0">
+            <a:normAutofit lnSpcReduction="10000"/>
+          </a:bodyPr>
+          <a:lstStyle>
+            <a:lvl1pPr marL="342900" indent="-342900" algn="l" defTabSz="457200" rtl="0" eaLnBrk="1" latinLnBrk="0" hangingPunct="1">
+              <a:spcBef>
+                <a:spcPts val="1000"/>
+              </a:spcBef>
+              <a:spcAft>
+                <a:spcPts val="0"/>
+              </a:spcAft>
+              <a:buClr>
+                <a:schemeClr val="accent1"/>
+              </a:buClr>
+              <a:buFont typeface="Wingdings 3" charset="2"/>
+              <a:buChar char=""/>
+              <a:defRPr sz="1800" kern="1200">
+                <a:solidFill>
+                  <a:schemeClr val="tx1">
+                    <a:lumMod val="75000"/>
+                    <a:lumOff val="25000"/>
+                  </a:schemeClr>
+                </a:solidFill>
+                <a:latin typeface="+mn-lt"/>
+                <a:ea typeface="+mn-ea"/>
+                <a:cs typeface="+mn-cs"/>
+              </a:defRPr>
+            </a:lvl1pPr>
+            <a:lvl2pPr marL="742950" indent="-285750" algn="l" defTabSz="457200" rtl="0" eaLnBrk="1" latinLnBrk="0" hangingPunct="1">
+              <a:spcBef>
+                <a:spcPts val="1000"/>
+              </a:spcBef>
+              <a:spcAft>
+                <a:spcPts val="0"/>
+              </a:spcAft>
+              <a:buClr>
+                <a:schemeClr val="accent1"/>
+              </a:buClr>
+              <a:buFont typeface="Wingdings 3" charset="2"/>
+              <a:buChar char=""/>
+              <a:defRPr sz="1600" kern="1200">
+                <a:solidFill>
+                  <a:schemeClr val="tx1">
+                    <a:lumMod val="75000"/>
+                    <a:lumOff val="25000"/>
+                  </a:schemeClr>
+                </a:solidFill>
+                <a:latin typeface="+mn-lt"/>
+                <a:ea typeface="+mn-ea"/>
+                <a:cs typeface="+mn-cs"/>
+              </a:defRPr>
+            </a:lvl2pPr>
+            <a:lvl3pPr marL="1143000" indent="-228600" algn="l" defTabSz="457200" rtl="0" eaLnBrk="1" latinLnBrk="0" hangingPunct="1">
+              <a:spcBef>
+                <a:spcPts val="1000"/>
+              </a:spcBef>
+              <a:spcAft>
+                <a:spcPts val="0"/>
+              </a:spcAft>
+              <a:buClr>
+                <a:schemeClr val="accent1"/>
+              </a:buClr>
+              <a:buFont typeface="Wingdings 3" charset="2"/>
+              <a:buChar char=""/>
+              <a:defRPr sz="1400" kern="1200">
+                <a:solidFill>
+                  <a:schemeClr val="tx1">
+                    <a:lumMod val="75000"/>
+                    <a:lumOff val="25000"/>
+                  </a:schemeClr>
+                </a:solidFill>
+                <a:latin typeface="+mn-lt"/>
+                <a:ea typeface="+mn-ea"/>
+                <a:cs typeface="+mn-cs"/>
+              </a:defRPr>
+            </a:lvl3pPr>
+            <a:lvl4pPr marL="1600200" indent="-228600" algn="l" defTabSz="457200" rtl="0" eaLnBrk="1" latinLnBrk="0" hangingPunct="1">
+              <a:spcBef>
+                <a:spcPts val="1000"/>
+              </a:spcBef>
+              <a:spcAft>
+                <a:spcPts val="0"/>
+              </a:spcAft>
+              <a:buClr>
+                <a:schemeClr val="accent1"/>
+              </a:buClr>
+              <a:buFont typeface="Wingdings 3" charset="2"/>
+              <a:buChar char=""/>
+              <a:defRPr sz="1200" kern="1200">
+                <a:solidFill>
+                  <a:schemeClr val="tx1">
+                    <a:lumMod val="75000"/>
+                    <a:lumOff val="25000"/>
+                  </a:schemeClr>
+                </a:solidFill>
+                <a:latin typeface="+mn-lt"/>
+                <a:ea typeface="+mn-ea"/>
+                <a:cs typeface="+mn-cs"/>
+              </a:defRPr>
+            </a:lvl4pPr>
+            <a:lvl5pPr marL="2057400" indent="-228600" algn="l" defTabSz="457200" rtl="0" eaLnBrk="1" latinLnBrk="0" hangingPunct="1">
+              <a:spcBef>
+                <a:spcPts val="1000"/>
+              </a:spcBef>
+              <a:spcAft>
+                <a:spcPts val="0"/>
+              </a:spcAft>
+              <a:buClr>
+                <a:schemeClr val="accent1"/>
+              </a:buClr>
+              <a:buFont typeface="Wingdings 3" charset="2"/>
+              <a:buChar char=""/>
+              <a:defRPr sz="1200" kern="1200">
+                <a:solidFill>
+                  <a:schemeClr val="tx1">
+                    <a:lumMod val="75000"/>
+                    <a:lumOff val="25000"/>
+                  </a:schemeClr>
+                </a:solidFill>
+                <a:latin typeface="+mn-lt"/>
+                <a:ea typeface="+mn-ea"/>
+                <a:cs typeface="+mn-cs"/>
+              </a:defRPr>
+            </a:lvl5pPr>
+            <a:lvl6pPr marL="2514600" indent="-228600" algn="l" defTabSz="457200" rtl="0" eaLnBrk="1" latinLnBrk="0" hangingPunct="1">
+              <a:spcBef>
+                <a:spcPts val="1000"/>
+              </a:spcBef>
+              <a:spcAft>
+                <a:spcPts val="0"/>
+              </a:spcAft>
+              <a:buClr>
+                <a:schemeClr val="accent1"/>
+              </a:buClr>
+              <a:buFont typeface="Wingdings 3" charset="2"/>
+              <a:buChar char=""/>
+              <a:defRPr sz="1200" kern="1200">
+                <a:solidFill>
+                  <a:schemeClr val="tx1">
+                    <a:lumMod val="75000"/>
+                    <a:lumOff val="25000"/>
+                  </a:schemeClr>
+                </a:solidFill>
+                <a:latin typeface="+mn-lt"/>
+                <a:ea typeface="+mn-ea"/>
+                <a:cs typeface="+mn-cs"/>
+              </a:defRPr>
+            </a:lvl6pPr>
+            <a:lvl7pPr marL="2971800" indent="-228600" algn="l" defTabSz="457200" rtl="0" eaLnBrk="1" latinLnBrk="0" hangingPunct="1">
+              <a:spcBef>
+                <a:spcPts val="1000"/>
+              </a:spcBef>
+              <a:spcAft>
+                <a:spcPts val="0"/>
+              </a:spcAft>
+              <a:buClr>
+                <a:schemeClr val="accent1"/>
+              </a:buClr>
+              <a:buFont typeface="Wingdings 3" charset="2"/>
+              <a:buChar char=""/>
+              <a:defRPr sz="1200" kern="1200">
+                <a:solidFill>
+                  <a:schemeClr val="tx1">
+                    <a:lumMod val="75000"/>
+                    <a:lumOff val="25000"/>
+                  </a:schemeClr>
+                </a:solidFill>
+                <a:latin typeface="+mn-lt"/>
+                <a:ea typeface="+mn-ea"/>
+                <a:cs typeface="+mn-cs"/>
+              </a:defRPr>
+            </a:lvl7pPr>
+            <a:lvl8pPr marL="3429000" indent="-228600" algn="l" defTabSz="457200" rtl="0" eaLnBrk="1" latinLnBrk="0" hangingPunct="1">
+              <a:spcBef>
+                <a:spcPts val="1000"/>
+              </a:spcBef>
+              <a:spcAft>
+                <a:spcPts val="0"/>
+              </a:spcAft>
+              <a:buClr>
+                <a:schemeClr val="accent1"/>
+              </a:buClr>
+              <a:buFont typeface="Wingdings 3" charset="2"/>
+              <a:buChar char=""/>
+              <a:defRPr sz="1200" kern="1200">
+                <a:solidFill>
+                  <a:schemeClr val="tx1">
+                    <a:lumMod val="75000"/>
+                    <a:lumOff val="25000"/>
+                  </a:schemeClr>
+                </a:solidFill>
+                <a:latin typeface="+mn-lt"/>
+                <a:ea typeface="+mn-ea"/>
+                <a:cs typeface="+mn-cs"/>
+              </a:defRPr>
+            </a:lvl8pPr>
+            <a:lvl9pPr marL="3886200" indent="-228600" algn="l" defTabSz="457200" rtl="0" eaLnBrk="1" latinLnBrk="0" hangingPunct="1">
+              <a:spcBef>
+                <a:spcPts val="1000"/>
+              </a:spcBef>
+              <a:spcAft>
+                <a:spcPts val="0"/>
+              </a:spcAft>
+              <a:buClr>
+                <a:schemeClr val="accent1"/>
+              </a:buClr>
+              <a:buFont typeface="Wingdings 3" charset="2"/>
+              <a:buChar char=""/>
+              <a:defRPr sz="1200" kern="1200">
+                <a:solidFill>
+                  <a:schemeClr val="tx1">
+                    <a:lumMod val="75000"/>
+                    <a:lumOff val="25000"/>
+                  </a:schemeClr>
+                </a:solidFill>
+                <a:latin typeface="+mn-lt"/>
+                <a:ea typeface="+mn-ea"/>
+                <a:cs typeface="+mn-cs"/>
+              </a:defRPr>
+            </a:lvl9pPr>
+          </a:lstStyle>
+          <a:p>
+            <a:pPr>
+              <a:buFont typeface="Wingdings" panose="05000000000000000000" pitchFamily="2" charset="2"/>
+              <a:buChar char="v"/>
+            </a:pPr>
+            <a:r>
+              <a:rPr lang="id-ID" sz="2000" dirty="0"/>
+              <a:t>Tampilan Perangkat Lunak</a:t>
+            </a:r>
+          </a:p>
+        </p:txBody>
+      </p:sp>
     </p:spTree>
     <p:extLst>
       <p:ext uri="{BB962C8B-B14F-4D97-AF65-F5344CB8AC3E}">
@@ -12635,7 +14514,12 @@
             <p:ph type="title"/>
           </p:nvPr>
         </p:nvSpPr>
-        <p:spPr/>
+        <p:spPr>
+          <a:xfrm>
+            <a:off x="2592925" y="624110"/>
+            <a:ext cx="8911687" cy="1280890"/>
+          </a:xfrm>
+        </p:spPr>
         <p:txBody>
           <a:bodyPr/>
           <a:lstStyle/>
@@ -12647,28 +14531,290 @@
           </a:p>
         </p:txBody>
       </p:sp>
-      <p:sp>
-        <p:nvSpPr>
-          <p:cNvPr id="7" name="Content Placeholder 6">
+      <p:pic>
+        <p:nvPicPr>
+          <p:cNvPr id="5" name="Picture 4">
             <a:extLst>
               <a:ext uri="{FF2B5EF4-FFF2-40B4-BE49-F238E27FC236}">
-                <a16:creationId xmlns:a16="http://schemas.microsoft.com/office/drawing/2014/main" id="{521ADEEF-F965-4EC9-85DE-AADBC854ADEE}"/>
+                <a16:creationId xmlns:a16="http://schemas.microsoft.com/office/drawing/2014/main" id="{91052C44-3F3F-4223-B1CB-329D1D3A7A60}"/>
               </a:ext>
             </a:extLst>
           </p:cNvPr>
-          <p:cNvSpPr>
-            <a:spLocks noGrp="1"/>
+          <p:cNvPicPr>
+            <a:picLocks noChangeAspect="1"/>
+          </p:cNvPicPr>
+          <p:nvPr/>
+        </p:nvPicPr>
+        <p:blipFill>
+          <a:blip r:embed="rId2"/>
+          <a:stretch>
+            <a:fillRect/>
+          </a:stretch>
+        </p:blipFill>
+        <p:spPr>
+          <a:xfrm>
+            <a:off x="181027" y="1198977"/>
+            <a:ext cx="9761485" cy="5659023"/>
+          </a:xfrm>
+          <a:prstGeom prst="rect">
+            <a:avLst/>
+          </a:prstGeom>
+        </p:spPr>
+      </p:pic>
+      <p:sp>
+        <p:nvSpPr>
+          <p:cNvPr id="8" name="Content Placeholder 2">
+            <a:extLst>
+              <a:ext uri="{FF2B5EF4-FFF2-40B4-BE49-F238E27FC236}">
+                <a16:creationId xmlns:a16="http://schemas.microsoft.com/office/drawing/2014/main" id="{B5945A8C-E364-469B-A866-03B1F6679337}"/>
+              </a:ext>
+            </a:extLst>
+          </p:cNvPr>
+          <p:cNvSpPr txBox="1">
+            <a:spLocks/>
           </p:cNvSpPr>
-          <p:nvPr>
-            <p:ph idx="1"/>
-          </p:nvPr>
+          <p:nvPr/>
         </p:nvSpPr>
-        <p:spPr/>
+        <p:spPr>
+          <a:xfrm>
+            <a:off x="10009187" y="6429375"/>
+            <a:ext cx="2918480" cy="676686"/>
+          </a:xfrm>
+          <a:prstGeom prst="rect">
+            <a:avLst/>
+          </a:prstGeom>
+        </p:spPr>
         <p:txBody>
-          <a:bodyPr/>
-          <a:lstStyle/>
-          <a:p>
-            <a:endParaRPr lang="id-ID"/>
+          <a:bodyPr vert="horz" lIns="91440" tIns="45720" rIns="91440" bIns="45720" rtlCol="0">
+            <a:normAutofit/>
+          </a:bodyPr>
+          <a:lstStyle>
+            <a:lvl1pPr marL="342900" indent="-342900" algn="l" defTabSz="457200" rtl="0" eaLnBrk="1" latinLnBrk="0" hangingPunct="1">
+              <a:spcBef>
+                <a:spcPts val="1000"/>
+              </a:spcBef>
+              <a:spcAft>
+                <a:spcPts val="0"/>
+              </a:spcAft>
+              <a:buClr>
+                <a:schemeClr val="accent1"/>
+              </a:buClr>
+              <a:buFont typeface="Wingdings 3" charset="2"/>
+              <a:buChar char=""/>
+              <a:defRPr sz="1800" kern="1200">
+                <a:solidFill>
+                  <a:schemeClr val="tx1">
+                    <a:lumMod val="75000"/>
+                    <a:lumOff val="25000"/>
+                  </a:schemeClr>
+                </a:solidFill>
+                <a:latin typeface="+mn-lt"/>
+                <a:ea typeface="+mn-ea"/>
+                <a:cs typeface="+mn-cs"/>
+              </a:defRPr>
+            </a:lvl1pPr>
+            <a:lvl2pPr marL="742950" indent="-285750" algn="l" defTabSz="457200" rtl="0" eaLnBrk="1" latinLnBrk="0" hangingPunct="1">
+              <a:spcBef>
+                <a:spcPts val="1000"/>
+              </a:spcBef>
+              <a:spcAft>
+                <a:spcPts val="0"/>
+              </a:spcAft>
+              <a:buClr>
+                <a:schemeClr val="accent1"/>
+              </a:buClr>
+              <a:buFont typeface="Wingdings 3" charset="2"/>
+              <a:buChar char=""/>
+              <a:defRPr sz="1600" kern="1200">
+                <a:solidFill>
+                  <a:schemeClr val="tx1">
+                    <a:lumMod val="75000"/>
+                    <a:lumOff val="25000"/>
+                  </a:schemeClr>
+                </a:solidFill>
+                <a:latin typeface="+mn-lt"/>
+                <a:ea typeface="+mn-ea"/>
+                <a:cs typeface="+mn-cs"/>
+              </a:defRPr>
+            </a:lvl2pPr>
+            <a:lvl3pPr marL="1143000" indent="-228600" algn="l" defTabSz="457200" rtl="0" eaLnBrk="1" latinLnBrk="0" hangingPunct="1">
+              <a:spcBef>
+                <a:spcPts val="1000"/>
+              </a:spcBef>
+              <a:spcAft>
+                <a:spcPts val="0"/>
+              </a:spcAft>
+              <a:buClr>
+                <a:schemeClr val="accent1"/>
+              </a:buClr>
+              <a:buFont typeface="Wingdings 3" charset="2"/>
+              <a:buChar char=""/>
+              <a:defRPr sz="1400" kern="1200">
+                <a:solidFill>
+                  <a:schemeClr val="tx1">
+                    <a:lumMod val="75000"/>
+                    <a:lumOff val="25000"/>
+                  </a:schemeClr>
+                </a:solidFill>
+                <a:latin typeface="+mn-lt"/>
+                <a:ea typeface="+mn-ea"/>
+                <a:cs typeface="+mn-cs"/>
+              </a:defRPr>
+            </a:lvl3pPr>
+            <a:lvl4pPr marL="1600200" indent="-228600" algn="l" defTabSz="457200" rtl="0" eaLnBrk="1" latinLnBrk="0" hangingPunct="1">
+              <a:spcBef>
+                <a:spcPts val="1000"/>
+              </a:spcBef>
+              <a:spcAft>
+                <a:spcPts val="0"/>
+              </a:spcAft>
+              <a:buClr>
+                <a:schemeClr val="accent1"/>
+              </a:buClr>
+              <a:buFont typeface="Wingdings 3" charset="2"/>
+              <a:buChar char=""/>
+              <a:defRPr sz="1200" kern="1200">
+                <a:solidFill>
+                  <a:schemeClr val="tx1">
+                    <a:lumMod val="75000"/>
+                    <a:lumOff val="25000"/>
+                  </a:schemeClr>
+                </a:solidFill>
+                <a:latin typeface="+mn-lt"/>
+                <a:ea typeface="+mn-ea"/>
+                <a:cs typeface="+mn-cs"/>
+              </a:defRPr>
+            </a:lvl4pPr>
+            <a:lvl5pPr marL="2057400" indent="-228600" algn="l" defTabSz="457200" rtl="0" eaLnBrk="1" latinLnBrk="0" hangingPunct="1">
+              <a:spcBef>
+                <a:spcPts val="1000"/>
+              </a:spcBef>
+              <a:spcAft>
+                <a:spcPts val="0"/>
+              </a:spcAft>
+              <a:buClr>
+                <a:schemeClr val="accent1"/>
+              </a:buClr>
+              <a:buFont typeface="Wingdings 3" charset="2"/>
+              <a:buChar char=""/>
+              <a:defRPr sz="1200" kern="1200">
+                <a:solidFill>
+                  <a:schemeClr val="tx1">
+                    <a:lumMod val="75000"/>
+                    <a:lumOff val="25000"/>
+                  </a:schemeClr>
+                </a:solidFill>
+                <a:latin typeface="+mn-lt"/>
+                <a:ea typeface="+mn-ea"/>
+                <a:cs typeface="+mn-cs"/>
+              </a:defRPr>
+            </a:lvl5pPr>
+            <a:lvl6pPr marL="2514600" indent="-228600" algn="l" defTabSz="457200" rtl="0" eaLnBrk="1" latinLnBrk="0" hangingPunct="1">
+              <a:spcBef>
+                <a:spcPts val="1000"/>
+              </a:spcBef>
+              <a:spcAft>
+                <a:spcPts val="0"/>
+              </a:spcAft>
+              <a:buClr>
+                <a:schemeClr val="accent1"/>
+              </a:buClr>
+              <a:buFont typeface="Wingdings 3" charset="2"/>
+              <a:buChar char=""/>
+              <a:defRPr sz="1200" kern="1200">
+                <a:solidFill>
+                  <a:schemeClr val="tx1">
+                    <a:lumMod val="75000"/>
+                    <a:lumOff val="25000"/>
+                  </a:schemeClr>
+                </a:solidFill>
+                <a:latin typeface="+mn-lt"/>
+                <a:ea typeface="+mn-ea"/>
+                <a:cs typeface="+mn-cs"/>
+              </a:defRPr>
+            </a:lvl6pPr>
+            <a:lvl7pPr marL="2971800" indent="-228600" algn="l" defTabSz="457200" rtl="0" eaLnBrk="1" latinLnBrk="0" hangingPunct="1">
+              <a:spcBef>
+                <a:spcPts val="1000"/>
+              </a:spcBef>
+              <a:spcAft>
+                <a:spcPts val="0"/>
+              </a:spcAft>
+              <a:buClr>
+                <a:schemeClr val="accent1"/>
+              </a:buClr>
+              <a:buFont typeface="Wingdings 3" charset="2"/>
+              <a:buChar char=""/>
+              <a:defRPr sz="1200" kern="1200">
+                <a:solidFill>
+                  <a:schemeClr val="tx1">
+                    <a:lumMod val="75000"/>
+                    <a:lumOff val="25000"/>
+                  </a:schemeClr>
+                </a:solidFill>
+                <a:latin typeface="+mn-lt"/>
+                <a:ea typeface="+mn-ea"/>
+                <a:cs typeface="+mn-cs"/>
+              </a:defRPr>
+            </a:lvl7pPr>
+            <a:lvl8pPr marL="3429000" indent="-228600" algn="l" defTabSz="457200" rtl="0" eaLnBrk="1" latinLnBrk="0" hangingPunct="1">
+              <a:spcBef>
+                <a:spcPts val="1000"/>
+              </a:spcBef>
+              <a:spcAft>
+                <a:spcPts val="0"/>
+              </a:spcAft>
+              <a:buClr>
+                <a:schemeClr val="accent1"/>
+              </a:buClr>
+              <a:buFont typeface="Wingdings 3" charset="2"/>
+              <a:buChar char=""/>
+              <a:defRPr sz="1200" kern="1200">
+                <a:solidFill>
+                  <a:schemeClr val="tx1">
+                    <a:lumMod val="75000"/>
+                    <a:lumOff val="25000"/>
+                  </a:schemeClr>
+                </a:solidFill>
+                <a:latin typeface="+mn-lt"/>
+                <a:ea typeface="+mn-ea"/>
+                <a:cs typeface="+mn-cs"/>
+              </a:defRPr>
+            </a:lvl8pPr>
+            <a:lvl9pPr marL="3886200" indent="-228600" algn="l" defTabSz="457200" rtl="0" eaLnBrk="1" latinLnBrk="0" hangingPunct="1">
+              <a:spcBef>
+                <a:spcPts val="1000"/>
+              </a:spcBef>
+              <a:spcAft>
+                <a:spcPts val="0"/>
+              </a:spcAft>
+              <a:buClr>
+                <a:schemeClr val="accent1"/>
+              </a:buClr>
+              <a:buFont typeface="Wingdings 3" charset="2"/>
+              <a:buChar char=""/>
+              <a:defRPr sz="1200" kern="1200">
+                <a:solidFill>
+                  <a:schemeClr val="tx1">
+                    <a:lumMod val="75000"/>
+                    <a:lumOff val="25000"/>
+                  </a:schemeClr>
+                </a:solidFill>
+                <a:latin typeface="+mn-lt"/>
+                <a:ea typeface="+mn-ea"/>
+                <a:cs typeface="+mn-cs"/>
+              </a:defRPr>
+            </a:lvl9pPr>
+          </a:lstStyle>
+          <a:p>
+            <a:pPr>
+              <a:buFont typeface="Wingdings" panose="05000000000000000000" pitchFamily="2" charset="2"/>
+              <a:buChar char="v"/>
+            </a:pPr>
+            <a:r>
+              <a:rPr lang="id-ID" sz="2000" dirty="0"/>
+              <a:t>Diagram Alir</a:t>
+            </a:r>
           </a:p>
         </p:txBody>
       </p:sp>
@@ -12748,18 +14894,92 @@
         </p:nvSpPr>
         <p:spPr/>
         <p:txBody>
-          <a:bodyPr/>
+          <a:bodyPr>
+            <a:normAutofit/>
+          </a:bodyPr>
           <a:lstStyle/>
           <a:p>
             <a:r>
-              <a:rPr lang="id-ID" i="1" dirty="0"/>
+              <a:rPr lang="id-ID" sz="2800" i="1" dirty="0"/>
               <a:t>Skeleton </a:t>
             </a:r>
             <a:r>
-              <a:rPr lang="id-ID" dirty="0"/>
-              <a:t>joints yang diidentifikasi</a:t>
+              <a:rPr lang="id-ID" sz="2800" dirty="0"/>
+              <a:t>joints yang diidentifikasi:</a:t>
             </a:r>
-            <a:endParaRPr lang="id-ID" i="1" dirty="0"/>
+          </a:p>
+          <a:p>
+            <a:pPr lvl="1">
+              <a:buFont typeface="Wingdings" panose="05000000000000000000" pitchFamily="2" charset="2"/>
+              <a:buChar char="q"/>
+            </a:pPr>
+            <a:r>
+              <a:rPr lang="id-ID" sz="2600" i="1" dirty="0"/>
+              <a:t> </a:t>
+            </a:r>
+            <a:r>
+              <a:rPr lang="id-ID" sz="2600" dirty="0"/>
+              <a:t>Telapak tangan kiri (HandLeft)</a:t>
+            </a:r>
+          </a:p>
+          <a:p>
+            <a:pPr lvl="1">
+              <a:buFont typeface="Wingdings" panose="05000000000000000000" pitchFamily="2" charset="2"/>
+              <a:buChar char="q"/>
+            </a:pPr>
+            <a:r>
+              <a:rPr lang="id-ID" sz="2600" i="1" dirty="0"/>
+              <a:t> </a:t>
+            </a:r>
+            <a:r>
+              <a:rPr lang="id-ID" sz="2600" dirty="0"/>
+              <a:t>Telapak tangan kanan (HandRight)</a:t>
+            </a:r>
+          </a:p>
+          <a:p>
+            <a:pPr lvl="1">
+              <a:buFont typeface="Wingdings" panose="05000000000000000000" pitchFamily="2" charset="2"/>
+              <a:buChar char="q"/>
+            </a:pPr>
+            <a:r>
+              <a:rPr lang="id-ID" sz="2600" i="1" dirty="0"/>
+              <a:t> </a:t>
+            </a:r>
+            <a:r>
+              <a:rPr lang="id-ID" sz="2600" dirty="0">
+                <a:solidFill>
+                  <a:srgbClr val="FF0000"/>
+                </a:solidFill>
+              </a:rPr>
+              <a:t>Leher (Neck)</a:t>
+            </a:r>
+          </a:p>
+          <a:p>
+            <a:pPr lvl="1">
+              <a:buFont typeface="Wingdings" panose="05000000000000000000" pitchFamily="2" charset="2"/>
+              <a:buChar char="q"/>
+            </a:pPr>
+            <a:r>
+              <a:rPr lang="id-ID" sz="2600" i="1" dirty="0">
+                <a:solidFill>
+                  <a:srgbClr val="FF0000"/>
+                </a:solidFill>
+              </a:rPr>
+              <a:t> </a:t>
+            </a:r>
+            <a:r>
+              <a:rPr lang="id-ID" sz="2600" dirty="0">
+                <a:solidFill>
+                  <a:srgbClr val="FF0000"/>
+                </a:solidFill>
+              </a:rPr>
+              <a:t>Bagian tengah tulang belakang (SpineMid)</a:t>
+            </a:r>
+            <a:endParaRPr lang="id-ID" sz="2600" i="1" dirty="0">
+              <a:solidFill>
+                <a:srgbClr val="FF0000"/>
+              </a:solidFill>
+            </a:endParaRPr>
           </a:p>
         </p:txBody>
       </p:sp>
@@ -12767,6 +14987,2102 @@
     <p:extLst>
       <p:ext uri="{BB962C8B-B14F-4D97-AF65-F5344CB8AC3E}">
         <p14:creationId xmlns:p14="http://schemas.microsoft.com/office/powerpoint/2010/main" val="4261003112"/>
+      </p:ext>
+    </p:extLst>
+  </p:cSld>
+  <p:clrMapOvr>
+    <a:masterClrMapping/>
+  </p:clrMapOvr>
+</p:sld>
+</file>
+
+<file path=ppt/slides/slide14.xml><?xml version="1.0" encoding="utf-8"?>
+<p:sld xmlns:a="http://schemas.openxmlformats.org/drawingml/2006/main" xmlns:r="http://schemas.openxmlformats.org/officeDocument/2006/relationships" xmlns:p="http://schemas.openxmlformats.org/presentationml/2006/main">
+  <p:cSld>
+    <p:spTree>
+      <p:nvGrpSpPr>
+        <p:cNvPr id="1" name=""/>
+        <p:cNvGrpSpPr/>
+        <p:nvPr/>
+      </p:nvGrpSpPr>
+      <p:grpSpPr>
+        <a:xfrm>
+          <a:off x="0" y="0"/>
+          <a:ext cx="0" cy="0"/>
+          <a:chOff x="0" y="0"/>
+          <a:chExt cx="0" cy="0"/>
+        </a:xfrm>
+      </p:grpSpPr>
+      <p:sp>
+        <p:nvSpPr>
+          <p:cNvPr id="2" name="Title 1">
+            <a:extLst>
+              <a:ext uri="{FF2B5EF4-FFF2-40B4-BE49-F238E27FC236}">
+                <a16:creationId xmlns:a16="http://schemas.microsoft.com/office/drawing/2014/main" id="{7E00B17C-5D54-4699-9EC0-701F524B8E77}"/>
+              </a:ext>
+            </a:extLst>
+          </p:cNvPr>
+          <p:cNvSpPr>
+            <a:spLocks noGrp="1"/>
+          </p:cNvSpPr>
+          <p:nvPr>
+            <p:ph type="title"/>
+          </p:nvPr>
+        </p:nvSpPr>
+        <p:spPr/>
+        <p:txBody>
+          <a:bodyPr/>
+          <a:lstStyle/>
+          <a:p>
+            <a:r>
+              <a:rPr lang="id-ID" dirty="0"/>
+              <a:t>Implementasi: Ekstraksi Fitur Dinamis</a:t>
+            </a:r>
+          </a:p>
+        </p:txBody>
+      </p:sp>
+      <p:pic>
+        <p:nvPicPr>
+          <p:cNvPr id="6" name="Picture 5">
+            <a:extLst>
+              <a:ext uri="{FF2B5EF4-FFF2-40B4-BE49-F238E27FC236}">
+                <a16:creationId xmlns:a16="http://schemas.microsoft.com/office/drawing/2014/main" id="{3BB2CD6C-290D-4F76-A78D-795BDA9E1871}"/>
+              </a:ext>
+            </a:extLst>
+          </p:cNvPr>
+          <p:cNvPicPr>
+            <a:picLocks noChangeAspect="1"/>
+          </p:cNvPicPr>
+          <p:nvPr/>
+        </p:nvPicPr>
+        <p:blipFill>
+          <a:blip r:embed="rId2"/>
+          <a:stretch>
+            <a:fillRect/>
+          </a:stretch>
+        </p:blipFill>
+        <p:spPr>
+          <a:xfrm>
+            <a:off x="2147775" y="1979645"/>
+            <a:ext cx="3705225" cy="4029075"/>
+          </a:xfrm>
+          <a:prstGeom prst="rect">
+            <a:avLst/>
+          </a:prstGeom>
+        </p:spPr>
+      </p:pic>
+      <p:sp>
+        <p:nvSpPr>
+          <p:cNvPr id="7" name="Content Placeholder 2">
+            <a:extLst>
+              <a:ext uri="{FF2B5EF4-FFF2-40B4-BE49-F238E27FC236}">
+                <a16:creationId xmlns:a16="http://schemas.microsoft.com/office/drawing/2014/main" id="{E89CDDA1-C28E-4D9B-AC44-154A610CD99F}"/>
+              </a:ext>
+            </a:extLst>
+          </p:cNvPr>
+          <p:cNvSpPr>
+            <a:spLocks noGrp="1"/>
+          </p:cNvSpPr>
+          <p:nvPr>
+            <p:ph idx="1"/>
+          </p:nvPr>
+        </p:nvSpPr>
+        <p:spPr>
+          <a:xfrm>
+            <a:off x="6418127" y="1979645"/>
+            <a:ext cx="4984987" cy="3777622"/>
+          </a:xfrm>
+        </p:spPr>
+        <p:txBody>
+          <a:bodyPr>
+            <a:normAutofit/>
+          </a:bodyPr>
+          <a:lstStyle/>
+          <a:p>
+            <a:r>
+              <a:rPr lang="id-ID" sz="2800" dirty="0">
+                <a:solidFill>
+                  <a:schemeClr val="tx1"/>
+                </a:solidFill>
+              </a:rPr>
+              <a:t>Menentukan Posisi Gerakan Tangan</a:t>
+            </a:r>
+          </a:p>
+          <a:p>
+            <a:pPr marL="914400" lvl="1" indent="-514350">
+              <a:buFont typeface="+mj-lt"/>
+              <a:buAutoNum type="arabicPeriod"/>
+            </a:pPr>
+            <a:r>
+              <a:rPr lang="id-ID" sz="2600" dirty="0">
+                <a:solidFill>
+                  <a:schemeClr val="tx1"/>
+                </a:solidFill>
+              </a:rPr>
+              <a:t>Leher (Neck)</a:t>
+            </a:r>
+          </a:p>
+          <a:p>
+            <a:pPr marL="914400" lvl="1" indent="-514350">
+              <a:buFont typeface="+mj-lt"/>
+              <a:buAutoNum type="arabicPeriod"/>
+            </a:pPr>
+            <a:r>
+              <a:rPr lang="id-ID" sz="2600" dirty="0">
+                <a:solidFill>
+                  <a:schemeClr val="tx1"/>
+                </a:solidFill>
+              </a:rPr>
+              <a:t>Bagian tengah tulang belakang (SpineMid)</a:t>
+            </a:r>
+            <a:endParaRPr lang="id-ID" sz="2600" i="1" dirty="0">
+              <a:solidFill>
+                <a:schemeClr val="tx1"/>
+              </a:solidFill>
+            </a:endParaRPr>
+          </a:p>
+        </p:txBody>
+      </p:sp>
+      <p:sp>
+        <p:nvSpPr>
+          <p:cNvPr id="8" name="Content Placeholder 2">
+            <a:extLst>
+              <a:ext uri="{FF2B5EF4-FFF2-40B4-BE49-F238E27FC236}">
+                <a16:creationId xmlns:a16="http://schemas.microsoft.com/office/drawing/2014/main" id="{BC02CE1E-92F7-457B-B678-69BCC6557A91}"/>
+              </a:ext>
+            </a:extLst>
+          </p:cNvPr>
+          <p:cNvSpPr txBox="1">
+            <a:spLocks/>
+          </p:cNvSpPr>
+          <p:nvPr/>
+        </p:nvSpPr>
+        <p:spPr>
+          <a:xfrm>
+            <a:off x="2592925" y="6181314"/>
+            <a:ext cx="4270352" cy="676686"/>
+          </a:xfrm>
+          <a:prstGeom prst="rect">
+            <a:avLst/>
+          </a:prstGeom>
+        </p:spPr>
+        <p:txBody>
+          <a:bodyPr vert="horz" lIns="91440" tIns="45720" rIns="91440" bIns="45720" rtlCol="0">
+            <a:normAutofit/>
+          </a:bodyPr>
+          <a:lstStyle>
+            <a:lvl1pPr marL="342900" indent="-342900" algn="l" defTabSz="457200" rtl="0" eaLnBrk="1" latinLnBrk="0" hangingPunct="1">
+              <a:spcBef>
+                <a:spcPts val="1000"/>
+              </a:spcBef>
+              <a:spcAft>
+                <a:spcPts val="0"/>
+              </a:spcAft>
+              <a:buClr>
+                <a:schemeClr val="accent1"/>
+              </a:buClr>
+              <a:buFont typeface="Wingdings 3" charset="2"/>
+              <a:buChar char=""/>
+              <a:defRPr sz="1800" kern="1200">
+                <a:solidFill>
+                  <a:schemeClr val="tx1">
+                    <a:lumMod val="75000"/>
+                    <a:lumOff val="25000"/>
+                  </a:schemeClr>
+                </a:solidFill>
+                <a:latin typeface="+mn-lt"/>
+                <a:ea typeface="+mn-ea"/>
+                <a:cs typeface="+mn-cs"/>
+              </a:defRPr>
+            </a:lvl1pPr>
+            <a:lvl2pPr marL="742950" indent="-285750" algn="l" defTabSz="457200" rtl="0" eaLnBrk="1" latinLnBrk="0" hangingPunct="1">
+              <a:spcBef>
+                <a:spcPts val="1000"/>
+              </a:spcBef>
+              <a:spcAft>
+                <a:spcPts val="0"/>
+              </a:spcAft>
+              <a:buClr>
+                <a:schemeClr val="accent1"/>
+              </a:buClr>
+              <a:buFont typeface="Wingdings 3" charset="2"/>
+              <a:buChar char=""/>
+              <a:defRPr sz="1600" kern="1200">
+                <a:solidFill>
+                  <a:schemeClr val="tx1">
+                    <a:lumMod val="75000"/>
+                    <a:lumOff val="25000"/>
+                  </a:schemeClr>
+                </a:solidFill>
+                <a:latin typeface="+mn-lt"/>
+                <a:ea typeface="+mn-ea"/>
+                <a:cs typeface="+mn-cs"/>
+              </a:defRPr>
+            </a:lvl2pPr>
+            <a:lvl3pPr marL="1143000" indent="-228600" algn="l" defTabSz="457200" rtl="0" eaLnBrk="1" latinLnBrk="0" hangingPunct="1">
+              <a:spcBef>
+                <a:spcPts val="1000"/>
+              </a:spcBef>
+              <a:spcAft>
+                <a:spcPts val="0"/>
+              </a:spcAft>
+              <a:buClr>
+                <a:schemeClr val="accent1"/>
+              </a:buClr>
+              <a:buFont typeface="Wingdings 3" charset="2"/>
+              <a:buChar char=""/>
+              <a:defRPr sz="1400" kern="1200">
+                <a:solidFill>
+                  <a:schemeClr val="tx1">
+                    <a:lumMod val="75000"/>
+                    <a:lumOff val="25000"/>
+                  </a:schemeClr>
+                </a:solidFill>
+                <a:latin typeface="+mn-lt"/>
+                <a:ea typeface="+mn-ea"/>
+                <a:cs typeface="+mn-cs"/>
+              </a:defRPr>
+            </a:lvl3pPr>
+            <a:lvl4pPr marL="1600200" indent="-228600" algn="l" defTabSz="457200" rtl="0" eaLnBrk="1" latinLnBrk="0" hangingPunct="1">
+              <a:spcBef>
+                <a:spcPts val="1000"/>
+              </a:spcBef>
+              <a:spcAft>
+                <a:spcPts val="0"/>
+              </a:spcAft>
+              <a:buClr>
+                <a:schemeClr val="accent1"/>
+              </a:buClr>
+              <a:buFont typeface="Wingdings 3" charset="2"/>
+              <a:buChar char=""/>
+              <a:defRPr sz="1200" kern="1200">
+                <a:solidFill>
+                  <a:schemeClr val="tx1">
+                    <a:lumMod val="75000"/>
+                    <a:lumOff val="25000"/>
+                  </a:schemeClr>
+                </a:solidFill>
+                <a:latin typeface="+mn-lt"/>
+                <a:ea typeface="+mn-ea"/>
+                <a:cs typeface="+mn-cs"/>
+              </a:defRPr>
+            </a:lvl4pPr>
+            <a:lvl5pPr marL="2057400" indent="-228600" algn="l" defTabSz="457200" rtl="0" eaLnBrk="1" latinLnBrk="0" hangingPunct="1">
+              <a:spcBef>
+                <a:spcPts val="1000"/>
+              </a:spcBef>
+              <a:spcAft>
+                <a:spcPts val="0"/>
+              </a:spcAft>
+              <a:buClr>
+                <a:schemeClr val="accent1"/>
+              </a:buClr>
+              <a:buFont typeface="Wingdings 3" charset="2"/>
+              <a:buChar char=""/>
+              <a:defRPr sz="1200" kern="1200">
+                <a:solidFill>
+                  <a:schemeClr val="tx1">
+                    <a:lumMod val="75000"/>
+                    <a:lumOff val="25000"/>
+                  </a:schemeClr>
+                </a:solidFill>
+                <a:latin typeface="+mn-lt"/>
+                <a:ea typeface="+mn-ea"/>
+                <a:cs typeface="+mn-cs"/>
+              </a:defRPr>
+            </a:lvl5pPr>
+            <a:lvl6pPr marL="2514600" indent="-228600" algn="l" defTabSz="457200" rtl="0" eaLnBrk="1" latinLnBrk="0" hangingPunct="1">
+              <a:spcBef>
+                <a:spcPts val="1000"/>
+              </a:spcBef>
+              <a:spcAft>
+                <a:spcPts val="0"/>
+              </a:spcAft>
+              <a:buClr>
+                <a:schemeClr val="accent1"/>
+              </a:buClr>
+              <a:buFont typeface="Wingdings 3" charset="2"/>
+              <a:buChar char=""/>
+              <a:defRPr sz="1200" kern="1200">
+                <a:solidFill>
+                  <a:schemeClr val="tx1">
+                    <a:lumMod val="75000"/>
+                    <a:lumOff val="25000"/>
+                  </a:schemeClr>
+                </a:solidFill>
+                <a:latin typeface="+mn-lt"/>
+                <a:ea typeface="+mn-ea"/>
+                <a:cs typeface="+mn-cs"/>
+              </a:defRPr>
+            </a:lvl6pPr>
+            <a:lvl7pPr marL="2971800" indent="-228600" algn="l" defTabSz="457200" rtl="0" eaLnBrk="1" latinLnBrk="0" hangingPunct="1">
+              <a:spcBef>
+                <a:spcPts val="1000"/>
+              </a:spcBef>
+              <a:spcAft>
+                <a:spcPts val="0"/>
+              </a:spcAft>
+              <a:buClr>
+                <a:schemeClr val="accent1"/>
+              </a:buClr>
+              <a:buFont typeface="Wingdings 3" charset="2"/>
+              <a:buChar char=""/>
+              <a:defRPr sz="1200" kern="1200">
+                <a:solidFill>
+                  <a:schemeClr val="tx1">
+                    <a:lumMod val="75000"/>
+                    <a:lumOff val="25000"/>
+                  </a:schemeClr>
+                </a:solidFill>
+                <a:latin typeface="+mn-lt"/>
+                <a:ea typeface="+mn-ea"/>
+                <a:cs typeface="+mn-cs"/>
+              </a:defRPr>
+            </a:lvl7pPr>
+            <a:lvl8pPr marL="3429000" indent="-228600" algn="l" defTabSz="457200" rtl="0" eaLnBrk="1" latinLnBrk="0" hangingPunct="1">
+              <a:spcBef>
+                <a:spcPts val="1000"/>
+              </a:spcBef>
+              <a:spcAft>
+                <a:spcPts val="0"/>
+              </a:spcAft>
+              <a:buClr>
+                <a:schemeClr val="accent1"/>
+              </a:buClr>
+              <a:buFont typeface="Wingdings 3" charset="2"/>
+              <a:buChar char=""/>
+              <a:defRPr sz="1200" kern="1200">
+                <a:solidFill>
+                  <a:schemeClr val="tx1">
+                    <a:lumMod val="75000"/>
+                    <a:lumOff val="25000"/>
+                  </a:schemeClr>
+                </a:solidFill>
+                <a:latin typeface="+mn-lt"/>
+                <a:ea typeface="+mn-ea"/>
+                <a:cs typeface="+mn-cs"/>
+              </a:defRPr>
+            </a:lvl8pPr>
+            <a:lvl9pPr marL="3886200" indent="-228600" algn="l" defTabSz="457200" rtl="0" eaLnBrk="1" latinLnBrk="0" hangingPunct="1">
+              <a:spcBef>
+                <a:spcPts val="1000"/>
+              </a:spcBef>
+              <a:spcAft>
+                <a:spcPts val="0"/>
+              </a:spcAft>
+              <a:buClr>
+                <a:schemeClr val="accent1"/>
+              </a:buClr>
+              <a:buFont typeface="Wingdings 3" charset="2"/>
+              <a:buChar char=""/>
+              <a:defRPr sz="1200" kern="1200">
+                <a:solidFill>
+                  <a:schemeClr val="tx1">
+                    <a:lumMod val="75000"/>
+                    <a:lumOff val="25000"/>
+                  </a:schemeClr>
+                </a:solidFill>
+                <a:latin typeface="+mn-lt"/>
+                <a:ea typeface="+mn-ea"/>
+                <a:cs typeface="+mn-cs"/>
+              </a:defRPr>
+            </a:lvl9pPr>
+          </a:lstStyle>
+          <a:p>
+            <a:pPr>
+              <a:buFont typeface="Wingdings" panose="05000000000000000000" pitchFamily="2" charset="2"/>
+              <a:buChar char="v"/>
+            </a:pPr>
+            <a:r>
+              <a:rPr lang="id-ID" sz="2000" dirty="0"/>
+              <a:t>Posisi Gerakan Tangan</a:t>
+            </a:r>
+          </a:p>
+        </p:txBody>
+      </p:sp>
+    </p:spTree>
+    <p:extLst>
+      <p:ext uri="{BB962C8B-B14F-4D97-AF65-F5344CB8AC3E}">
+        <p14:creationId xmlns:p14="http://schemas.microsoft.com/office/powerpoint/2010/main" val="2038370288"/>
+      </p:ext>
+    </p:extLst>
+  </p:cSld>
+  <p:clrMapOvr>
+    <a:masterClrMapping/>
+  </p:clrMapOvr>
+</p:sld>
+</file>
+
+<file path=ppt/slides/slide15.xml><?xml version="1.0" encoding="utf-8"?>
+<p:sld xmlns:a="http://schemas.openxmlformats.org/drawingml/2006/main" xmlns:r="http://schemas.openxmlformats.org/officeDocument/2006/relationships" xmlns:p="http://schemas.openxmlformats.org/presentationml/2006/main">
+  <p:cSld>
+    <p:spTree>
+      <p:nvGrpSpPr>
+        <p:cNvPr id="1" name=""/>
+        <p:cNvGrpSpPr/>
+        <p:nvPr/>
+      </p:nvGrpSpPr>
+      <p:grpSpPr>
+        <a:xfrm>
+          <a:off x="0" y="0"/>
+          <a:ext cx="0" cy="0"/>
+          <a:chOff x="0" y="0"/>
+          <a:chExt cx="0" cy="0"/>
+        </a:xfrm>
+      </p:grpSpPr>
+      <p:sp>
+        <p:nvSpPr>
+          <p:cNvPr id="2" name="Title 1">
+            <a:extLst>
+              <a:ext uri="{FF2B5EF4-FFF2-40B4-BE49-F238E27FC236}">
+                <a16:creationId xmlns:a16="http://schemas.microsoft.com/office/drawing/2014/main" id="{C70AFE78-5F1D-48A2-A5C1-2C2D83A7AC97}"/>
+              </a:ext>
+            </a:extLst>
+          </p:cNvPr>
+          <p:cNvSpPr>
+            <a:spLocks noGrp="1"/>
+          </p:cNvSpPr>
+          <p:nvPr>
+            <p:ph type="title"/>
+          </p:nvPr>
+        </p:nvSpPr>
+        <p:spPr/>
+        <p:txBody>
+          <a:bodyPr/>
+          <a:lstStyle/>
+          <a:p>
+            <a:r>
+              <a:rPr lang="id-ID" dirty="0"/>
+              <a:t>Implementasi: Fitur Dinamis</a:t>
+            </a:r>
+          </a:p>
+        </p:txBody>
+      </p:sp>
+      <p:graphicFrame>
+        <p:nvGraphicFramePr>
+          <p:cNvPr id="4" name="Content Placeholder 3">
+            <a:extLst>
+              <a:ext uri="{FF2B5EF4-FFF2-40B4-BE49-F238E27FC236}">
+                <a16:creationId xmlns:a16="http://schemas.microsoft.com/office/drawing/2014/main" id="{71BB7BFD-F818-4748-8651-0AD10650E008}"/>
+              </a:ext>
+            </a:extLst>
+          </p:cNvPr>
+          <p:cNvGraphicFramePr>
+            <a:graphicFrameLocks noGrp="1"/>
+          </p:cNvGraphicFramePr>
+          <p:nvPr>
+            <p:ph idx="1"/>
+            <p:extLst>
+              <p:ext uri="{D42A27DB-BD31-4B8C-83A1-F6EECF244321}">
+                <p14:modId xmlns:p14="http://schemas.microsoft.com/office/powerpoint/2010/main" val="905360204"/>
+              </p:ext>
+            </p:extLst>
+          </p:nvPr>
+        </p:nvGraphicFramePr>
+        <p:xfrm>
+          <a:off x="2066664" y="1905000"/>
+          <a:ext cx="7138296" cy="2600345"/>
+        </p:xfrm>
+        <a:graphic>
+          <a:graphicData uri="http://schemas.openxmlformats.org/drawingml/2006/table">
+            <a:tbl>
+              <a:tblPr firstRow="1" firstCol="1" bandRow="1">
+                <a:tableStyleId>{5C22544A-7EE6-4342-B048-85BDC9FD1C3A}</a:tableStyleId>
+              </a:tblPr>
+              <a:tblGrid>
+                <a:gridCol w="2298294">
+                  <a:extLst>
+                    <a:ext uri="{9D8B030D-6E8A-4147-A177-3AD203B41FA5}">
+                      <a16:colId xmlns:a16="http://schemas.microsoft.com/office/drawing/2014/main" val="3657624731"/>
+                    </a:ext>
+                  </a:extLst>
+                </a:gridCol>
+                <a:gridCol w="4840002">
+                  <a:extLst>
+                    <a:ext uri="{9D8B030D-6E8A-4147-A177-3AD203B41FA5}">
+                      <a16:colId xmlns:a16="http://schemas.microsoft.com/office/drawing/2014/main" val="1030780797"/>
+                    </a:ext>
+                  </a:extLst>
+                </a:gridCol>
+              </a:tblGrid>
+              <a:tr h="520069">
+                <a:tc>
+                  <a:txBody>
+                    <a:bodyPr/>
+                    <a:lstStyle/>
+                    <a:p>
+                      <a:pPr marL="0" marR="0" algn="ctr">
+                        <a:spcBef>
+                          <a:spcPts val="0"/>
+                        </a:spcBef>
+                        <a:spcAft>
+                          <a:spcPts val="0"/>
+                        </a:spcAft>
+                      </a:pPr>
+                      <a:r>
+                        <a:rPr lang="id-ID" sz="2400" dirty="0">
+                          <a:effectLst/>
+                        </a:rPr>
+                        <a:t>Skeleton</a:t>
+                      </a:r>
+                      <a:endParaRPr lang="id-ID" sz="3200" dirty="0">
+                        <a:effectLst/>
+                        <a:latin typeface="Times New Roman" panose="02020603050405020304" pitchFamily="18" charset="0"/>
+                        <a:ea typeface="Times New Roman" panose="02020603050405020304" pitchFamily="18" charset="0"/>
+                      </a:endParaRPr>
+                    </a:p>
+                  </a:txBody>
+                  <a:tcPr marL="68580" marR="68580" marT="0" marB="0" anchor="ctr"/>
+                </a:tc>
+                <a:tc>
+                  <a:txBody>
+                    <a:bodyPr/>
+                    <a:lstStyle/>
+                    <a:p>
+                      <a:pPr marL="0" marR="0" algn="ctr">
+                        <a:spcBef>
+                          <a:spcPts val="0"/>
+                        </a:spcBef>
+                        <a:spcAft>
+                          <a:spcPts val="0"/>
+                        </a:spcAft>
+                      </a:pPr>
+                      <a:r>
+                        <a:rPr lang="id-ID" sz="2400" dirty="0">
+                          <a:effectLst/>
+                        </a:rPr>
+                        <a:t>Indeks Fitur</a:t>
+                      </a:r>
+                      <a:endParaRPr lang="id-ID" sz="3200" dirty="0">
+                        <a:effectLst/>
+                        <a:latin typeface="Times New Roman" panose="02020603050405020304" pitchFamily="18" charset="0"/>
+                        <a:ea typeface="Times New Roman" panose="02020603050405020304" pitchFamily="18" charset="0"/>
+                      </a:endParaRPr>
+                    </a:p>
+                  </a:txBody>
+                  <a:tcPr marL="68580" marR="68580" marT="0" marB="0" anchor="ctr"/>
+                </a:tc>
+                <a:extLst>
+                  <a:ext uri="{0D108BD9-81ED-4DB2-BD59-A6C34878D82A}">
+                    <a16:rowId xmlns:a16="http://schemas.microsoft.com/office/drawing/2014/main" val="834992416"/>
+                  </a:ext>
+                </a:extLst>
+              </a:tr>
+              <a:tr h="520069">
+                <a:tc>
+                  <a:txBody>
+                    <a:bodyPr/>
+                    <a:lstStyle/>
+                    <a:p>
+                      <a:pPr marL="0" marR="0" algn="ctr">
+                        <a:spcBef>
+                          <a:spcPts val="0"/>
+                        </a:spcBef>
+                        <a:spcAft>
+                          <a:spcPts val="0"/>
+                        </a:spcAft>
+                      </a:pPr>
+                      <a:r>
+                        <a:rPr lang="id-ID" sz="2400" dirty="0">
+                          <a:effectLst/>
+                        </a:rPr>
+                        <a:t>HandLeft</a:t>
+                      </a:r>
+                      <a:endParaRPr lang="id-ID" sz="3200" dirty="0">
+                        <a:effectLst/>
+                        <a:latin typeface="Times New Roman" panose="02020603050405020304" pitchFamily="18" charset="0"/>
+                        <a:ea typeface="Times New Roman" panose="02020603050405020304" pitchFamily="18" charset="0"/>
+                      </a:endParaRPr>
+                    </a:p>
+                  </a:txBody>
+                  <a:tcPr marL="68580" marR="68580" marT="0" marB="0" anchor="b"/>
+                </a:tc>
+                <a:tc>
+                  <a:txBody>
+                    <a:bodyPr/>
+                    <a:lstStyle/>
+                    <a:p>
+                      <a:pPr marL="0" marR="0" algn="ctr">
+                        <a:spcBef>
+                          <a:spcPts val="0"/>
+                        </a:spcBef>
+                        <a:spcAft>
+                          <a:spcPts val="0"/>
+                        </a:spcAft>
+                      </a:pPr>
+                      <a:r>
+                        <a:rPr lang="id-ID" sz="2400" dirty="0">
+                          <a:effectLst/>
+                        </a:rPr>
+                        <a:t>Fitur ke 1 s.d. 18</a:t>
+                      </a:r>
+                      <a:endParaRPr lang="id-ID" sz="3200" dirty="0">
+                        <a:effectLst/>
+                        <a:latin typeface="Times New Roman" panose="02020603050405020304" pitchFamily="18" charset="0"/>
+                        <a:ea typeface="Times New Roman" panose="02020603050405020304" pitchFamily="18" charset="0"/>
+                      </a:endParaRPr>
+                    </a:p>
+                  </a:txBody>
+                  <a:tcPr marL="68580" marR="68580" marT="0" marB="0" anchor="b"/>
+                </a:tc>
+                <a:extLst>
+                  <a:ext uri="{0D108BD9-81ED-4DB2-BD59-A6C34878D82A}">
+                    <a16:rowId xmlns:a16="http://schemas.microsoft.com/office/drawing/2014/main" val="203477322"/>
+                  </a:ext>
+                </a:extLst>
+              </a:tr>
+              <a:tr h="520069">
+                <a:tc>
+                  <a:txBody>
+                    <a:bodyPr/>
+                    <a:lstStyle/>
+                    <a:p>
+                      <a:pPr marL="0" marR="0" algn="ctr">
+                        <a:spcBef>
+                          <a:spcPts val="0"/>
+                        </a:spcBef>
+                        <a:spcAft>
+                          <a:spcPts val="0"/>
+                        </a:spcAft>
+                      </a:pPr>
+                      <a:r>
+                        <a:rPr lang="id-ID" sz="2400">
+                          <a:effectLst/>
+                        </a:rPr>
+                        <a:t>HandRight</a:t>
+                      </a:r>
+                      <a:endParaRPr lang="id-ID" sz="3200">
+                        <a:effectLst/>
+                        <a:latin typeface="Times New Roman" panose="02020603050405020304" pitchFamily="18" charset="0"/>
+                        <a:ea typeface="Times New Roman" panose="02020603050405020304" pitchFamily="18" charset="0"/>
+                      </a:endParaRPr>
+                    </a:p>
+                  </a:txBody>
+                  <a:tcPr marL="68580" marR="68580" marT="0" marB="0" anchor="b"/>
+                </a:tc>
+                <a:tc>
+                  <a:txBody>
+                    <a:bodyPr/>
+                    <a:lstStyle/>
+                    <a:p>
+                      <a:pPr marL="0" marR="0" algn="ctr">
+                        <a:spcBef>
+                          <a:spcPts val="0"/>
+                        </a:spcBef>
+                        <a:spcAft>
+                          <a:spcPts val="0"/>
+                        </a:spcAft>
+                      </a:pPr>
+                      <a:r>
+                        <a:rPr lang="id-ID" sz="2400" dirty="0">
+                          <a:effectLst/>
+                        </a:rPr>
+                        <a:t>Fitur ke 19 s.d. 36</a:t>
+                      </a:r>
+                      <a:endParaRPr lang="id-ID" sz="3200" dirty="0">
+                        <a:effectLst/>
+                        <a:latin typeface="Times New Roman" panose="02020603050405020304" pitchFamily="18" charset="0"/>
+                        <a:ea typeface="Times New Roman" panose="02020603050405020304" pitchFamily="18" charset="0"/>
+                      </a:endParaRPr>
+                    </a:p>
+                  </a:txBody>
+                  <a:tcPr marL="68580" marR="68580" marT="0" marB="0" anchor="b"/>
+                </a:tc>
+                <a:extLst>
+                  <a:ext uri="{0D108BD9-81ED-4DB2-BD59-A6C34878D82A}">
+                    <a16:rowId xmlns:a16="http://schemas.microsoft.com/office/drawing/2014/main" val="148903417"/>
+                  </a:ext>
+                </a:extLst>
+              </a:tr>
+              <a:tr h="520069">
+                <a:tc>
+                  <a:txBody>
+                    <a:bodyPr/>
+                    <a:lstStyle/>
+                    <a:p>
+                      <a:pPr marL="0" marR="0" algn="ctr">
+                        <a:spcBef>
+                          <a:spcPts val="0"/>
+                        </a:spcBef>
+                        <a:spcAft>
+                          <a:spcPts val="0"/>
+                        </a:spcAft>
+                      </a:pPr>
+                      <a:r>
+                        <a:rPr lang="id-ID" sz="2400">
+                          <a:effectLst/>
+                        </a:rPr>
+                        <a:t>Neck</a:t>
+                      </a:r>
+                      <a:endParaRPr lang="id-ID" sz="3200">
+                        <a:effectLst/>
+                        <a:latin typeface="Times New Roman" panose="02020603050405020304" pitchFamily="18" charset="0"/>
+                        <a:ea typeface="Times New Roman" panose="02020603050405020304" pitchFamily="18" charset="0"/>
+                      </a:endParaRPr>
+                    </a:p>
+                  </a:txBody>
+                  <a:tcPr marL="68580" marR="68580" marT="0" marB="0" anchor="b"/>
+                </a:tc>
+                <a:tc>
+                  <a:txBody>
+                    <a:bodyPr/>
+                    <a:lstStyle/>
+                    <a:p>
+                      <a:pPr marL="0" marR="0" algn="ctr">
+                        <a:spcBef>
+                          <a:spcPts val="0"/>
+                        </a:spcBef>
+                        <a:spcAft>
+                          <a:spcPts val="0"/>
+                        </a:spcAft>
+                      </a:pPr>
+                      <a:r>
+                        <a:rPr lang="id-ID" sz="2400" dirty="0">
+                          <a:effectLst/>
+                        </a:rPr>
+                        <a:t>Fitur ke 37</a:t>
+                      </a:r>
+                      <a:endParaRPr lang="id-ID" sz="3200" dirty="0">
+                        <a:effectLst/>
+                        <a:latin typeface="Times New Roman" panose="02020603050405020304" pitchFamily="18" charset="0"/>
+                        <a:ea typeface="Times New Roman" panose="02020603050405020304" pitchFamily="18" charset="0"/>
+                      </a:endParaRPr>
+                    </a:p>
+                  </a:txBody>
+                  <a:tcPr marL="68580" marR="68580" marT="0" marB="0" anchor="b"/>
+                </a:tc>
+                <a:extLst>
+                  <a:ext uri="{0D108BD9-81ED-4DB2-BD59-A6C34878D82A}">
+                    <a16:rowId xmlns:a16="http://schemas.microsoft.com/office/drawing/2014/main" val="889018458"/>
+                  </a:ext>
+                </a:extLst>
+              </a:tr>
+              <a:tr h="520069">
+                <a:tc>
+                  <a:txBody>
+                    <a:bodyPr/>
+                    <a:lstStyle/>
+                    <a:p>
+                      <a:pPr marL="0" marR="0" algn="ctr">
+                        <a:spcBef>
+                          <a:spcPts val="0"/>
+                        </a:spcBef>
+                        <a:spcAft>
+                          <a:spcPts val="0"/>
+                        </a:spcAft>
+                      </a:pPr>
+                      <a:r>
+                        <a:rPr lang="id-ID" sz="2400" dirty="0">
+                          <a:effectLst/>
+                        </a:rPr>
+                        <a:t>SpineMid</a:t>
+                      </a:r>
+                      <a:endParaRPr lang="id-ID" sz="3200" dirty="0">
+                        <a:effectLst/>
+                        <a:latin typeface="Times New Roman" panose="02020603050405020304" pitchFamily="18" charset="0"/>
+                        <a:ea typeface="Times New Roman" panose="02020603050405020304" pitchFamily="18" charset="0"/>
+                      </a:endParaRPr>
+                    </a:p>
+                  </a:txBody>
+                  <a:tcPr marL="68580" marR="68580" marT="0" marB="0" anchor="b"/>
+                </a:tc>
+                <a:tc>
+                  <a:txBody>
+                    <a:bodyPr/>
+                    <a:lstStyle/>
+                    <a:p>
+                      <a:pPr marL="0" marR="0" algn="ctr">
+                        <a:spcBef>
+                          <a:spcPts val="0"/>
+                        </a:spcBef>
+                        <a:spcAft>
+                          <a:spcPts val="0"/>
+                        </a:spcAft>
+                      </a:pPr>
+                      <a:r>
+                        <a:rPr lang="id-ID" sz="2400" dirty="0">
+                          <a:effectLst/>
+                        </a:rPr>
+                        <a:t>Fitur ke 38</a:t>
+                      </a:r>
+                      <a:endParaRPr lang="id-ID" sz="3200" dirty="0">
+                        <a:effectLst/>
+                        <a:latin typeface="Times New Roman" panose="02020603050405020304" pitchFamily="18" charset="0"/>
+                        <a:ea typeface="Times New Roman" panose="02020603050405020304" pitchFamily="18" charset="0"/>
+                      </a:endParaRPr>
+                    </a:p>
+                  </a:txBody>
+                  <a:tcPr marL="68580" marR="68580" marT="0" marB="0" anchor="b"/>
+                </a:tc>
+                <a:extLst>
+                  <a:ext uri="{0D108BD9-81ED-4DB2-BD59-A6C34878D82A}">
+                    <a16:rowId xmlns:a16="http://schemas.microsoft.com/office/drawing/2014/main" val="4155768375"/>
+                  </a:ext>
+                </a:extLst>
+              </a:tr>
+            </a:tbl>
+          </a:graphicData>
+        </a:graphic>
+      </p:graphicFrame>
+      <p:sp>
+        <p:nvSpPr>
+          <p:cNvPr id="5" name="Content Placeholder 2">
+            <a:extLst>
+              <a:ext uri="{FF2B5EF4-FFF2-40B4-BE49-F238E27FC236}">
+                <a16:creationId xmlns:a16="http://schemas.microsoft.com/office/drawing/2014/main" id="{DD47A442-ADD8-421B-9FEB-5DB24BBF5D20}"/>
+              </a:ext>
+            </a:extLst>
+          </p:cNvPr>
+          <p:cNvSpPr txBox="1">
+            <a:spLocks/>
+          </p:cNvSpPr>
+          <p:nvPr/>
+        </p:nvSpPr>
+        <p:spPr>
+          <a:xfrm>
+            <a:off x="5552813" y="4667833"/>
+            <a:ext cx="3791211" cy="676686"/>
+          </a:xfrm>
+          <a:prstGeom prst="rect">
+            <a:avLst/>
+          </a:prstGeom>
+        </p:spPr>
+        <p:txBody>
+          <a:bodyPr vert="horz" lIns="91440" tIns="45720" rIns="91440" bIns="45720" rtlCol="0">
+            <a:normAutofit/>
+          </a:bodyPr>
+          <a:lstStyle>
+            <a:lvl1pPr marL="342900" indent="-342900" algn="l" defTabSz="457200" rtl="0" eaLnBrk="1" latinLnBrk="0" hangingPunct="1">
+              <a:spcBef>
+                <a:spcPts val="1000"/>
+              </a:spcBef>
+              <a:spcAft>
+                <a:spcPts val="0"/>
+              </a:spcAft>
+              <a:buClr>
+                <a:schemeClr val="accent1"/>
+              </a:buClr>
+              <a:buFont typeface="Wingdings 3" charset="2"/>
+              <a:buChar char=""/>
+              <a:defRPr sz="1800" kern="1200">
+                <a:solidFill>
+                  <a:schemeClr val="tx1">
+                    <a:lumMod val="75000"/>
+                    <a:lumOff val="25000"/>
+                  </a:schemeClr>
+                </a:solidFill>
+                <a:latin typeface="+mn-lt"/>
+                <a:ea typeface="+mn-ea"/>
+                <a:cs typeface="+mn-cs"/>
+              </a:defRPr>
+            </a:lvl1pPr>
+            <a:lvl2pPr marL="742950" indent="-285750" algn="l" defTabSz="457200" rtl="0" eaLnBrk="1" latinLnBrk="0" hangingPunct="1">
+              <a:spcBef>
+                <a:spcPts val="1000"/>
+              </a:spcBef>
+              <a:spcAft>
+                <a:spcPts val="0"/>
+              </a:spcAft>
+              <a:buClr>
+                <a:schemeClr val="accent1"/>
+              </a:buClr>
+              <a:buFont typeface="Wingdings 3" charset="2"/>
+              <a:buChar char=""/>
+              <a:defRPr sz="1600" kern="1200">
+                <a:solidFill>
+                  <a:schemeClr val="tx1">
+                    <a:lumMod val="75000"/>
+                    <a:lumOff val="25000"/>
+                  </a:schemeClr>
+                </a:solidFill>
+                <a:latin typeface="+mn-lt"/>
+                <a:ea typeface="+mn-ea"/>
+                <a:cs typeface="+mn-cs"/>
+              </a:defRPr>
+            </a:lvl2pPr>
+            <a:lvl3pPr marL="1143000" indent="-228600" algn="l" defTabSz="457200" rtl="0" eaLnBrk="1" latinLnBrk="0" hangingPunct="1">
+              <a:spcBef>
+                <a:spcPts val="1000"/>
+              </a:spcBef>
+              <a:spcAft>
+                <a:spcPts val="0"/>
+              </a:spcAft>
+              <a:buClr>
+                <a:schemeClr val="accent1"/>
+              </a:buClr>
+              <a:buFont typeface="Wingdings 3" charset="2"/>
+              <a:buChar char=""/>
+              <a:defRPr sz="1400" kern="1200">
+                <a:solidFill>
+                  <a:schemeClr val="tx1">
+                    <a:lumMod val="75000"/>
+                    <a:lumOff val="25000"/>
+                  </a:schemeClr>
+                </a:solidFill>
+                <a:latin typeface="+mn-lt"/>
+                <a:ea typeface="+mn-ea"/>
+                <a:cs typeface="+mn-cs"/>
+              </a:defRPr>
+            </a:lvl3pPr>
+            <a:lvl4pPr marL="1600200" indent="-228600" algn="l" defTabSz="457200" rtl="0" eaLnBrk="1" latinLnBrk="0" hangingPunct="1">
+              <a:spcBef>
+                <a:spcPts val="1000"/>
+              </a:spcBef>
+              <a:spcAft>
+                <a:spcPts val="0"/>
+              </a:spcAft>
+              <a:buClr>
+                <a:schemeClr val="accent1"/>
+              </a:buClr>
+              <a:buFont typeface="Wingdings 3" charset="2"/>
+              <a:buChar char=""/>
+              <a:defRPr sz="1200" kern="1200">
+                <a:solidFill>
+                  <a:schemeClr val="tx1">
+                    <a:lumMod val="75000"/>
+                    <a:lumOff val="25000"/>
+                  </a:schemeClr>
+                </a:solidFill>
+                <a:latin typeface="+mn-lt"/>
+                <a:ea typeface="+mn-ea"/>
+                <a:cs typeface="+mn-cs"/>
+              </a:defRPr>
+            </a:lvl4pPr>
+            <a:lvl5pPr marL="2057400" indent="-228600" algn="l" defTabSz="457200" rtl="0" eaLnBrk="1" latinLnBrk="0" hangingPunct="1">
+              <a:spcBef>
+                <a:spcPts val="1000"/>
+              </a:spcBef>
+              <a:spcAft>
+                <a:spcPts val="0"/>
+              </a:spcAft>
+              <a:buClr>
+                <a:schemeClr val="accent1"/>
+              </a:buClr>
+              <a:buFont typeface="Wingdings 3" charset="2"/>
+              <a:buChar char=""/>
+              <a:defRPr sz="1200" kern="1200">
+                <a:solidFill>
+                  <a:schemeClr val="tx1">
+                    <a:lumMod val="75000"/>
+                    <a:lumOff val="25000"/>
+                  </a:schemeClr>
+                </a:solidFill>
+                <a:latin typeface="+mn-lt"/>
+                <a:ea typeface="+mn-ea"/>
+                <a:cs typeface="+mn-cs"/>
+              </a:defRPr>
+            </a:lvl5pPr>
+            <a:lvl6pPr marL="2514600" indent="-228600" algn="l" defTabSz="457200" rtl="0" eaLnBrk="1" latinLnBrk="0" hangingPunct="1">
+              <a:spcBef>
+                <a:spcPts val="1000"/>
+              </a:spcBef>
+              <a:spcAft>
+                <a:spcPts val="0"/>
+              </a:spcAft>
+              <a:buClr>
+                <a:schemeClr val="accent1"/>
+              </a:buClr>
+              <a:buFont typeface="Wingdings 3" charset="2"/>
+              <a:buChar char=""/>
+              <a:defRPr sz="1200" kern="1200">
+                <a:solidFill>
+                  <a:schemeClr val="tx1">
+                    <a:lumMod val="75000"/>
+                    <a:lumOff val="25000"/>
+                  </a:schemeClr>
+                </a:solidFill>
+                <a:latin typeface="+mn-lt"/>
+                <a:ea typeface="+mn-ea"/>
+                <a:cs typeface="+mn-cs"/>
+              </a:defRPr>
+            </a:lvl6pPr>
+            <a:lvl7pPr marL="2971800" indent="-228600" algn="l" defTabSz="457200" rtl="0" eaLnBrk="1" latinLnBrk="0" hangingPunct="1">
+              <a:spcBef>
+                <a:spcPts val="1000"/>
+              </a:spcBef>
+              <a:spcAft>
+                <a:spcPts val="0"/>
+              </a:spcAft>
+              <a:buClr>
+                <a:schemeClr val="accent1"/>
+              </a:buClr>
+              <a:buFont typeface="Wingdings 3" charset="2"/>
+              <a:buChar char=""/>
+              <a:defRPr sz="1200" kern="1200">
+                <a:solidFill>
+                  <a:schemeClr val="tx1">
+                    <a:lumMod val="75000"/>
+                    <a:lumOff val="25000"/>
+                  </a:schemeClr>
+                </a:solidFill>
+                <a:latin typeface="+mn-lt"/>
+                <a:ea typeface="+mn-ea"/>
+                <a:cs typeface="+mn-cs"/>
+              </a:defRPr>
+            </a:lvl7pPr>
+            <a:lvl8pPr marL="3429000" indent="-228600" algn="l" defTabSz="457200" rtl="0" eaLnBrk="1" latinLnBrk="0" hangingPunct="1">
+              <a:spcBef>
+                <a:spcPts val="1000"/>
+              </a:spcBef>
+              <a:spcAft>
+                <a:spcPts val="0"/>
+              </a:spcAft>
+              <a:buClr>
+                <a:schemeClr val="accent1"/>
+              </a:buClr>
+              <a:buFont typeface="Wingdings 3" charset="2"/>
+              <a:buChar char=""/>
+              <a:defRPr sz="1200" kern="1200">
+                <a:solidFill>
+                  <a:schemeClr val="tx1">
+                    <a:lumMod val="75000"/>
+                    <a:lumOff val="25000"/>
+                  </a:schemeClr>
+                </a:solidFill>
+                <a:latin typeface="+mn-lt"/>
+                <a:ea typeface="+mn-ea"/>
+                <a:cs typeface="+mn-cs"/>
+              </a:defRPr>
+            </a:lvl8pPr>
+            <a:lvl9pPr marL="3886200" indent="-228600" algn="l" defTabSz="457200" rtl="0" eaLnBrk="1" latinLnBrk="0" hangingPunct="1">
+              <a:spcBef>
+                <a:spcPts val="1000"/>
+              </a:spcBef>
+              <a:spcAft>
+                <a:spcPts val="0"/>
+              </a:spcAft>
+              <a:buClr>
+                <a:schemeClr val="accent1"/>
+              </a:buClr>
+              <a:buFont typeface="Wingdings 3" charset="2"/>
+              <a:buChar char=""/>
+              <a:defRPr sz="1200" kern="1200">
+                <a:solidFill>
+                  <a:schemeClr val="tx1">
+                    <a:lumMod val="75000"/>
+                    <a:lumOff val="25000"/>
+                  </a:schemeClr>
+                </a:solidFill>
+                <a:latin typeface="+mn-lt"/>
+                <a:ea typeface="+mn-ea"/>
+                <a:cs typeface="+mn-cs"/>
+              </a:defRPr>
+            </a:lvl9pPr>
+          </a:lstStyle>
+          <a:p>
+            <a:pPr>
+              <a:buFont typeface="Wingdings" panose="05000000000000000000" pitchFamily="2" charset="2"/>
+              <a:buChar char="v"/>
+            </a:pPr>
+            <a:r>
+              <a:rPr lang="id-ID" sz="2000" dirty="0"/>
+              <a:t>Hasil Ekstraksi Fitur Dinamis</a:t>
+            </a:r>
+          </a:p>
+        </p:txBody>
+      </p:sp>
+    </p:spTree>
+    <p:extLst>
+      <p:ext uri="{BB962C8B-B14F-4D97-AF65-F5344CB8AC3E}">
+        <p14:creationId xmlns:p14="http://schemas.microsoft.com/office/powerpoint/2010/main" val="4046112018"/>
+      </p:ext>
+    </p:extLst>
+  </p:cSld>
+  <p:clrMapOvr>
+    <a:masterClrMapping/>
+  </p:clrMapOvr>
+</p:sld>
+</file>
+
+<file path=ppt/slides/slide16.xml><?xml version="1.0" encoding="utf-8"?>
+<p:sld xmlns:a="http://schemas.openxmlformats.org/drawingml/2006/main" xmlns:r="http://schemas.openxmlformats.org/officeDocument/2006/relationships" xmlns:p="http://schemas.openxmlformats.org/presentationml/2006/main">
+  <p:cSld>
+    <p:spTree>
+      <p:nvGrpSpPr>
+        <p:cNvPr id="1" name=""/>
+        <p:cNvGrpSpPr/>
+        <p:nvPr/>
+      </p:nvGrpSpPr>
+      <p:grpSpPr>
+        <a:xfrm>
+          <a:off x="0" y="0"/>
+          <a:ext cx="0" cy="0"/>
+          <a:chOff x="0" y="0"/>
+          <a:chExt cx="0" cy="0"/>
+        </a:xfrm>
+      </p:grpSpPr>
+      <p:sp>
+        <p:nvSpPr>
+          <p:cNvPr id="2" name="Title 1">
+            <a:extLst>
+              <a:ext uri="{FF2B5EF4-FFF2-40B4-BE49-F238E27FC236}">
+                <a16:creationId xmlns:a16="http://schemas.microsoft.com/office/drawing/2014/main" id="{926D9A0B-3E4C-4746-8304-0649464D4BD3}"/>
+              </a:ext>
+            </a:extLst>
+          </p:cNvPr>
+          <p:cNvSpPr>
+            <a:spLocks noGrp="1"/>
+          </p:cNvSpPr>
+          <p:nvPr>
+            <p:ph type="title"/>
+          </p:nvPr>
+        </p:nvSpPr>
+        <p:spPr>
+          <a:xfrm>
+            <a:off x="212887" y="44512"/>
+            <a:ext cx="8911687" cy="1280890"/>
+          </a:xfrm>
+        </p:spPr>
+        <p:txBody>
+          <a:bodyPr/>
+          <a:lstStyle/>
+          <a:p>
+            <a:r>
+              <a:rPr lang="id-ID" i="1" dirty="0"/>
+              <a:t>Training</a:t>
+            </a:r>
+            <a:r>
+              <a:rPr lang="id-ID" dirty="0"/>
+              <a:t> Data</a:t>
+            </a:r>
+            <a:endParaRPr lang="id-ID" i="1" dirty="0"/>
+          </a:p>
+        </p:txBody>
+      </p:sp>
+      <p:sp>
+        <p:nvSpPr>
+          <p:cNvPr id="38" name="Content Placeholder 37">
+            <a:extLst>
+              <a:ext uri="{FF2B5EF4-FFF2-40B4-BE49-F238E27FC236}">
+                <a16:creationId xmlns:a16="http://schemas.microsoft.com/office/drawing/2014/main" id="{992D73B2-545F-463A-B7A7-FE5C37997970}"/>
+              </a:ext>
+            </a:extLst>
+          </p:cNvPr>
+          <p:cNvSpPr>
+            <a:spLocks noGrp="1"/>
+          </p:cNvSpPr>
+          <p:nvPr>
+            <p:ph idx="1"/>
+          </p:nvPr>
+        </p:nvSpPr>
+        <p:spPr>
+          <a:xfrm>
+            <a:off x="2607873" y="2297206"/>
+            <a:ext cx="8915400" cy="3777622"/>
+          </a:xfrm>
+        </p:spPr>
+        <p:txBody>
+          <a:bodyPr/>
+          <a:lstStyle/>
+          <a:p>
+            <a:endParaRPr lang="id-ID"/>
+          </a:p>
+        </p:txBody>
+      </p:sp>
+      <p:pic>
+        <p:nvPicPr>
+          <p:cNvPr id="42" name="Picture 41">
+            <a:extLst>
+              <a:ext uri="{FF2B5EF4-FFF2-40B4-BE49-F238E27FC236}">
+                <a16:creationId xmlns:a16="http://schemas.microsoft.com/office/drawing/2014/main" id="{BBC48E33-ABE9-4D13-9FA4-1004C5AC4136}"/>
+              </a:ext>
+            </a:extLst>
+          </p:cNvPr>
+          <p:cNvPicPr/>
+          <p:nvPr/>
+        </p:nvPicPr>
+        <p:blipFill rotWithShape="1">
+          <a:blip r:embed="rId2"/>
+          <a:srcRect b="3445"/>
+          <a:stretch/>
+        </p:blipFill>
+        <p:spPr bwMode="auto">
+          <a:xfrm>
+            <a:off x="0" y="951729"/>
+            <a:ext cx="12192000" cy="5911222"/>
+          </a:xfrm>
+          <a:prstGeom prst="rect">
+            <a:avLst/>
+          </a:prstGeom>
+          <a:ln>
+            <a:noFill/>
+          </a:ln>
+          <a:extLst>
+            <a:ext uri="{53640926-AAD7-44D8-BBD7-CCE9431645EC}">
+              <a14:shadowObscured xmlns:a14="http://schemas.microsoft.com/office/drawing/2010/main"/>
+            </a:ext>
+          </a:extLst>
+        </p:spPr>
+      </p:pic>
+      <p:sp>
+        <p:nvSpPr>
+          <p:cNvPr id="46" name="Content Placeholder 2">
+            <a:extLst>
+              <a:ext uri="{FF2B5EF4-FFF2-40B4-BE49-F238E27FC236}">
+                <a16:creationId xmlns:a16="http://schemas.microsoft.com/office/drawing/2014/main" id="{4327356C-2240-4895-A15B-BB904327AFC0}"/>
+              </a:ext>
+            </a:extLst>
+          </p:cNvPr>
+          <p:cNvSpPr txBox="1">
+            <a:spLocks/>
+          </p:cNvSpPr>
+          <p:nvPr/>
+        </p:nvSpPr>
+        <p:spPr>
+          <a:xfrm>
+            <a:off x="212887" y="6074828"/>
+            <a:ext cx="2166005" cy="676686"/>
+          </a:xfrm>
+          <a:prstGeom prst="rect">
+            <a:avLst/>
+          </a:prstGeom>
+        </p:spPr>
+        <p:txBody>
+          <a:bodyPr vert="horz" lIns="91440" tIns="45720" rIns="91440" bIns="45720" rtlCol="0">
+            <a:normAutofit lnSpcReduction="10000"/>
+          </a:bodyPr>
+          <a:lstStyle>
+            <a:lvl1pPr marL="342900" indent="-342900" algn="l" defTabSz="457200" rtl="0" eaLnBrk="1" latinLnBrk="0" hangingPunct="1">
+              <a:spcBef>
+                <a:spcPts val="1000"/>
+              </a:spcBef>
+              <a:spcAft>
+                <a:spcPts val="0"/>
+              </a:spcAft>
+              <a:buClr>
+                <a:schemeClr val="accent1"/>
+              </a:buClr>
+              <a:buFont typeface="Wingdings 3" charset="2"/>
+              <a:buChar char=""/>
+              <a:defRPr sz="1800" kern="1200">
+                <a:solidFill>
+                  <a:schemeClr val="tx1">
+                    <a:lumMod val="75000"/>
+                    <a:lumOff val="25000"/>
+                  </a:schemeClr>
+                </a:solidFill>
+                <a:latin typeface="+mn-lt"/>
+                <a:ea typeface="+mn-ea"/>
+                <a:cs typeface="+mn-cs"/>
+              </a:defRPr>
+            </a:lvl1pPr>
+            <a:lvl2pPr marL="742950" indent="-285750" algn="l" defTabSz="457200" rtl="0" eaLnBrk="1" latinLnBrk="0" hangingPunct="1">
+              <a:spcBef>
+                <a:spcPts val="1000"/>
+              </a:spcBef>
+              <a:spcAft>
+                <a:spcPts val="0"/>
+              </a:spcAft>
+              <a:buClr>
+                <a:schemeClr val="accent1"/>
+              </a:buClr>
+              <a:buFont typeface="Wingdings 3" charset="2"/>
+              <a:buChar char=""/>
+              <a:defRPr sz="1600" kern="1200">
+                <a:solidFill>
+                  <a:schemeClr val="tx1">
+                    <a:lumMod val="75000"/>
+                    <a:lumOff val="25000"/>
+                  </a:schemeClr>
+                </a:solidFill>
+                <a:latin typeface="+mn-lt"/>
+                <a:ea typeface="+mn-ea"/>
+                <a:cs typeface="+mn-cs"/>
+              </a:defRPr>
+            </a:lvl2pPr>
+            <a:lvl3pPr marL="1143000" indent="-228600" algn="l" defTabSz="457200" rtl="0" eaLnBrk="1" latinLnBrk="0" hangingPunct="1">
+              <a:spcBef>
+                <a:spcPts val="1000"/>
+              </a:spcBef>
+              <a:spcAft>
+                <a:spcPts val="0"/>
+              </a:spcAft>
+              <a:buClr>
+                <a:schemeClr val="accent1"/>
+              </a:buClr>
+              <a:buFont typeface="Wingdings 3" charset="2"/>
+              <a:buChar char=""/>
+              <a:defRPr sz="1400" kern="1200">
+                <a:solidFill>
+                  <a:schemeClr val="tx1">
+                    <a:lumMod val="75000"/>
+                    <a:lumOff val="25000"/>
+                  </a:schemeClr>
+                </a:solidFill>
+                <a:latin typeface="+mn-lt"/>
+                <a:ea typeface="+mn-ea"/>
+                <a:cs typeface="+mn-cs"/>
+              </a:defRPr>
+            </a:lvl3pPr>
+            <a:lvl4pPr marL="1600200" indent="-228600" algn="l" defTabSz="457200" rtl="0" eaLnBrk="1" latinLnBrk="0" hangingPunct="1">
+              <a:spcBef>
+                <a:spcPts val="1000"/>
+              </a:spcBef>
+              <a:spcAft>
+                <a:spcPts val="0"/>
+              </a:spcAft>
+              <a:buClr>
+                <a:schemeClr val="accent1"/>
+              </a:buClr>
+              <a:buFont typeface="Wingdings 3" charset="2"/>
+              <a:buChar char=""/>
+              <a:defRPr sz="1200" kern="1200">
+                <a:solidFill>
+                  <a:schemeClr val="tx1">
+                    <a:lumMod val="75000"/>
+                    <a:lumOff val="25000"/>
+                  </a:schemeClr>
+                </a:solidFill>
+                <a:latin typeface="+mn-lt"/>
+                <a:ea typeface="+mn-ea"/>
+                <a:cs typeface="+mn-cs"/>
+              </a:defRPr>
+            </a:lvl4pPr>
+            <a:lvl5pPr marL="2057400" indent="-228600" algn="l" defTabSz="457200" rtl="0" eaLnBrk="1" latinLnBrk="0" hangingPunct="1">
+              <a:spcBef>
+                <a:spcPts val="1000"/>
+              </a:spcBef>
+              <a:spcAft>
+                <a:spcPts val="0"/>
+              </a:spcAft>
+              <a:buClr>
+                <a:schemeClr val="accent1"/>
+              </a:buClr>
+              <a:buFont typeface="Wingdings 3" charset="2"/>
+              <a:buChar char=""/>
+              <a:defRPr sz="1200" kern="1200">
+                <a:solidFill>
+                  <a:schemeClr val="tx1">
+                    <a:lumMod val="75000"/>
+                    <a:lumOff val="25000"/>
+                  </a:schemeClr>
+                </a:solidFill>
+                <a:latin typeface="+mn-lt"/>
+                <a:ea typeface="+mn-ea"/>
+                <a:cs typeface="+mn-cs"/>
+              </a:defRPr>
+            </a:lvl5pPr>
+            <a:lvl6pPr marL="2514600" indent="-228600" algn="l" defTabSz="457200" rtl="0" eaLnBrk="1" latinLnBrk="0" hangingPunct="1">
+              <a:spcBef>
+                <a:spcPts val="1000"/>
+              </a:spcBef>
+              <a:spcAft>
+                <a:spcPts val="0"/>
+              </a:spcAft>
+              <a:buClr>
+                <a:schemeClr val="accent1"/>
+              </a:buClr>
+              <a:buFont typeface="Wingdings 3" charset="2"/>
+              <a:buChar char=""/>
+              <a:defRPr sz="1200" kern="1200">
+                <a:solidFill>
+                  <a:schemeClr val="tx1">
+                    <a:lumMod val="75000"/>
+                    <a:lumOff val="25000"/>
+                  </a:schemeClr>
+                </a:solidFill>
+                <a:latin typeface="+mn-lt"/>
+                <a:ea typeface="+mn-ea"/>
+                <a:cs typeface="+mn-cs"/>
+              </a:defRPr>
+            </a:lvl6pPr>
+            <a:lvl7pPr marL="2971800" indent="-228600" algn="l" defTabSz="457200" rtl="0" eaLnBrk="1" latinLnBrk="0" hangingPunct="1">
+              <a:spcBef>
+                <a:spcPts val="1000"/>
+              </a:spcBef>
+              <a:spcAft>
+                <a:spcPts val="0"/>
+              </a:spcAft>
+              <a:buClr>
+                <a:schemeClr val="accent1"/>
+              </a:buClr>
+              <a:buFont typeface="Wingdings 3" charset="2"/>
+              <a:buChar char=""/>
+              <a:defRPr sz="1200" kern="1200">
+                <a:solidFill>
+                  <a:schemeClr val="tx1">
+                    <a:lumMod val="75000"/>
+                    <a:lumOff val="25000"/>
+                  </a:schemeClr>
+                </a:solidFill>
+                <a:latin typeface="+mn-lt"/>
+                <a:ea typeface="+mn-ea"/>
+                <a:cs typeface="+mn-cs"/>
+              </a:defRPr>
+            </a:lvl7pPr>
+            <a:lvl8pPr marL="3429000" indent="-228600" algn="l" defTabSz="457200" rtl="0" eaLnBrk="1" latinLnBrk="0" hangingPunct="1">
+              <a:spcBef>
+                <a:spcPts val="1000"/>
+              </a:spcBef>
+              <a:spcAft>
+                <a:spcPts val="0"/>
+              </a:spcAft>
+              <a:buClr>
+                <a:schemeClr val="accent1"/>
+              </a:buClr>
+              <a:buFont typeface="Wingdings 3" charset="2"/>
+              <a:buChar char=""/>
+              <a:defRPr sz="1200" kern="1200">
+                <a:solidFill>
+                  <a:schemeClr val="tx1">
+                    <a:lumMod val="75000"/>
+                    <a:lumOff val="25000"/>
+                  </a:schemeClr>
+                </a:solidFill>
+                <a:latin typeface="+mn-lt"/>
+                <a:ea typeface="+mn-ea"/>
+                <a:cs typeface="+mn-cs"/>
+              </a:defRPr>
+            </a:lvl8pPr>
+            <a:lvl9pPr marL="3886200" indent="-228600" algn="l" defTabSz="457200" rtl="0" eaLnBrk="1" latinLnBrk="0" hangingPunct="1">
+              <a:spcBef>
+                <a:spcPts val="1000"/>
+              </a:spcBef>
+              <a:spcAft>
+                <a:spcPts val="0"/>
+              </a:spcAft>
+              <a:buClr>
+                <a:schemeClr val="accent1"/>
+              </a:buClr>
+              <a:buFont typeface="Wingdings 3" charset="2"/>
+              <a:buChar char=""/>
+              <a:defRPr sz="1200" kern="1200">
+                <a:solidFill>
+                  <a:schemeClr val="tx1">
+                    <a:lumMod val="75000"/>
+                    <a:lumOff val="25000"/>
+                  </a:schemeClr>
+                </a:solidFill>
+                <a:latin typeface="+mn-lt"/>
+                <a:ea typeface="+mn-ea"/>
+                <a:cs typeface="+mn-cs"/>
+              </a:defRPr>
+            </a:lvl9pPr>
+          </a:lstStyle>
+          <a:p>
+            <a:pPr>
+              <a:buFont typeface="Wingdings" panose="05000000000000000000" pitchFamily="2" charset="2"/>
+              <a:buChar char="v"/>
+            </a:pPr>
+            <a:r>
+              <a:rPr lang="id-ID" sz="2000" dirty="0"/>
+              <a:t>Decision Tree hasil WEKA</a:t>
+            </a:r>
+          </a:p>
+        </p:txBody>
+      </p:sp>
+    </p:spTree>
+    <p:extLst>
+      <p:ext uri="{BB962C8B-B14F-4D97-AF65-F5344CB8AC3E}">
+        <p14:creationId xmlns:p14="http://schemas.microsoft.com/office/powerpoint/2010/main" val="469114212"/>
+      </p:ext>
+    </p:extLst>
+  </p:cSld>
+  <p:clrMapOvr>
+    <a:masterClrMapping/>
+  </p:clrMapOvr>
+</p:sld>
+</file>
+
+<file path=ppt/slides/slide17.xml><?xml version="1.0" encoding="utf-8"?>
+<p:sld xmlns:a="http://schemas.openxmlformats.org/drawingml/2006/main" xmlns:r="http://schemas.openxmlformats.org/officeDocument/2006/relationships" xmlns:p="http://schemas.openxmlformats.org/presentationml/2006/main">
+  <p:cSld>
+    <p:spTree>
+      <p:nvGrpSpPr>
+        <p:cNvPr id="1" name=""/>
+        <p:cNvGrpSpPr/>
+        <p:nvPr/>
+      </p:nvGrpSpPr>
+      <p:grpSpPr>
+        <a:xfrm>
+          <a:off x="0" y="0"/>
+          <a:ext cx="0" cy="0"/>
+          <a:chOff x="0" y="0"/>
+          <a:chExt cx="0" cy="0"/>
+        </a:xfrm>
+      </p:grpSpPr>
+      <p:sp>
+        <p:nvSpPr>
+          <p:cNvPr id="2" name="Title 1">
+            <a:extLst>
+              <a:ext uri="{FF2B5EF4-FFF2-40B4-BE49-F238E27FC236}">
+                <a16:creationId xmlns:a16="http://schemas.microsoft.com/office/drawing/2014/main" id="{50BDA5E4-4C9F-4118-8A10-95F69439572B}"/>
+              </a:ext>
+            </a:extLst>
+          </p:cNvPr>
+          <p:cNvSpPr>
+            <a:spLocks noGrp="1"/>
+          </p:cNvSpPr>
+          <p:nvPr>
+            <p:ph type="title"/>
+          </p:nvPr>
+        </p:nvSpPr>
+        <p:spPr/>
+        <p:txBody>
+          <a:bodyPr/>
+          <a:lstStyle/>
+          <a:p>
+            <a:r>
+              <a:rPr lang="id-ID" dirty="0"/>
+              <a:t>Uji Coba: Mekanisme</a:t>
+            </a:r>
+          </a:p>
+        </p:txBody>
+      </p:sp>
+      <p:sp>
+        <p:nvSpPr>
+          <p:cNvPr id="3" name="Content Placeholder 2">
+            <a:extLst>
+              <a:ext uri="{FF2B5EF4-FFF2-40B4-BE49-F238E27FC236}">
+                <a16:creationId xmlns:a16="http://schemas.microsoft.com/office/drawing/2014/main" id="{7765BCE7-2650-4D22-AD8E-0F382323D34A}"/>
+              </a:ext>
+            </a:extLst>
+          </p:cNvPr>
+          <p:cNvSpPr>
+            <a:spLocks noGrp="1"/>
+          </p:cNvSpPr>
+          <p:nvPr>
+            <p:ph idx="1"/>
+          </p:nvPr>
+        </p:nvSpPr>
+        <p:spPr>
+          <a:xfrm>
+            <a:off x="2589212" y="2133600"/>
+            <a:ext cx="8915400" cy="3777622"/>
+          </a:xfrm>
+        </p:spPr>
+        <p:txBody>
+          <a:bodyPr>
+            <a:normAutofit/>
+          </a:bodyPr>
+          <a:lstStyle/>
+          <a:p>
+            <a:r>
+              <a:rPr lang="id-ID" sz="2800" dirty="0"/>
+              <a:t>18 gerakan bahasa isyarat masing-masing dilakukan sebanyak 5x</a:t>
+            </a:r>
+          </a:p>
+          <a:p>
+            <a:r>
+              <a:rPr lang="id-ID" sz="2800" dirty="0"/>
+              <a:t>Gerakan isyarat statis</a:t>
+            </a:r>
+          </a:p>
+        </p:txBody>
+      </p:sp>
+    </p:spTree>
+    <p:extLst>
+      <p:ext uri="{BB962C8B-B14F-4D97-AF65-F5344CB8AC3E}">
+        <p14:creationId xmlns:p14="http://schemas.microsoft.com/office/powerpoint/2010/main" val="4237903667"/>
+      </p:ext>
+    </p:extLst>
+  </p:cSld>
+  <p:clrMapOvr>
+    <a:masterClrMapping/>
+  </p:clrMapOvr>
+</p:sld>
+</file>
+
+<file path=ppt/slides/slide18.xml><?xml version="1.0" encoding="utf-8"?>
+<p:sld xmlns:a="http://schemas.openxmlformats.org/drawingml/2006/main" xmlns:r="http://schemas.openxmlformats.org/officeDocument/2006/relationships" xmlns:p="http://schemas.openxmlformats.org/presentationml/2006/main">
+  <p:cSld>
+    <p:spTree>
+      <p:nvGrpSpPr>
+        <p:cNvPr id="1" name=""/>
+        <p:cNvGrpSpPr/>
+        <p:nvPr/>
+      </p:nvGrpSpPr>
+      <p:grpSpPr>
+        <a:xfrm>
+          <a:off x="0" y="0"/>
+          <a:ext cx="0" cy="0"/>
+          <a:chOff x="0" y="0"/>
+          <a:chExt cx="0" cy="0"/>
+        </a:xfrm>
+      </p:grpSpPr>
+      <p:sp>
+        <p:nvSpPr>
+          <p:cNvPr id="2" name="Title 1">
+            <a:extLst>
+              <a:ext uri="{FF2B5EF4-FFF2-40B4-BE49-F238E27FC236}">
+                <a16:creationId xmlns:a16="http://schemas.microsoft.com/office/drawing/2014/main" id="{6F043AE4-8928-49E5-B3DD-FEBD6642C499}"/>
+              </a:ext>
+            </a:extLst>
+          </p:cNvPr>
+          <p:cNvSpPr>
+            <a:spLocks noGrp="1"/>
+          </p:cNvSpPr>
+          <p:nvPr>
+            <p:ph type="title"/>
+          </p:nvPr>
+        </p:nvSpPr>
+        <p:spPr/>
+        <p:txBody>
+          <a:bodyPr/>
+          <a:lstStyle/>
+          <a:p>
+            <a:r>
+              <a:rPr lang="id-ID" dirty="0"/>
+              <a:t>Uji Coba: Skenario</a:t>
+            </a:r>
+          </a:p>
+        </p:txBody>
+      </p:sp>
+      <p:sp>
+        <p:nvSpPr>
+          <p:cNvPr id="3" name="Content Placeholder 2">
+            <a:extLst>
+              <a:ext uri="{FF2B5EF4-FFF2-40B4-BE49-F238E27FC236}">
+                <a16:creationId xmlns:a16="http://schemas.microsoft.com/office/drawing/2014/main" id="{9D967ED8-9CB4-4AA4-8963-C4204859D049}"/>
+              </a:ext>
+            </a:extLst>
+          </p:cNvPr>
+          <p:cNvSpPr>
+            <a:spLocks noGrp="1"/>
+          </p:cNvSpPr>
+          <p:nvPr>
+            <p:ph idx="1"/>
+          </p:nvPr>
+        </p:nvSpPr>
+        <p:spPr/>
+        <p:txBody>
+          <a:bodyPr>
+            <a:normAutofit/>
+          </a:bodyPr>
+          <a:lstStyle/>
+          <a:p>
+            <a:r>
+              <a:rPr lang="id-ID" sz="2800" dirty="0"/>
+              <a:t>Skenario A1: Pengujian oleh penulis</a:t>
+            </a:r>
+          </a:p>
+          <a:p>
+            <a:r>
+              <a:rPr lang="id-ID" sz="2800" dirty="0"/>
+              <a:t>Skenario A2: Pengujian oleh pengguna lain</a:t>
+            </a:r>
+          </a:p>
+          <a:p>
+            <a:r>
+              <a:rPr lang="id-ID" sz="2800" dirty="0"/>
+              <a:t>Skenario A3: Pengujian oleh pengguna lain</a:t>
+            </a:r>
+          </a:p>
+          <a:p>
+            <a:r>
+              <a:rPr lang="id-ID" sz="2800" dirty="0"/>
+              <a:t>Skenario B: Penambahan data gerakan statis</a:t>
+            </a:r>
+          </a:p>
+        </p:txBody>
+      </p:sp>
+    </p:spTree>
+    <p:extLst>
+      <p:ext uri="{BB962C8B-B14F-4D97-AF65-F5344CB8AC3E}">
+        <p14:creationId xmlns:p14="http://schemas.microsoft.com/office/powerpoint/2010/main" val="650392392"/>
+      </p:ext>
+    </p:extLst>
+  </p:cSld>
+  <p:clrMapOvr>
+    <a:masterClrMapping/>
+  </p:clrMapOvr>
+</p:sld>
+</file>
+
+<file path=ppt/slides/slide19.xml><?xml version="1.0" encoding="utf-8"?>
+<p:sld xmlns:a="http://schemas.openxmlformats.org/drawingml/2006/main" xmlns:r="http://schemas.openxmlformats.org/officeDocument/2006/relationships" xmlns:p="http://schemas.openxmlformats.org/presentationml/2006/main">
+  <p:cSld>
+    <p:spTree>
+      <p:nvGrpSpPr>
+        <p:cNvPr id="1" name=""/>
+        <p:cNvGrpSpPr/>
+        <p:nvPr/>
+      </p:nvGrpSpPr>
+      <p:grpSpPr>
+        <a:xfrm>
+          <a:off x="0" y="0"/>
+          <a:ext cx="0" cy="0"/>
+          <a:chOff x="0" y="0"/>
+          <a:chExt cx="0" cy="0"/>
+        </a:xfrm>
+      </p:grpSpPr>
+      <p:sp useBgFill="1">
+        <p:nvSpPr>
+          <p:cNvPr id="10" name="Rectangle 9"/>
+          <p:cNvSpPr>
+            <a:spLocks noGrp="1" noRot="1" noChangeAspect="1" noMove="1" noResize="1" noEditPoints="1" noAdjustHandles="1" noChangeArrowheads="1" noChangeShapeType="1" noTextEdit="1"/>
+          </p:cNvSpPr>
+          <p:nvPr>
+            <p:extLst>
+              <p:ext uri="{386F3935-93C4-4BCD-93E2-E3B085C9AB24}">
+                <p16:designElem xmlns:p16="http://schemas.microsoft.com/office/powerpoint/2015/main" val="1"/>
+              </p:ext>
+            </p:extLst>
+          </p:nvPr>
+        </p:nvSpPr>
+        <p:spPr>
+          <a:xfrm>
+            <a:off x="0" y="0"/>
+            <a:ext cx="12192000" cy="6858000"/>
+          </a:xfrm>
+          <a:prstGeom prst="rect">
+            <a:avLst/>
+          </a:prstGeom>
+          <a:ln>
+            <a:noFill/>
+          </a:ln>
+        </p:spPr>
+        <p:style>
+          <a:lnRef idx="2">
+            <a:schemeClr val="accent1">
+              <a:shade val="50000"/>
+            </a:schemeClr>
+          </a:lnRef>
+          <a:fillRef idx="1">
+            <a:schemeClr val="accent1"/>
+          </a:fillRef>
+          <a:effectRef idx="0">
+            <a:schemeClr val="accent1"/>
+          </a:effectRef>
+          <a:fontRef idx="minor">
+            <a:schemeClr val="lt1"/>
+          </a:fontRef>
+        </p:style>
+        <p:txBody>
+          <a:bodyPr rtlCol="0" anchor="ctr"/>
+          <a:lstStyle/>
+          <a:p>
+            <a:pPr algn="ctr"/>
+            <a:endParaRPr lang="en-US"/>
+          </a:p>
+        </p:txBody>
+      </p:sp>
+      <p:sp useBgFill="1">
+        <p:nvSpPr>
+          <p:cNvPr id="12" name="Rectangle 11"/>
+          <p:cNvSpPr>
+            <a:spLocks noGrp="1" noRot="1" noChangeAspect="1" noMove="1" noResize="1" noEditPoints="1" noAdjustHandles="1" noChangeArrowheads="1" noChangeShapeType="1" noTextEdit="1"/>
+          </p:cNvSpPr>
+          <p:nvPr>
+            <p:extLst>
+              <p:ext uri="{386F3935-93C4-4BCD-93E2-E3B085C9AB24}">
+                <p16:designElem xmlns:p16="http://schemas.microsoft.com/office/powerpoint/2015/main" val="1"/>
+              </p:ext>
+            </p:extLst>
+          </p:nvPr>
+        </p:nvSpPr>
+        <p:spPr>
+          <a:xfrm>
+            <a:off x="4795736" y="0"/>
+            <a:ext cx="7396264" cy="6858000"/>
+          </a:xfrm>
+          <a:prstGeom prst="rect">
+            <a:avLst/>
+          </a:prstGeom>
+          <a:ln>
+            <a:noFill/>
+          </a:ln>
+        </p:spPr>
+        <p:style>
+          <a:lnRef idx="2">
+            <a:schemeClr val="accent1">
+              <a:shade val="50000"/>
+            </a:schemeClr>
+          </a:lnRef>
+          <a:fillRef idx="1">
+            <a:schemeClr val="accent1"/>
+          </a:fillRef>
+          <a:effectRef idx="0">
+            <a:schemeClr val="accent1"/>
+          </a:effectRef>
+          <a:fontRef idx="minor">
+            <a:schemeClr val="lt1"/>
+          </a:fontRef>
+        </p:style>
+        <p:txBody>
+          <a:bodyPr rtlCol="0" anchor="ctr"/>
+          <a:lstStyle/>
+          <a:p>
+            <a:pPr algn="ctr"/>
+            <a:endParaRPr lang="en-US"/>
+          </a:p>
+        </p:txBody>
+      </p:sp>
+      <p:sp>
+        <p:nvSpPr>
+          <p:cNvPr id="14" name="Rectangle 13"/>
+          <p:cNvSpPr>
+            <a:spLocks noGrp="1" noRot="1" noChangeAspect="1" noMove="1" noResize="1" noEditPoints="1" noAdjustHandles="1" noChangeArrowheads="1" noChangeShapeType="1" noTextEdit="1"/>
+          </p:cNvSpPr>
+          <p:nvPr>
+            <p:extLst>
+              <p:ext uri="{386F3935-93C4-4BCD-93E2-E3B085C9AB24}">
+                <p16:designElem xmlns:p16="http://schemas.microsoft.com/office/powerpoint/2015/main" val="1"/>
+              </p:ext>
+            </p:extLst>
+          </p:nvPr>
+        </p:nvSpPr>
+        <p:spPr>
+          <a:xfrm>
+            <a:off x="8132921" y="0"/>
+            <a:ext cx="4059079" cy="6858000"/>
+          </a:xfrm>
+          <a:prstGeom prst="rect">
+            <a:avLst/>
+          </a:prstGeom>
+          <a:solidFill>
+            <a:schemeClr val="tx2"/>
+          </a:solidFill>
+          <a:ln>
+            <a:noFill/>
+          </a:ln>
+        </p:spPr>
+        <p:style>
+          <a:lnRef idx="2">
+            <a:schemeClr val="accent1">
+              <a:shade val="50000"/>
+            </a:schemeClr>
+          </a:lnRef>
+          <a:fillRef idx="1">
+            <a:schemeClr val="accent1"/>
+          </a:fillRef>
+          <a:effectRef idx="0">
+            <a:schemeClr val="accent1"/>
+          </a:effectRef>
+          <a:fontRef idx="minor">
+            <a:schemeClr val="lt1"/>
+          </a:fontRef>
+        </p:style>
+        <p:txBody>
+          <a:bodyPr rtlCol="0" anchor="ctr"/>
+          <a:lstStyle/>
+          <a:p>
+            <a:pPr algn="ctr"/>
+            <a:endParaRPr lang="en-US"/>
+          </a:p>
+        </p:txBody>
+      </p:sp>
+      <p:sp>
+        <p:nvSpPr>
+          <p:cNvPr id="16" name="Freeform: Shape 15"/>
+          <p:cNvSpPr>
+            <a:spLocks noGrp="1" noRot="1" noChangeAspect="1" noMove="1" noResize="1" noEditPoints="1" noAdjustHandles="1" noChangeArrowheads="1" noChangeShapeType="1" noTextEdit="1"/>
+          </p:cNvSpPr>
+          <p:nvPr>
+            <p:extLst>
+              <p:ext uri="{386F3935-93C4-4BCD-93E2-E3B085C9AB24}">
+                <p16:designElem xmlns:p16="http://schemas.microsoft.com/office/powerpoint/2015/main" val="1"/>
+              </p:ext>
+            </p:extLst>
+          </p:nvPr>
+        </p:nvSpPr>
+        <p:spPr bwMode="auto">
+          <a:xfrm flipV="1">
+            <a:off x="8132921" y="3187343"/>
+            <a:ext cx="1105119" cy="506624"/>
+          </a:xfrm>
+          <a:custGeom>
+            <a:avLst/>
+            <a:gdLst>
+              <a:gd name="connsiteX0" fmla="*/ 0 w 1105119"/>
+              <a:gd name="connsiteY0" fmla="*/ 506624 h 506624"/>
+              <a:gd name="connsiteX1" fmla="*/ 759132 w 1105119"/>
+              <a:gd name="connsiteY1" fmla="*/ 505572 h 506624"/>
+              <a:gd name="connsiteX2" fmla="*/ 849827 w 1105119"/>
+              <a:gd name="connsiteY2" fmla="*/ 505572 h 506624"/>
+              <a:gd name="connsiteX3" fmla="*/ 864083 w 1105119"/>
+              <a:gd name="connsiteY3" fmla="*/ 500804 h 506624"/>
+              <a:gd name="connsiteX4" fmla="*/ 869065 w 1105119"/>
+              <a:gd name="connsiteY4" fmla="*/ 496035 h 506624"/>
+              <a:gd name="connsiteX5" fmla="*/ 1098034 w 1105119"/>
+              <a:gd name="connsiteY5" fmla="*/ 267092 h 506624"/>
+              <a:gd name="connsiteX6" fmla="*/ 1098034 w 1105119"/>
+              <a:gd name="connsiteY6" fmla="*/ 238480 h 506624"/>
+              <a:gd name="connsiteX7" fmla="*/ 869065 w 1105119"/>
+              <a:gd name="connsiteY7" fmla="*/ 9537 h 506624"/>
+              <a:gd name="connsiteX8" fmla="*/ 864083 w 1105119"/>
+              <a:gd name="connsiteY8" fmla="*/ 4769 h 506624"/>
+              <a:gd name="connsiteX9" fmla="*/ 849827 w 1105119"/>
+              <a:gd name="connsiteY9" fmla="*/ 0 h 506624"/>
+              <a:gd name="connsiteX10" fmla="*/ 759132 w 1105119"/>
+              <a:gd name="connsiteY10" fmla="*/ 0 h 506624"/>
+              <a:gd name="connsiteX11" fmla="*/ 0 w 1105119"/>
+              <a:gd name="connsiteY11" fmla="*/ 2157 h 506624"/>
+            </a:gdLst>
+            <a:ahLst/>
+            <a:cxnLst>
+              <a:cxn ang="0">
+                <a:pos x="connsiteX0" y="connsiteY0"/>
+              </a:cxn>
+              <a:cxn ang="0">
+                <a:pos x="connsiteX1" y="connsiteY1"/>
+              </a:cxn>
+              <a:cxn ang="0">
+                <a:pos x="connsiteX2" y="connsiteY2"/>
+              </a:cxn>
+              <a:cxn ang="0">
+                <a:pos x="connsiteX3" y="connsiteY3"/>
+              </a:cxn>
+              <a:cxn ang="0">
+                <a:pos x="connsiteX4" y="connsiteY4"/>
+              </a:cxn>
+              <a:cxn ang="0">
+                <a:pos x="connsiteX5" y="connsiteY5"/>
+              </a:cxn>
+              <a:cxn ang="0">
+                <a:pos x="connsiteX6" y="connsiteY6"/>
+              </a:cxn>
+              <a:cxn ang="0">
+                <a:pos x="connsiteX7" y="connsiteY7"/>
+              </a:cxn>
+              <a:cxn ang="0">
+                <a:pos x="connsiteX8" y="connsiteY8"/>
+              </a:cxn>
+              <a:cxn ang="0">
+                <a:pos x="connsiteX9" y="connsiteY9"/>
+              </a:cxn>
+              <a:cxn ang="0">
+                <a:pos x="connsiteX10" y="connsiteY10"/>
+              </a:cxn>
+              <a:cxn ang="0">
+                <a:pos x="connsiteX11" y="connsiteY11"/>
+              </a:cxn>
+            </a:cxnLst>
+            <a:rect l="l" t="t" r="r" b="b"/>
+            <a:pathLst>
+              <a:path w="1105119" h="506624">
+                <a:moveTo>
+                  <a:pt x="0" y="506624"/>
+                </a:moveTo>
+                <a:lnTo>
+                  <a:pt x="759132" y="505572"/>
+                </a:lnTo>
+                <a:lnTo>
+                  <a:pt x="849827" y="505572"/>
+                </a:lnTo>
+                <a:cubicBezTo>
+                  <a:pt x="854636" y="505572"/>
+                  <a:pt x="859446" y="500804"/>
+                  <a:pt x="864083" y="500804"/>
+                </a:cubicBezTo>
+                <a:cubicBezTo>
+                  <a:pt x="864083" y="496035"/>
+                  <a:pt x="869065" y="496035"/>
+                  <a:pt x="869065" y="496035"/>
+                </a:cubicBezTo>
+                <a:lnTo>
+                  <a:pt x="1098034" y="267092"/>
+                </a:lnTo>
+                <a:cubicBezTo>
+                  <a:pt x="1107481" y="257555"/>
+                  <a:pt x="1107481" y="248018"/>
+                  <a:pt x="1098034" y="238480"/>
+                </a:cubicBezTo>
+                <a:lnTo>
+                  <a:pt x="869065" y="9537"/>
+                </a:lnTo>
+                <a:cubicBezTo>
+                  <a:pt x="867519" y="7914"/>
+                  <a:pt x="865629" y="6392"/>
+                  <a:pt x="864083" y="4769"/>
+                </a:cubicBezTo>
+                <a:cubicBezTo>
+                  <a:pt x="859446" y="0"/>
+                  <a:pt x="854636" y="0"/>
+                  <a:pt x="849827" y="0"/>
+                </a:cubicBezTo>
+                <a:lnTo>
+                  <a:pt x="759132" y="0"/>
+                </a:lnTo>
+                <a:lnTo>
+                  <a:pt x="0" y="2157"/>
+                </a:lnTo>
+                <a:close/>
+              </a:path>
+            </a:pathLst>
+          </a:custGeom>
+          <a:solidFill>
+            <a:schemeClr val="accent1"/>
+          </a:solidFill>
+          <a:ln>
+            <a:noFill/>
+          </a:ln>
+        </p:spPr>
+      </p:sp>
+      <p:sp>
+        <p:nvSpPr>
+          <p:cNvPr id="2" name="Title 1">
+            <a:extLst>
+              <a:ext uri="{FF2B5EF4-FFF2-40B4-BE49-F238E27FC236}">
+                <a16:creationId xmlns:a16="http://schemas.microsoft.com/office/drawing/2014/main" id="{AD18EE8A-3CB0-470C-8282-E74E3CE17783}"/>
+              </a:ext>
+            </a:extLst>
+          </p:cNvPr>
+          <p:cNvSpPr>
+            <a:spLocks noGrp="1"/>
+          </p:cNvSpPr>
+          <p:nvPr>
+            <p:ph type="title"/>
+          </p:nvPr>
+        </p:nvSpPr>
+        <p:spPr>
+          <a:xfrm>
+            <a:off x="9392813" y="3101093"/>
+            <a:ext cx="2454052" cy="3029344"/>
+          </a:xfrm>
+        </p:spPr>
+        <p:txBody>
+          <a:bodyPr>
+            <a:normAutofit/>
+          </a:bodyPr>
+          <a:lstStyle/>
+          <a:p>
+            <a:r>
+              <a:rPr lang="id-ID" sz="3200" dirty="0">
+                <a:solidFill>
+                  <a:schemeClr val="bg1"/>
+                </a:solidFill>
+              </a:rPr>
+              <a:t>Uji Coba</a:t>
+            </a:r>
+          </a:p>
+        </p:txBody>
+      </p:sp>
+      <p:graphicFrame>
+        <p:nvGraphicFramePr>
+          <p:cNvPr id="5" name="Content Placeholder 4">
+            <a:extLst>
+              <a:ext uri="{FF2B5EF4-FFF2-40B4-BE49-F238E27FC236}">
+                <a16:creationId xmlns:a16="http://schemas.microsoft.com/office/drawing/2014/main" id="{6121BFE8-F926-4BE8-ACCB-B699C82851F7}"/>
+              </a:ext>
+            </a:extLst>
+          </p:cNvPr>
+          <p:cNvGraphicFramePr>
+            <a:graphicFrameLocks noGrp="1"/>
+          </p:cNvGraphicFramePr>
+          <p:nvPr>
+            <p:ph idx="1"/>
+            <p:extLst>
+              <p:ext uri="{D42A27DB-BD31-4B8C-83A1-F6EECF244321}">
+                <p14:modId xmlns:p14="http://schemas.microsoft.com/office/powerpoint/2010/main" val="681832242"/>
+              </p:ext>
+            </p:extLst>
+          </p:nvPr>
+        </p:nvGraphicFramePr>
+        <p:xfrm>
+          <a:off x="616444" y="641551"/>
+          <a:ext cx="6832212" cy="5264779"/>
+        </p:xfrm>
+        <a:graphic>
+          <a:graphicData uri="http://schemas.openxmlformats.org/drawingml/2006/chart">
+            <c:chart xmlns:c="http://schemas.openxmlformats.org/drawingml/2006/chart" xmlns:r="http://schemas.openxmlformats.org/officeDocument/2006/relationships" r:id="rId2"/>
+          </a:graphicData>
+        </a:graphic>
+      </p:graphicFrame>
+    </p:spTree>
+    <p:extLst>
+      <p:ext uri="{BB962C8B-B14F-4D97-AF65-F5344CB8AC3E}">
+        <p14:creationId xmlns:p14="http://schemas.microsoft.com/office/powerpoint/2010/main" val="356823129"/>
       </p:ext>
     </p:extLst>
   </p:cSld>
@@ -12816,7 +17132,7 @@
           <a:p>
             <a:r>
               <a:rPr lang="id-ID" dirty="0"/>
-              <a:t>Bahasa Isyarat?</a:t>
+              <a:t>Bahasa Isyarat</a:t>
             </a:r>
           </a:p>
         </p:txBody>
@@ -12867,6 +17183,378 @@
     <p:extLst>
       <p:ext uri="{BB962C8B-B14F-4D97-AF65-F5344CB8AC3E}">
         <p14:creationId xmlns:p14="http://schemas.microsoft.com/office/powerpoint/2010/main" val="2727004312"/>
+      </p:ext>
+    </p:extLst>
+  </p:cSld>
+  <p:clrMapOvr>
+    <a:masterClrMapping/>
+  </p:clrMapOvr>
+</p:sld>
+</file>
+
+<file path=ppt/slides/slide20.xml><?xml version="1.0" encoding="utf-8"?>
+<p:sld xmlns:a="http://schemas.openxmlformats.org/drawingml/2006/main" xmlns:r="http://schemas.openxmlformats.org/officeDocument/2006/relationships" xmlns:p="http://schemas.openxmlformats.org/presentationml/2006/main">
+  <p:cSld>
+    <p:spTree>
+      <p:nvGrpSpPr>
+        <p:cNvPr id="1" name=""/>
+        <p:cNvGrpSpPr/>
+        <p:nvPr/>
+      </p:nvGrpSpPr>
+      <p:grpSpPr>
+        <a:xfrm>
+          <a:off x="0" y="0"/>
+          <a:ext cx="0" cy="0"/>
+          <a:chOff x="0" y="0"/>
+          <a:chExt cx="0" cy="0"/>
+        </a:xfrm>
+      </p:grpSpPr>
+      <p:sp>
+        <p:nvSpPr>
+          <p:cNvPr id="2" name="Title 1">
+            <a:extLst>
+              <a:ext uri="{FF2B5EF4-FFF2-40B4-BE49-F238E27FC236}">
+                <a16:creationId xmlns:a16="http://schemas.microsoft.com/office/drawing/2014/main" id="{038E462E-EE72-4FFC-A408-8BB81CFF09AC}"/>
+              </a:ext>
+            </a:extLst>
+          </p:cNvPr>
+          <p:cNvSpPr>
+            <a:spLocks noGrp="1"/>
+          </p:cNvSpPr>
+          <p:nvPr>
+            <p:ph type="title"/>
+          </p:nvPr>
+        </p:nvSpPr>
+        <p:spPr/>
+        <p:txBody>
+          <a:bodyPr/>
+          <a:lstStyle/>
+          <a:p>
+            <a:r>
+              <a:rPr lang="id-ID" dirty="0"/>
+              <a:t>Kesimpulan</a:t>
+            </a:r>
+          </a:p>
+        </p:txBody>
+      </p:sp>
+      <p:sp>
+        <p:nvSpPr>
+          <p:cNvPr id="3" name="Content Placeholder 2">
+            <a:extLst>
+              <a:ext uri="{FF2B5EF4-FFF2-40B4-BE49-F238E27FC236}">
+                <a16:creationId xmlns:a16="http://schemas.microsoft.com/office/drawing/2014/main" id="{85252281-3AA1-441B-A93F-82502CEEEFCC}"/>
+              </a:ext>
+            </a:extLst>
+          </p:cNvPr>
+          <p:cNvSpPr>
+            <a:spLocks noGrp="1"/>
+          </p:cNvSpPr>
+          <p:nvPr>
+            <p:ph idx="1"/>
+          </p:nvPr>
+        </p:nvSpPr>
+        <p:spPr/>
+        <p:txBody>
+          <a:bodyPr>
+            <a:normAutofit fontScale="92500" lnSpcReduction="10000"/>
+          </a:bodyPr>
+          <a:lstStyle/>
+          <a:p>
+            <a:r>
+              <a:rPr lang="id-ID" sz="2800" dirty="0"/>
+              <a:t>Fitur Dinamis: 38 Fitur</a:t>
+            </a:r>
+          </a:p>
+          <a:p>
+            <a:pPr lvl="1">
+              <a:buFont typeface="Wingdings" panose="05000000000000000000" pitchFamily="2" charset="2"/>
+              <a:buChar char="q"/>
+            </a:pPr>
+            <a:r>
+              <a:rPr lang="id-ID" sz="2400" dirty="0"/>
+              <a:t>Fitur 1 s.d. 18: fitur dinamis tangan kiri (HandLeft)</a:t>
+            </a:r>
+          </a:p>
+          <a:p>
+            <a:pPr lvl="1">
+              <a:buFont typeface="Wingdings" panose="05000000000000000000" pitchFamily="2" charset="2"/>
+              <a:buChar char="q"/>
+            </a:pPr>
+            <a:r>
+              <a:rPr lang="id-ID" sz="2400" dirty="0"/>
+              <a:t>Fitur 19 s.d. 36: fitur dinamis tangan kanan (HandRight)</a:t>
+            </a:r>
+          </a:p>
+          <a:p>
+            <a:pPr lvl="1">
+              <a:buFont typeface="Wingdings" panose="05000000000000000000" pitchFamily="2" charset="2"/>
+              <a:buChar char="q"/>
+            </a:pPr>
+            <a:r>
+              <a:rPr lang="id-ID" sz="2400" dirty="0"/>
+              <a:t>Fitur 37: posisi tangan kiri </a:t>
+            </a:r>
+          </a:p>
+          <a:p>
+            <a:pPr lvl="1">
+              <a:buFont typeface="Wingdings" panose="05000000000000000000" pitchFamily="2" charset="2"/>
+              <a:buChar char="q"/>
+            </a:pPr>
+            <a:r>
+              <a:rPr lang="id-ID" sz="2400" dirty="0"/>
+              <a:t>Fitur 38: posisi tangan kanan</a:t>
+            </a:r>
+          </a:p>
+          <a:p>
+            <a:pPr lvl="0"/>
+            <a:r>
+              <a:rPr lang="id-ID" sz="2800" dirty="0"/>
+              <a:t>Identifikasi posisi gerakan yang dilakukan ketika melakukan </a:t>
+            </a:r>
+            <a:r>
+              <a:rPr lang="id-ID" sz="2800" i="1" dirty="0"/>
+              <a:t>training</a:t>
+            </a:r>
+            <a:r>
+              <a:rPr lang="id-ID" sz="2800" dirty="0"/>
+              <a:t> dan </a:t>
+            </a:r>
+            <a:r>
+              <a:rPr lang="id-ID" sz="2800" i="1" dirty="0"/>
+              <a:t>testing </a:t>
+            </a:r>
+            <a:r>
+              <a:rPr lang="id-ID" sz="2800" dirty="0"/>
+              <a:t>data sangat berpengaruh terhadap akurasi klasifikasi fitur dinamis</a:t>
+            </a:r>
+          </a:p>
+        </p:txBody>
+      </p:sp>
+    </p:spTree>
+    <p:extLst>
+      <p:ext uri="{BB962C8B-B14F-4D97-AF65-F5344CB8AC3E}">
+        <p14:creationId xmlns:p14="http://schemas.microsoft.com/office/powerpoint/2010/main" val="3553756204"/>
+      </p:ext>
+    </p:extLst>
+  </p:cSld>
+  <p:clrMapOvr>
+    <a:masterClrMapping/>
+  </p:clrMapOvr>
+</p:sld>
+</file>
+
+<file path=ppt/slides/slide21.xml><?xml version="1.0" encoding="utf-8"?>
+<p:sld xmlns:a="http://schemas.openxmlformats.org/drawingml/2006/main" xmlns:r="http://schemas.openxmlformats.org/officeDocument/2006/relationships" xmlns:p="http://schemas.openxmlformats.org/presentationml/2006/main">
+  <p:cSld>
+    <p:spTree>
+      <p:nvGrpSpPr>
+        <p:cNvPr id="1" name=""/>
+        <p:cNvGrpSpPr/>
+        <p:nvPr/>
+      </p:nvGrpSpPr>
+      <p:grpSpPr>
+        <a:xfrm>
+          <a:off x="0" y="0"/>
+          <a:ext cx="0" cy="0"/>
+          <a:chOff x="0" y="0"/>
+          <a:chExt cx="0" cy="0"/>
+        </a:xfrm>
+      </p:grpSpPr>
+      <p:sp>
+        <p:nvSpPr>
+          <p:cNvPr id="2" name="Title 1">
+            <a:extLst>
+              <a:ext uri="{FF2B5EF4-FFF2-40B4-BE49-F238E27FC236}">
+                <a16:creationId xmlns:a16="http://schemas.microsoft.com/office/drawing/2014/main" id="{9239CE9F-F878-4FC3-B941-91BE6C992419}"/>
+              </a:ext>
+            </a:extLst>
+          </p:cNvPr>
+          <p:cNvSpPr>
+            <a:spLocks noGrp="1"/>
+          </p:cNvSpPr>
+          <p:nvPr>
+            <p:ph type="title"/>
+          </p:nvPr>
+        </p:nvSpPr>
+        <p:spPr/>
+        <p:txBody>
+          <a:bodyPr/>
+          <a:lstStyle/>
+          <a:p>
+            <a:r>
+              <a:rPr lang="id-ID" dirty="0"/>
+              <a:t>Kesimpulan (2)</a:t>
+            </a:r>
+          </a:p>
+        </p:txBody>
+      </p:sp>
+      <p:sp>
+        <p:nvSpPr>
+          <p:cNvPr id="3" name="Content Placeholder 2">
+            <a:extLst>
+              <a:ext uri="{FF2B5EF4-FFF2-40B4-BE49-F238E27FC236}">
+                <a16:creationId xmlns:a16="http://schemas.microsoft.com/office/drawing/2014/main" id="{4393D2C0-A0F7-4C3F-939C-AD9E920CCF33}"/>
+              </a:ext>
+            </a:extLst>
+          </p:cNvPr>
+          <p:cNvSpPr>
+            <a:spLocks noGrp="1"/>
+          </p:cNvSpPr>
+          <p:nvPr>
+            <p:ph idx="1"/>
+          </p:nvPr>
+        </p:nvSpPr>
+        <p:spPr/>
+        <p:txBody>
+          <a:bodyPr>
+            <a:normAutofit/>
+          </a:bodyPr>
+          <a:lstStyle/>
+          <a:p>
+            <a:pPr lvl="0"/>
+            <a:r>
+              <a:rPr lang="id-ID" sz="2800" dirty="0"/>
+              <a:t>Akurasi rata-rata yang didapat 82,9%.</a:t>
+            </a:r>
+          </a:p>
+          <a:p>
+            <a:pPr lvl="0"/>
+            <a:r>
+              <a:rPr lang="id-ID" sz="2800" dirty="0"/>
+              <a:t>Fitur dinamis juga dapat mendeteksi bahasa isyarat statis</a:t>
+            </a:r>
+          </a:p>
+        </p:txBody>
+      </p:sp>
+    </p:spTree>
+    <p:extLst>
+      <p:ext uri="{BB962C8B-B14F-4D97-AF65-F5344CB8AC3E}">
+        <p14:creationId xmlns:p14="http://schemas.microsoft.com/office/powerpoint/2010/main" val="2854010540"/>
+      </p:ext>
+    </p:extLst>
+  </p:cSld>
+  <p:clrMapOvr>
+    <a:masterClrMapping/>
+  </p:clrMapOvr>
+</p:sld>
+</file>
+
+<file path=ppt/slides/slide22.xml><?xml version="1.0" encoding="utf-8"?>
+<p:sld xmlns:a="http://schemas.openxmlformats.org/drawingml/2006/main" xmlns:r="http://schemas.openxmlformats.org/officeDocument/2006/relationships" xmlns:p="http://schemas.openxmlformats.org/presentationml/2006/main">
+  <p:cSld>
+    <p:spTree>
+      <p:nvGrpSpPr>
+        <p:cNvPr id="1" name=""/>
+        <p:cNvGrpSpPr/>
+        <p:nvPr/>
+      </p:nvGrpSpPr>
+      <p:grpSpPr>
+        <a:xfrm>
+          <a:off x="0" y="0"/>
+          <a:ext cx="0" cy="0"/>
+          <a:chOff x="0" y="0"/>
+          <a:chExt cx="0" cy="0"/>
+        </a:xfrm>
+      </p:grpSpPr>
+      <p:sp>
+        <p:nvSpPr>
+          <p:cNvPr id="2" name="Title 1">
+            <a:extLst>
+              <a:ext uri="{FF2B5EF4-FFF2-40B4-BE49-F238E27FC236}">
+                <a16:creationId xmlns:a16="http://schemas.microsoft.com/office/drawing/2014/main" id="{B6BE5849-FFF1-46CD-BC4D-72E144E53EB9}"/>
+              </a:ext>
+            </a:extLst>
+          </p:cNvPr>
+          <p:cNvSpPr>
+            <a:spLocks noGrp="1"/>
+          </p:cNvSpPr>
+          <p:nvPr>
+            <p:ph type="title"/>
+          </p:nvPr>
+        </p:nvSpPr>
+        <p:spPr/>
+        <p:txBody>
+          <a:bodyPr/>
+          <a:lstStyle/>
+          <a:p>
+            <a:r>
+              <a:rPr lang="id-ID" dirty="0"/>
+              <a:t>Saran</a:t>
+            </a:r>
+          </a:p>
+        </p:txBody>
+      </p:sp>
+      <p:sp>
+        <p:nvSpPr>
+          <p:cNvPr id="3" name="Content Placeholder 2">
+            <a:extLst>
+              <a:ext uri="{FF2B5EF4-FFF2-40B4-BE49-F238E27FC236}">
+                <a16:creationId xmlns:a16="http://schemas.microsoft.com/office/drawing/2014/main" id="{3C21AF76-2153-4F10-9385-8F6B892AE0D2}"/>
+              </a:ext>
+            </a:extLst>
+          </p:cNvPr>
+          <p:cNvSpPr>
+            <a:spLocks noGrp="1"/>
+          </p:cNvSpPr>
+          <p:nvPr>
+            <p:ph idx="1"/>
+          </p:nvPr>
+        </p:nvSpPr>
+        <p:spPr>
+          <a:xfrm>
+            <a:off x="2589212" y="2133600"/>
+            <a:ext cx="8915400" cy="3777622"/>
+          </a:xfrm>
+        </p:spPr>
+        <p:txBody>
+          <a:bodyPr>
+            <a:normAutofit/>
+          </a:bodyPr>
+          <a:lstStyle/>
+          <a:p>
+            <a:pPr lvl="0"/>
+            <a:r>
+              <a:rPr lang="id-ID" sz="2400" dirty="0"/>
+              <a:t>Data </a:t>
+            </a:r>
+            <a:r>
+              <a:rPr lang="id-ID" sz="2400" i="1" dirty="0"/>
+              <a:t>training</a:t>
+            </a:r>
+            <a:r>
+              <a:rPr lang="id-ID" sz="2400" dirty="0"/>
+              <a:t> dengan banyak pengguna</a:t>
+            </a:r>
+          </a:p>
+          <a:p>
+            <a:pPr lvl="0"/>
+            <a:r>
+              <a:rPr lang="id-ID" sz="2400" dirty="0"/>
+              <a:t>Tidak hanya mendeteksi telapak tangan saja</a:t>
+            </a:r>
+          </a:p>
+          <a:p>
+            <a:pPr lvl="0"/>
+            <a:r>
+              <a:rPr lang="id-ID" sz="2400" dirty="0"/>
+              <a:t>Menggunakan/membuat </a:t>
+            </a:r>
+            <a:r>
+              <a:rPr lang="id-ID" sz="2400" i="1" dirty="0"/>
+              <a:t>classifier </a:t>
+            </a:r>
+            <a:r>
+              <a:rPr lang="id-ID" sz="2400" dirty="0"/>
+              <a:t>lain guna mendapatkan hasil prediksi gerakan bahasa isyarat yang lebih baik</a:t>
+            </a:r>
+            <a:endParaRPr lang="id-ID" sz="2400" i="1" dirty="0"/>
+          </a:p>
+        </p:txBody>
+      </p:sp>
+    </p:spTree>
+    <p:extLst>
+      <p:ext uri="{BB962C8B-B14F-4D97-AF65-F5344CB8AC3E}">
+        <p14:creationId xmlns:p14="http://schemas.microsoft.com/office/powerpoint/2010/main" val="804549108"/>
       </p:ext>
     </p:extLst>
   </p:cSld>
@@ -13196,21 +17884,19 @@
             </a:lvl9pPr>
           </a:lstStyle>
           <a:p>
-            <a:r>
-              <a:rPr lang="id-ID" sz="2000" dirty="0"/>
-              <a:t>Yohanes Aditya Sutanto</a:t>
-            </a:r>
-          </a:p>
-          <a:p>
             <a:pPr marL="0" indent="0">
               <a:buNone/>
-              <a:tabLst>
-                <a:tab pos="341313" algn="l"/>
-              </a:tabLst>
+            </a:pPr>
+            <a:endParaRPr lang="id-ID" sz="2000" dirty="0"/>
+          </a:p>
+          <a:p>
+            <a:pPr>
+              <a:buFont typeface="Wingdings" panose="05000000000000000000" pitchFamily="2" charset="2"/>
+              <a:buChar char="v"/>
             </a:pPr>
             <a:r>
               <a:rPr lang="id-ID" sz="2000" dirty="0"/>
-              <a:t>	5113100135</a:t>
+              <a:t>Tampilan Tugas Akhir Yohanes Aditya Sutanto</a:t>
             </a:r>
           </a:p>
         </p:txBody>
@@ -13517,10 +18203,10 @@
       </p:grpSpPr>
       <p:pic>
         <p:nvPicPr>
-          <p:cNvPr id="4" name="Picture 3">
+          <p:cNvPr id="6" name="Picture 5">
             <a:extLst>
               <a:ext uri="{FF2B5EF4-FFF2-40B4-BE49-F238E27FC236}">
-                <a16:creationId xmlns:a16="http://schemas.microsoft.com/office/drawing/2014/main" id="{E73EB3AC-E525-4681-9250-F46FF6F2F743}"/>
+                <a16:creationId xmlns:a16="http://schemas.microsoft.com/office/drawing/2014/main" id="{9D18787D-FD31-459A-9353-91EFCAF1156C}"/>
               </a:ext>
             </a:extLst>
           </p:cNvPr>
@@ -13537,37 +18223,7 @@
         </p:blipFill>
         <p:spPr>
           <a:xfrm>
-            <a:off x="183564" y="16625"/>
-            <a:ext cx="6172200" cy="6858000"/>
-          </a:xfrm>
-          <a:prstGeom prst="rect">
-            <a:avLst/>
-          </a:prstGeom>
-        </p:spPr>
-      </p:pic>
-      <p:pic>
-        <p:nvPicPr>
-          <p:cNvPr id="6" name="Picture 5">
-            <a:extLst>
-              <a:ext uri="{FF2B5EF4-FFF2-40B4-BE49-F238E27FC236}">
-                <a16:creationId xmlns:a16="http://schemas.microsoft.com/office/drawing/2014/main" id="{9D18787D-FD31-459A-9353-91EFCAF1156C}"/>
-              </a:ext>
-            </a:extLst>
-          </p:cNvPr>
-          <p:cNvPicPr>
-            <a:picLocks noChangeAspect="1"/>
-          </p:cNvPicPr>
-          <p:nvPr/>
-        </p:nvPicPr>
-        <p:blipFill>
-          <a:blip r:embed="rId3"/>
-          <a:stretch>
-            <a:fillRect/>
-          </a:stretch>
-        </p:blipFill>
-        <p:spPr>
-          <a:xfrm>
-            <a:off x="6505391" y="0"/>
+            <a:off x="2151369" y="0"/>
             <a:ext cx="5565393" cy="6858000"/>
           </a:xfrm>
           <a:prstGeom prst="rect">
@@ -13575,6 +18231,269 @@
           </a:prstGeom>
         </p:spPr>
       </p:pic>
+      <p:sp>
+        <p:nvSpPr>
+          <p:cNvPr id="7" name="Content Placeholder 2">
+            <a:extLst>
+              <a:ext uri="{FF2B5EF4-FFF2-40B4-BE49-F238E27FC236}">
+                <a16:creationId xmlns:a16="http://schemas.microsoft.com/office/drawing/2014/main" id="{9B448EA4-D7A5-49CF-9FE6-38FCE2C50326}"/>
+              </a:ext>
+            </a:extLst>
+          </p:cNvPr>
+          <p:cNvSpPr txBox="1">
+            <a:spLocks/>
+          </p:cNvSpPr>
+          <p:nvPr/>
+        </p:nvSpPr>
+        <p:spPr>
+          <a:xfrm>
+            <a:off x="8412641" y="5853059"/>
+            <a:ext cx="3457933" cy="1395640"/>
+          </a:xfrm>
+          <a:prstGeom prst="rect">
+            <a:avLst/>
+          </a:prstGeom>
+        </p:spPr>
+        <p:txBody>
+          <a:bodyPr vert="horz" lIns="91440" tIns="45720" rIns="91440" bIns="45720" rtlCol="0">
+            <a:normAutofit/>
+          </a:bodyPr>
+          <a:lstStyle>
+            <a:lvl1pPr marL="342900" indent="-342900" algn="l" defTabSz="457200" rtl="0" eaLnBrk="1" latinLnBrk="0" hangingPunct="1">
+              <a:spcBef>
+                <a:spcPts val="1000"/>
+              </a:spcBef>
+              <a:spcAft>
+                <a:spcPts val="0"/>
+              </a:spcAft>
+              <a:buClr>
+                <a:schemeClr val="accent1"/>
+              </a:buClr>
+              <a:buFont typeface="Wingdings 3" charset="2"/>
+              <a:buChar char=""/>
+              <a:defRPr sz="1800" kern="1200">
+                <a:solidFill>
+                  <a:schemeClr val="tx1">
+                    <a:lumMod val="75000"/>
+                    <a:lumOff val="25000"/>
+                  </a:schemeClr>
+                </a:solidFill>
+                <a:latin typeface="+mn-lt"/>
+                <a:ea typeface="+mn-ea"/>
+                <a:cs typeface="+mn-cs"/>
+              </a:defRPr>
+            </a:lvl1pPr>
+            <a:lvl2pPr marL="742950" indent="-285750" algn="l" defTabSz="457200" rtl="0" eaLnBrk="1" latinLnBrk="0" hangingPunct="1">
+              <a:spcBef>
+                <a:spcPts val="1000"/>
+              </a:spcBef>
+              <a:spcAft>
+                <a:spcPts val="0"/>
+              </a:spcAft>
+              <a:buClr>
+                <a:schemeClr val="accent1"/>
+              </a:buClr>
+              <a:buFont typeface="Wingdings 3" charset="2"/>
+              <a:buChar char=""/>
+              <a:defRPr sz="1600" kern="1200">
+                <a:solidFill>
+                  <a:schemeClr val="tx1">
+                    <a:lumMod val="75000"/>
+                    <a:lumOff val="25000"/>
+                  </a:schemeClr>
+                </a:solidFill>
+                <a:latin typeface="+mn-lt"/>
+                <a:ea typeface="+mn-ea"/>
+                <a:cs typeface="+mn-cs"/>
+              </a:defRPr>
+            </a:lvl2pPr>
+            <a:lvl3pPr marL="1143000" indent="-228600" algn="l" defTabSz="457200" rtl="0" eaLnBrk="1" latinLnBrk="0" hangingPunct="1">
+              <a:spcBef>
+                <a:spcPts val="1000"/>
+              </a:spcBef>
+              <a:spcAft>
+                <a:spcPts val="0"/>
+              </a:spcAft>
+              <a:buClr>
+                <a:schemeClr val="accent1"/>
+              </a:buClr>
+              <a:buFont typeface="Wingdings 3" charset="2"/>
+              <a:buChar char=""/>
+              <a:defRPr sz="1400" kern="1200">
+                <a:solidFill>
+                  <a:schemeClr val="tx1">
+                    <a:lumMod val="75000"/>
+                    <a:lumOff val="25000"/>
+                  </a:schemeClr>
+                </a:solidFill>
+                <a:latin typeface="+mn-lt"/>
+                <a:ea typeface="+mn-ea"/>
+                <a:cs typeface="+mn-cs"/>
+              </a:defRPr>
+            </a:lvl3pPr>
+            <a:lvl4pPr marL="1600200" indent="-228600" algn="l" defTabSz="457200" rtl="0" eaLnBrk="1" latinLnBrk="0" hangingPunct="1">
+              <a:spcBef>
+                <a:spcPts val="1000"/>
+              </a:spcBef>
+              <a:spcAft>
+                <a:spcPts val="0"/>
+              </a:spcAft>
+              <a:buClr>
+                <a:schemeClr val="accent1"/>
+              </a:buClr>
+              <a:buFont typeface="Wingdings 3" charset="2"/>
+              <a:buChar char=""/>
+              <a:defRPr sz="1200" kern="1200">
+                <a:solidFill>
+                  <a:schemeClr val="tx1">
+                    <a:lumMod val="75000"/>
+                    <a:lumOff val="25000"/>
+                  </a:schemeClr>
+                </a:solidFill>
+                <a:latin typeface="+mn-lt"/>
+                <a:ea typeface="+mn-ea"/>
+                <a:cs typeface="+mn-cs"/>
+              </a:defRPr>
+            </a:lvl4pPr>
+            <a:lvl5pPr marL="2057400" indent="-228600" algn="l" defTabSz="457200" rtl="0" eaLnBrk="1" latinLnBrk="0" hangingPunct="1">
+              <a:spcBef>
+                <a:spcPts val="1000"/>
+              </a:spcBef>
+              <a:spcAft>
+                <a:spcPts val="0"/>
+              </a:spcAft>
+              <a:buClr>
+                <a:schemeClr val="accent1"/>
+              </a:buClr>
+              <a:buFont typeface="Wingdings 3" charset="2"/>
+              <a:buChar char=""/>
+              <a:defRPr sz="1200" kern="1200">
+                <a:solidFill>
+                  <a:schemeClr val="tx1">
+                    <a:lumMod val="75000"/>
+                    <a:lumOff val="25000"/>
+                  </a:schemeClr>
+                </a:solidFill>
+                <a:latin typeface="+mn-lt"/>
+                <a:ea typeface="+mn-ea"/>
+                <a:cs typeface="+mn-cs"/>
+              </a:defRPr>
+            </a:lvl5pPr>
+            <a:lvl6pPr marL="2514600" indent="-228600" algn="l" defTabSz="457200" rtl="0" eaLnBrk="1" latinLnBrk="0" hangingPunct="1">
+              <a:spcBef>
+                <a:spcPts val="1000"/>
+              </a:spcBef>
+              <a:spcAft>
+                <a:spcPts val="0"/>
+              </a:spcAft>
+              <a:buClr>
+                <a:schemeClr val="accent1"/>
+              </a:buClr>
+              <a:buFont typeface="Wingdings 3" charset="2"/>
+              <a:buChar char=""/>
+              <a:defRPr sz="1200" kern="1200">
+                <a:solidFill>
+                  <a:schemeClr val="tx1">
+                    <a:lumMod val="75000"/>
+                    <a:lumOff val="25000"/>
+                  </a:schemeClr>
+                </a:solidFill>
+                <a:latin typeface="+mn-lt"/>
+                <a:ea typeface="+mn-ea"/>
+                <a:cs typeface="+mn-cs"/>
+              </a:defRPr>
+            </a:lvl6pPr>
+            <a:lvl7pPr marL="2971800" indent="-228600" algn="l" defTabSz="457200" rtl="0" eaLnBrk="1" latinLnBrk="0" hangingPunct="1">
+              <a:spcBef>
+                <a:spcPts val="1000"/>
+              </a:spcBef>
+              <a:spcAft>
+                <a:spcPts val="0"/>
+              </a:spcAft>
+              <a:buClr>
+                <a:schemeClr val="accent1"/>
+              </a:buClr>
+              <a:buFont typeface="Wingdings 3" charset="2"/>
+              <a:buChar char=""/>
+              <a:defRPr sz="1200" kern="1200">
+                <a:solidFill>
+                  <a:schemeClr val="tx1">
+                    <a:lumMod val="75000"/>
+                    <a:lumOff val="25000"/>
+                  </a:schemeClr>
+                </a:solidFill>
+                <a:latin typeface="+mn-lt"/>
+                <a:ea typeface="+mn-ea"/>
+                <a:cs typeface="+mn-cs"/>
+              </a:defRPr>
+            </a:lvl7pPr>
+            <a:lvl8pPr marL="3429000" indent="-228600" algn="l" defTabSz="457200" rtl="0" eaLnBrk="1" latinLnBrk="0" hangingPunct="1">
+              <a:spcBef>
+                <a:spcPts val="1000"/>
+              </a:spcBef>
+              <a:spcAft>
+                <a:spcPts val="0"/>
+              </a:spcAft>
+              <a:buClr>
+                <a:schemeClr val="accent1"/>
+              </a:buClr>
+              <a:buFont typeface="Wingdings 3" charset="2"/>
+              <a:buChar char=""/>
+              <a:defRPr sz="1200" kern="1200">
+                <a:solidFill>
+                  <a:schemeClr val="tx1">
+                    <a:lumMod val="75000"/>
+                    <a:lumOff val="25000"/>
+                  </a:schemeClr>
+                </a:solidFill>
+                <a:latin typeface="+mn-lt"/>
+                <a:ea typeface="+mn-ea"/>
+                <a:cs typeface="+mn-cs"/>
+              </a:defRPr>
+            </a:lvl8pPr>
+            <a:lvl9pPr marL="3886200" indent="-228600" algn="l" defTabSz="457200" rtl="0" eaLnBrk="1" latinLnBrk="0" hangingPunct="1">
+              <a:spcBef>
+                <a:spcPts val="1000"/>
+              </a:spcBef>
+              <a:spcAft>
+                <a:spcPts val="0"/>
+              </a:spcAft>
+              <a:buClr>
+                <a:schemeClr val="accent1"/>
+              </a:buClr>
+              <a:buFont typeface="Wingdings 3" charset="2"/>
+              <a:buChar char=""/>
+              <a:defRPr sz="1200" kern="1200">
+                <a:solidFill>
+                  <a:schemeClr val="tx1">
+                    <a:lumMod val="75000"/>
+                    <a:lumOff val="25000"/>
+                  </a:schemeClr>
+                </a:solidFill>
+                <a:latin typeface="+mn-lt"/>
+                <a:ea typeface="+mn-ea"/>
+                <a:cs typeface="+mn-cs"/>
+              </a:defRPr>
+            </a:lvl9pPr>
+          </a:lstStyle>
+          <a:p>
+            <a:pPr marL="0" indent="0">
+              <a:buNone/>
+            </a:pPr>
+            <a:endParaRPr lang="id-ID" sz="2000" dirty="0"/>
+          </a:p>
+          <a:p>
+            <a:pPr>
+              <a:buFont typeface="Wingdings" panose="05000000000000000000" pitchFamily="2" charset="2"/>
+              <a:buChar char="v"/>
+            </a:pPr>
+            <a:r>
+              <a:rPr lang="id-ID" sz="2000" dirty="0"/>
+              <a:t>Kondisi di lapangan</a:t>
+            </a:r>
+          </a:p>
+        </p:txBody>
+      </p:sp>
     </p:spTree>
     <p:extLst>
       <p:ext uri="{BB962C8B-B14F-4D97-AF65-F5344CB8AC3E}">
@@ -13692,6 +18611,263 @@
           </a:prstGeom>
         </p:spPr>
       </p:pic>
+      <p:sp>
+        <p:nvSpPr>
+          <p:cNvPr id="8" name="Content Placeholder 2">
+            <a:extLst>
+              <a:ext uri="{FF2B5EF4-FFF2-40B4-BE49-F238E27FC236}">
+                <a16:creationId xmlns:a16="http://schemas.microsoft.com/office/drawing/2014/main" id="{966B900A-B9A5-4DDA-AEC1-B6997772B74B}"/>
+              </a:ext>
+            </a:extLst>
+          </p:cNvPr>
+          <p:cNvSpPr txBox="1">
+            <a:spLocks/>
+          </p:cNvSpPr>
+          <p:nvPr/>
+        </p:nvSpPr>
+        <p:spPr>
+          <a:xfrm>
+            <a:off x="6517340" y="5136394"/>
+            <a:ext cx="5262284" cy="676686"/>
+          </a:xfrm>
+          <a:prstGeom prst="rect">
+            <a:avLst/>
+          </a:prstGeom>
+        </p:spPr>
+        <p:txBody>
+          <a:bodyPr vert="horz" lIns="91440" tIns="45720" rIns="91440" bIns="45720" rtlCol="0">
+            <a:normAutofit/>
+          </a:bodyPr>
+          <a:lstStyle>
+            <a:lvl1pPr marL="342900" indent="-342900" algn="l" defTabSz="457200" rtl="0" eaLnBrk="1" latinLnBrk="0" hangingPunct="1">
+              <a:spcBef>
+                <a:spcPts val="1000"/>
+              </a:spcBef>
+              <a:spcAft>
+                <a:spcPts val="0"/>
+              </a:spcAft>
+              <a:buClr>
+                <a:schemeClr val="accent1"/>
+              </a:buClr>
+              <a:buFont typeface="Wingdings 3" charset="2"/>
+              <a:buChar char=""/>
+              <a:defRPr sz="1800" kern="1200">
+                <a:solidFill>
+                  <a:schemeClr val="tx1">
+                    <a:lumMod val="75000"/>
+                    <a:lumOff val="25000"/>
+                  </a:schemeClr>
+                </a:solidFill>
+                <a:latin typeface="+mn-lt"/>
+                <a:ea typeface="+mn-ea"/>
+                <a:cs typeface="+mn-cs"/>
+              </a:defRPr>
+            </a:lvl1pPr>
+            <a:lvl2pPr marL="742950" indent="-285750" algn="l" defTabSz="457200" rtl="0" eaLnBrk="1" latinLnBrk="0" hangingPunct="1">
+              <a:spcBef>
+                <a:spcPts val="1000"/>
+              </a:spcBef>
+              <a:spcAft>
+                <a:spcPts val="0"/>
+              </a:spcAft>
+              <a:buClr>
+                <a:schemeClr val="accent1"/>
+              </a:buClr>
+              <a:buFont typeface="Wingdings 3" charset="2"/>
+              <a:buChar char=""/>
+              <a:defRPr sz="1600" kern="1200">
+                <a:solidFill>
+                  <a:schemeClr val="tx1">
+                    <a:lumMod val="75000"/>
+                    <a:lumOff val="25000"/>
+                  </a:schemeClr>
+                </a:solidFill>
+                <a:latin typeface="+mn-lt"/>
+                <a:ea typeface="+mn-ea"/>
+                <a:cs typeface="+mn-cs"/>
+              </a:defRPr>
+            </a:lvl2pPr>
+            <a:lvl3pPr marL="1143000" indent="-228600" algn="l" defTabSz="457200" rtl="0" eaLnBrk="1" latinLnBrk="0" hangingPunct="1">
+              <a:spcBef>
+                <a:spcPts val="1000"/>
+              </a:spcBef>
+              <a:spcAft>
+                <a:spcPts val="0"/>
+              </a:spcAft>
+              <a:buClr>
+                <a:schemeClr val="accent1"/>
+              </a:buClr>
+              <a:buFont typeface="Wingdings 3" charset="2"/>
+              <a:buChar char=""/>
+              <a:defRPr sz="1400" kern="1200">
+                <a:solidFill>
+                  <a:schemeClr val="tx1">
+                    <a:lumMod val="75000"/>
+                    <a:lumOff val="25000"/>
+                  </a:schemeClr>
+                </a:solidFill>
+                <a:latin typeface="+mn-lt"/>
+                <a:ea typeface="+mn-ea"/>
+                <a:cs typeface="+mn-cs"/>
+              </a:defRPr>
+            </a:lvl3pPr>
+            <a:lvl4pPr marL="1600200" indent="-228600" algn="l" defTabSz="457200" rtl="0" eaLnBrk="1" latinLnBrk="0" hangingPunct="1">
+              <a:spcBef>
+                <a:spcPts val="1000"/>
+              </a:spcBef>
+              <a:spcAft>
+                <a:spcPts val="0"/>
+              </a:spcAft>
+              <a:buClr>
+                <a:schemeClr val="accent1"/>
+              </a:buClr>
+              <a:buFont typeface="Wingdings 3" charset="2"/>
+              <a:buChar char=""/>
+              <a:defRPr sz="1200" kern="1200">
+                <a:solidFill>
+                  <a:schemeClr val="tx1">
+                    <a:lumMod val="75000"/>
+                    <a:lumOff val="25000"/>
+                  </a:schemeClr>
+                </a:solidFill>
+                <a:latin typeface="+mn-lt"/>
+                <a:ea typeface="+mn-ea"/>
+                <a:cs typeface="+mn-cs"/>
+              </a:defRPr>
+            </a:lvl4pPr>
+            <a:lvl5pPr marL="2057400" indent="-228600" algn="l" defTabSz="457200" rtl="0" eaLnBrk="1" latinLnBrk="0" hangingPunct="1">
+              <a:spcBef>
+                <a:spcPts val="1000"/>
+              </a:spcBef>
+              <a:spcAft>
+                <a:spcPts val="0"/>
+              </a:spcAft>
+              <a:buClr>
+                <a:schemeClr val="accent1"/>
+              </a:buClr>
+              <a:buFont typeface="Wingdings 3" charset="2"/>
+              <a:buChar char=""/>
+              <a:defRPr sz="1200" kern="1200">
+                <a:solidFill>
+                  <a:schemeClr val="tx1">
+                    <a:lumMod val="75000"/>
+                    <a:lumOff val="25000"/>
+                  </a:schemeClr>
+                </a:solidFill>
+                <a:latin typeface="+mn-lt"/>
+                <a:ea typeface="+mn-ea"/>
+                <a:cs typeface="+mn-cs"/>
+              </a:defRPr>
+            </a:lvl5pPr>
+            <a:lvl6pPr marL="2514600" indent="-228600" algn="l" defTabSz="457200" rtl="0" eaLnBrk="1" latinLnBrk="0" hangingPunct="1">
+              <a:spcBef>
+                <a:spcPts val="1000"/>
+              </a:spcBef>
+              <a:spcAft>
+                <a:spcPts val="0"/>
+              </a:spcAft>
+              <a:buClr>
+                <a:schemeClr val="accent1"/>
+              </a:buClr>
+              <a:buFont typeface="Wingdings 3" charset="2"/>
+              <a:buChar char=""/>
+              <a:defRPr sz="1200" kern="1200">
+                <a:solidFill>
+                  <a:schemeClr val="tx1">
+                    <a:lumMod val="75000"/>
+                    <a:lumOff val="25000"/>
+                  </a:schemeClr>
+                </a:solidFill>
+                <a:latin typeface="+mn-lt"/>
+                <a:ea typeface="+mn-ea"/>
+                <a:cs typeface="+mn-cs"/>
+              </a:defRPr>
+            </a:lvl6pPr>
+            <a:lvl7pPr marL="2971800" indent="-228600" algn="l" defTabSz="457200" rtl="0" eaLnBrk="1" latinLnBrk="0" hangingPunct="1">
+              <a:spcBef>
+                <a:spcPts val="1000"/>
+              </a:spcBef>
+              <a:spcAft>
+                <a:spcPts val="0"/>
+              </a:spcAft>
+              <a:buClr>
+                <a:schemeClr val="accent1"/>
+              </a:buClr>
+              <a:buFont typeface="Wingdings 3" charset="2"/>
+              <a:buChar char=""/>
+              <a:defRPr sz="1200" kern="1200">
+                <a:solidFill>
+                  <a:schemeClr val="tx1">
+                    <a:lumMod val="75000"/>
+                    <a:lumOff val="25000"/>
+                  </a:schemeClr>
+                </a:solidFill>
+                <a:latin typeface="+mn-lt"/>
+                <a:ea typeface="+mn-ea"/>
+                <a:cs typeface="+mn-cs"/>
+              </a:defRPr>
+            </a:lvl7pPr>
+            <a:lvl8pPr marL="3429000" indent="-228600" algn="l" defTabSz="457200" rtl="0" eaLnBrk="1" latinLnBrk="0" hangingPunct="1">
+              <a:spcBef>
+                <a:spcPts val="1000"/>
+              </a:spcBef>
+              <a:spcAft>
+                <a:spcPts val="0"/>
+              </a:spcAft>
+              <a:buClr>
+                <a:schemeClr val="accent1"/>
+              </a:buClr>
+              <a:buFont typeface="Wingdings 3" charset="2"/>
+              <a:buChar char=""/>
+              <a:defRPr sz="1200" kern="1200">
+                <a:solidFill>
+                  <a:schemeClr val="tx1">
+                    <a:lumMod val="75000"/>
+                    <a:lumOff val="25000"/>
+                  </a:schemeClr>
+                </a:solidFill>
+                <a:latin typeface="+mn-lt"/>
+                <a:ea typeface="+mn-ea"/>
+                <a:cs typeface="+mn-cs"/>
+              </a:defRPr>
+            </a:lvl8pPr>
+            <a:lvl9pPr marL="3886200" indent="-228600" algn="l" defTabSz="457200" rtl="0" eaLnBrk="1" latinLnBrk="0" hangingPunct="1">
+              <a:spcBef>
+                <a:spcPts val="1000"/>
+              </a:spcBef>
+              <a:spcAft>
+                <a:spcPts val="0"/>
+              </a:spcAft>
+              <a:buClr>
+                <a:schemeClr val="accent1"/>
+              </a:buClr>
+              <a:buFont typeface="Wingdings 3" charset="2"/>
+              <a:buChar char=""/>
+              <a:defRPr sz="1200" kern="1200">
+                <a:solidFill>
+                  <a:schemeClr val="tx1">
+                    <a:lumMod val="75000"/>
+                    <a:lumOff val="25000"/>
+                  </a:schemeClr>
+                </a:solidFill>
+                <a:latin typeface="+mn-lt"/>
+                <a:ea typeface="+mn-ea"/>
+                <a:cs typeface="+mn-cs"/>
+              </a:defRPr>
+            </a:lvl9pPr>
+          </a:lstStyle>
+          <a:p>
+            <a:pPr>
+              <a:buFont typeface="Wingdings" panose="05000000000000000000" pitchFamily="2" charset="2"/>
+              <a:buChar char="v"/>
+            </a:pPr>
+            <a:r>
+              <a:rPr lang="id-ID" sz="2000" dirty="0"/>
+              <a:t>Bahasa Isyarat yang Digunakan</a:t>
+            </a:r>
+          </a:p>
+        </p:txBody>
+      </p:sp>
     </p:spTree>
     <p:extLst>
       <p:ext uri="{BB962C8B-B14F-4D97-AF65-F5344CB8AC3E}">
@@ -13768,7 +18944,12 @@
                 <p:ph idx="1"/>
               </p:nvPr>
             </p:nvSpPr>
-            <p:spPr/>
+            <p:spPr>
+              <a:xfrm>
+                <a:off x="2589212" y="1152709"/>
+                <a:ext cx="8915400" cy="3777622"/>
+              </a:xfrm>
+            </p:spPr>
             <p:txBody>
               <a:bodyPr>
                 <a:normAutofit/>
@@ -13800,24 +18981,32 @@
                     <m:sSub>
                       <m:sSubPr>
                         <m:ctrlPr>
-                          <a:rPr lang="id-ID" sz="2800" i="1"/>
+                          <a:rPr lang="id-ID" sz="2800" i="1">
+                            <a:latin typeface="Cambria Math" panose="02040503050406030204" pitchFamily="18" charset="0"/>
+                          </a:rPr>
                         </m:ctrlPr>
                       </m:sSubPr>
                       <m:e>
                         <m:r>
-                          <a:rPr lang="en-US" sz="2800" i="1"/>
+                          <a:rPr lang="en-US" sz="2800" i="1">
+                            <a:latin typeface="Cambria Math" panose="02040503050406030204" pitchFamily="18" charset="0"/>
+                          </a:rPr>
                           <m:t>𝛼</m:t>
                         </m:r>
                       </m:e>
                       <m:sub>
                         <m:r>
-                          <a:rPr lang="en-US" sz="2800" i="1"/>
+                          <a:rPr lang="en-US" sz="2800" i="1">
+                            <a:latin typeface="Cambria Math" panose="02040503050406030204" pitchFamily="18" charset="0"/>
+                          </a:rPr>
                           <m:t>𝑡</m:t>
                         </m:r>
                       </m:sub>
                     </m:sSub>
                     <m:r>
-                      <a:rPr lang="en-US" sz="2800" i="1"/>
+                      <a:rPr lang="en-US" sz="2800" i="1">
+                        <a:latin typeface="Cambria Math" panose="02040503050406030204" pitchFamily="18" charset="0"/>
+                      </a:rPr>
                       <m:t>∈(0, 360°)</m:t>
                     </m:r>
                   </m:oMath>
@@ -13845,6 +19034,10 @@
               </p:nvPr>
             </p:nvSpPr>
             <p:spPr>
+              <a:xfrm>
+                <a:off x="2589212" y="1152709"/>
+                <a:ext cx="8915400" cy="3777622"/>
+              </a:xfrm>
               <a:blipFill>
                 <a:blip r:embed="rId2"/>
                 <a:stretch>
@@ -13889,7 +19082,7 @@
         </p:blipFill>
         <p:spPr>
           <a:xfrm>
-            <a:off x="2589212" y="3328468"/>
+            <a:off x="2589212" y="2347577"/>
             <a:ext cx="6953799" cy="2837150"/>
           </a:xfrm>
           <a:prstGeom prst="rect">
@@ -13897,6 +19090,300 @@
           </a:prstGeom>
         </p:spPr>
       </p:pic>
+      <p:sp>
+        <p:nvSpPr>
+          <p:cNvPr id="5" name="Content Placeholder 2">
+            <a:extLst>
+              <a:ext uri="{FF2B5EF4-FFF2-40B4-BE49-F238E27FC236}">
+                <a16:creationId xmlns:a16="http://schemas.microsoft.com/office/drawing/2014/main" id="{A731D702-36D9-4E2C-9B9A-CFD2FB50A538}"/>
+              </a:ext>
+            </a:extLst>
+          </p:cNvPr>
+          <p:cNvSpPr txBox="1">
+            <a:spLocks/>
+          </p:cNvSpPr>
+          <p:nvPr/>
+        </p:nvSpPr>
+        <p:spPr>
+          <a:xfrm>
+            <a:off x="2589211" y="5456022"/>
+            <a:ext cx="8682847" cy="3116886"/>
+          </a:xfrm>
+          <a:prstGeom prst="rect">
+            <a:avLst/>
+          </a:prstGeom>
+        </p:spPr>
+        <p:txBody>
+          <a:bodyPr vert="horz" lIns="91440" tIns="45720" rIns="91440" bIns="45720" rtlCol="0">
+            <a:normAutofit/>
+          </a:bodyPr>
+          <a:lstStyle>
+            <a:lvl1pPr marL="342900" indent="-342900" algn="l" defTabSz="457200" rtl="0" eaLnBrk="1" latinLnBrk="0" hangingPunct="1">
+              <a:spcBef>
+                <a:spcPts val="1000"/>
+              </a:spcBef>
+              <a:spcAft>
+                <a:spcPts val="0"/>
+              </a:spcAft>
+              <a:buClr>
+                <a:schemeClr val="accent1"/>
+              </a:buClr>
+              <a:buFont typeface="Wingdings 3" charset="2"/>
+              <a:buChar char=""/>
+              <a:defRPr sz="1800" kern="1200">
+                <a:solidFill>
+                  <a:schemeClr val="tx1">
+                    <a:lumMod val="75000"/>
+                    <a:lumOff val="25000"/>
+                  </a:schemeClr>
+                </a:solidFill>
+                <a:latin typeface="+mn-lt"/>
+                <a:ea typeface="+mn-ea"/>
+                <a:cs typeface="+mn-cs"/>
+              </a:defRPr>
+            </a:lvl1pPr>
+            <a:lvl2pPr marL="742950" indent="-285750" algn="l" defTabSz="457200" rtl="0" eaLnBrk="1" latinLnBrk="0" hangingPunct="1">
+              <a:spcBef>
+                <a:spcPts val="1000"/>
+              </a:spcBef>
+              <a:spcAft>
+                <a:spcPts val="0"/>
+              </a:spcAft>
+              <a:buClr>
+                <a:schemeClr val="accent1"/>
+              </a:buClr>
+              <a:buFont typeface="Wingdings 3" charset="2"/>
+              <a:buChar char=""/>
+              <a:defRPr sz="1600" kern="1200">
+                <a:solidFill>
+                  <a:schemeClr val="tx1">
+                    <a:lumMod val="75000"/>
+                    <a:lumOff val="25000"/>
+                  </a:schemeClr>
+                </a:solidFill>
+                <a:latin typeface="+mn-lt"/>
+                <a:ea typeface="+mn-ea"/>
+                <a:cs typeface="+mn-cs"/>
+              </a:defRPr>
+            </a:lvl2pPr>
+            <a:lvl3pPr marL="1143000" indent="-228600" algn="l" defTabSz="457200" rtl="0" eaLnBrk="1" latinLnBrk="0" hangingPunct="1">
+              <a:spcBef>
+                <a:spcPts val="1000"/>
+              </a:spcBef>
+              <a:spcAft>
+                <a:spcPts val="0"/>
+              </a:spcAft>
+              <a:buClr>
+                <a:schemeClr val="accent1"/>
+              </a:buClr>
+              <a:buFont typeface="Wingdings 3" charset="2"/>
+              <a:buChar char=""/>
+              <a:defRPr sz="1400" kern="1200">
+                <a:solidFill>
+                  <a:schemeClr val="tx1">
+                    <a:lumMod val="75000"/>
+                    <a:lumOff val="25000"/>
+                  </a:schemeClr>
+                </a:solidFill>
+                <a:latin typeface="+mn-lt"/>
+                <a:ea typeface="+mn-ea"/>
+                <a:cs typeface="+mn-cs"/>
+              </a:defRPr>
+            </a:lvl3pPr>
+            <a:lvl4pPr marL="1600200" indent="-228600" algn="l" defTabSz="457200" rtl="0" eaLnBrk="1" latinLnBrk="0" hangingPunct="1">
+              <a:spcBef>
+                <a:spcPts val="1000"/>
+              </a:spcBef>
+              <a:spcAft>
+                <a:spcPts val="0"/>
+              </a:spcAft>
+              <a:buClr>
+                <a:schemeClr val="accent1"/>
+              </a:buClr>
+              <a:buFont typeface="Wingdings 3" charset="2"/>
+              <a:buChar char=""/>
+              <a:defRPr sz="1200" kern="1200">
+                <a:solidFill>
+                  <a:schemeClr val="tx1">
+                    <a:lumMod val="75000"/>
+                    <a:lumOff val="25000"/>
+                  </a:schemeClr>
+                </a:solidFill>
+                <a:latin typeface="+mn-lt"/>
+                <a:ea typeface="+mn-ea"/>
+                <a:cs typeface="+mn-cs"/>
+              </a:defRPr>
+            </a:lvl4pPr>
+            <a:lvl5pPr marL="2057400" indent="-228600" algn="l" defTabSz="457200" rtl="0" eaLnBrk="1" latinLnBrk="0" hangingPunct="1">
+              <a:spcBef>
+                <a:spcPts val="1000"/>
+              </a:spcBef>
+              <a:spcAft>
+                <a:spcPts val="0"/>
+              </a:spcAft>
+              <a:buClr>
+                <a:schemeClr val="accent1"/>
+              </a:buClr>
+              <a:buFont typeface="Wingdings 3" charset="2"/>
+              <a:buChar char=""/>
+              <a:defRPr sz="1200" kern="1200">
+                <a:solidFill>
+                  <a:schemeClr val="tx1">
+                    <a:lumMod val="75000"/>
+                    <a:lumOff val="25000"/>
+                  </a:schemeClr>
+                </a:solidFill>
+                <a:latin typeface="+mn-lt"/>
+                <a:ea typeface="+mn-ea"/>
+                <a:cs typeface="+mn-cs"/>
+              </a:defRPr>
+            </a:lvl5pPr>
+            <a:lvl6pPr marL="2514600" indent="-228600" algn="l" defTabSz="457200" rtl="0" eaLnBrk="1" latinLnBrk="0" hangingPunct="1">
+              <a:spcBef>
+                <a:spcPts val="1000"/>
+              </a:spcBef>
+              <a:spcAft>
+                <a:spcPts val="0"/>
+              </a:spcAft>
+              <a:buClr>
+                <a:schemeClr val="accent1"/>
+              </a:buClr>
+              <a:buFont typeface="Wingdings 3" charset="2"/>
+              <a:buChar char=""/>
+              <a:defRPr sz="1200" kern="1200">
+                <a:solidFill>
+                  <a:schemeClr val="tx1">
+                    <a:lumMod val="75000"/>
+                    <a:lumOff val="25000"/>
+                  </a:schemeClr>
+                </a:solidFill>
+                <a:latin typeface="+mn-lt"/>
+                <a:ea typeface="+mn-ea"/>
+                <a:cs typeface="+mn-cs"/>
+              </a:defRPr>
+            </a:lvl6pPr>
+            <a:lvl7pPr marL="2971800" indent="-228600" algn="l" defTabSz="457200" rtl="0" eaLnBrk="1" latinLnBrk="0" hangingPunct="1">
+              <a:spcBef>
+                <a:spcPts val="1000"/>
+              </a:spcBef>
+              <a:spcAft>
+                <a:spcPts val="0"/>
+              </a:spcAft>
+              <a:buClr>
+                <a:schemeClr val="accent1"/>
+              </a:buClr>
+              <a:buFont typeface="Wingdings 3" charset="2"/>
+              <a:buChar char=""/>
+              <a:defRPr sz="1200" kern="1200">
+                <a:solidFill>
+                  <a:schemeClr val="tx1">
+                    <a:lumMod val="75000"/>
+                    <a:lumOff val="25000"/>
+                  </a:schemeClr>
+                </a:solidFill>
+                <a:latin typeface="+mn-lt"/>
+                <a:ea typeface="+mn-ea"/>
+                <a:cs typeface="+mn-cs"/>
+              </a:defRPr>
+            </a:lvl7pPr>
+            <a:lvl8pPr marL="3429000" indent="-228600" algn="l" defTabSz="457200" rtl="0" eaLnBrk="1" latinLnBrk="0" hangingPunct="1">
+              <a:spcBef>
+                <a:spcPts val="1000"/>
+              </a:spcBef>
+              <a:spcAft>
+                <a:spcPts val="0"/>
+              </a:spcAft>
+              <a:buClr>
+                <a:schemeClr val="accent1"/>
+              </a:buClr>
+              <a:buFont typeface="Wingdings 3" charset="2"/>
+              <a:buChar char=""/>
+              <a:defRPr sz="1200" kern="1200">
+                <a:solidFill>
+                  <a:schemeClr val="tx1">
+                    <a:lumMod val="75000"/>
+                    <a:lumOff val="25000"/>
+                  </a:schemeClr>
+                </a:solidFill>
+                <a:latin typeface="+mn-lt"/>
+                <a:ea typeface="+mn-ea"/>
+                <a:cs typeface="+mn-cs"/>
+              </a:defRPr>
+            </a:lvl8pPr>
+            <a:lvl9pPr marL="3886200" indent="-228600" algn="l" defTabSz="457200" rtl="0" eaLnBrk="1" latinLnBrk="0" hangingPunct="1">
+              <a:spcBef>
+                <a:spcPts val="1000"/>
+              </a:spcBef>
+              <a:spcAft>
+                <a:spcPts val="0"/>
+              </a:spcAft>
+              <a:buClr>
+                <a:schemeClr val="accent1"/>
+              </a:buClr>
+              <a:buFont typeface="Wingdings 3" charset="2"/>
+              <a:buChar char=""/>
+              <a:defRPr sz="1200" kern="1200">
+                <a:solidFill>
+                  <a:schemeClr val="tx1">
+                    <a:lumMod val="75000"/>
+                    <a:lumOff val="25000"/>
+                  </a:schemeClr>
+                </a:solidFill>
+                <a:latin typeface="+mn-lt"/>
+                <a:ea typeface="+mn-ea"/>
+                <a:cs typeface="+mn-cs"/>
+              </a:defRPr>
+            </a:lvl9pPr>
+          </a:lstStyle>
+          <a:p>
+            <a:pPr>
+              <a:buFont typeface="Wingdings" panose="05000000000000000000" pitchFamily="2" charset="2"/>
+              <a:buChar char="v"/>
+            </a:pPr>
+            <a:r>
+              <a:rPr lang="en-US" dirty="0" err="1"/>
+              <a:t>Yanmei</a:t>
+            </a:r>
+            <a:r>
+              <a:rPr lang="en-US" dirty="0"/>
+              <a:t> Chen, Bing Luo, Yen-</a:t>
+            </a:r>
+            <a:r>
+              <a:rPr lang="en-US" dirty="0" err="1"/>
+              <a:t>Lun</a:t>
+            </a:r>
+            <a:r>
+              <a:rPr lang="en-US" dirty="0"/>
+              <a:t> Chen, </a:t>
+            </a:r>
+            <a:r>
+              <a:rPr lang="en-US" dirty="0" err="1"/>
+              <a:t>Guoyuan</a:t>
+            </a:r>
+            <a:r>
+              <a:rPr lang="en-US" dirty="0"/>
+              <a:t> Liang, </a:t>
+            </a:r>
+            <a:r>
+              <a:rPr lang="en-US" dirty="0" err="1"/>
+              <a:t>Xinyu</a:t>
+            </a:r>
+            <a:r>
+              <a:rPr lang="en-US" dirty="0"/>
+              <a:t> Wu. 2015. "A Real-time Dynamic Hand Gesture Recognition System Using Kinect Sensor." 2015 IEEE International Conference on Robotics and </a:t>
+            </a:r>
+            <a:r>
+              <a:rPr lang="en-US" dirty="0" err="1"/>
+              <a:t>Biomimetics</a:t>
+            </a:r>
+            <a:r>
+              <a:rPr lang="en-US" dirty="0"/>
+              <a:t> (ROBIO). Zhuhai: IEEE. 2026-2030.</a:t>
+            </a:r>
+            <a:endParaRPr lang="id-ID" sz="2000" dirty="0"/>
+          </a:p>
+        </p:txBody>
+      </p:sp>
     </p:spTree>
     <p:extLst>
       <p:ext uri="{BB962C8B-B14F-4D97-AF65-F5344CB8AC3E}">
